--- a/Riyad.pptx
+++ b/Riyad.pptx
@@ -34,8 +34,11 @@
   <p:notesSz cx="6858000" cy="9144000"/>
   <p:embeddedFontLst>
     <p:embeddedFont>
-      <p:font typeface="Luktao Bold" panose="020B0604020202020204" charset="-34"/>
+      <p:font typeface="Calibri" pitchFamily="34" charset="0"/>
       <p:regular r:id="rId24"/>
+      <p:bold r:id="rId25"/>
+      <p:italic r:id="rId26"/>
+      <p:boldItalic r:id="rId27"/>
     </p:embeddedFont>
   </p:embeddedFontLst>
   <p:defaultTextStyle>
@@ -135,7 +138,7 @@
   </p:defaultTextStyle>
   <p:extLst>
     <p:ext uri="{EFAFB233-063F-42B5-8137-9DF3F51BA10A}">
-      <p15:sldGuideLst xmlns:p15="http://schemas.microsoft.com/office/powerpoint/2012/main">
+      <p15:sldGuideLst xmlns:p15="http://schemas.microsoft.com/office/powerpoint/2012/main" xmlns="">
         <p15:guide id="1" orient="horz" pos="2160">
           <p15:clr>
             <a:srgbClr val="A4A3A4"/>
@@ -1404,7 +1407,8 @@
           <a:p>
             <a:fld id="{A55CD6C1-6679-478D-A349-58F0822F7C5D}" type="datetimeFigureOut">
               <a:rPr lang="en-US" smtClean="0"/>
-              <a:t>12/26/2025</a:t>
+              <a:pPr/>
+              <a:t>12/28/2025</a:t>
             </a:fld>
             <a:endParaRPr lang="en-US"/>
           </a:p>
@@ -1562,6 +1566,7 @@
           <a:p>
             <a:fld id="{CA4FD0B6-D9DB-45E2-86D4-8962BE963EB0}" type="slidenum">
               <a:rPr lang="en-US" smtClean="0"/>
+              <a:pPr/>
               <a:t>‹#›</a:t>
             </a:fld>
             <a:endParaRPr lang="en-US"/>
@@ -1571,7 +1576,7 @@
     </p:spTree>
     <p:extLst>
       <p:ext uri="{BB962C8B-B14F-4D97-AF65-F5344CB8AC3E}">
-        <p14:creationId xmlns:p14="http://schemas.microsoft.com/office/powerpoint/2010/main" val="1787164136"/>
+        <p14:creationId xmlns:p14="http://schemas.microsoft.com/office/powerpoint/2010/main" xmlns="" val="1787164136"/>
       </p:ext>
     </p:extLst>
   </p:cSld>
@@ -1851,7 +1856,7 @@
             <a:fld id="{1D8BD707-D9CF-40AE-B4C6-C98DA3205C09}" type="datetimeFigureOut">
               <a:rPr lang="en-US" smtClean="0"/>
               <a:pPr/>
-              <a:t>12/26/2025</a:t>
+              <a:t>12/28/2025</a:t>
             </a:fld>
             <a:endParaRPr lang="en-US"/>
           </a:p>
@@ -2016,7 +2021,7 @@
             <a:fld id="{1D8BD707-D9CF-40AE-B4C6-C98DA3205C09}" type="datetimeFigureOut">
               <a:rPr lang="en-US" smtClean="0"/>
               <a:pPr/>
-              <a:t>12/26/2025</a:t>
+              <a:t>12/28/2025</a:t>
             </a:fld>
             <a:endParaRPr lang="en-US"/>
           </a:p>
@@ -2191,7 +2196,7 @@
             <a:fld id="{1D8BD707-D9CF-40AE-B4C6-C98DA3205C09}" type="datetimeFigureOut">
               <a:rPr lang="en-US" smtClean="0"/>
               <a:pPr/>
-              <a:t>12/26/2025</a:t>
+              <a:t>12/28/2025</a:t>
             </a:fld>
             <a:endParaRPr lang="en-US"/>
           </a:p>
@@ -2356,7 +2361,7 @@
             <a:fld id="{1D8BD707-D9CF-40AE-B4C6-C98DA3205C09}" type="datetimeFigureOut">
               <a:rPr lang="en-US" smtClean="0"/>
               <a:pPr/>
-              <a:t>12/26/2025</a:t>
+              <a:t>12/28/2025</a:t>
             </a:fld>
             <a:endParaRPr lang="en-US"/>
           </a:p>
@@ -2598,7 +2603,7 @@
             <a:fld id="{1D8BD707-D9CF-40AE-B4C6-C98DA3205C09}" type="datetimeFigureOut">
               <a:rPr lang="en-US" smtClean="0"/>
               <a:pPr/>
-              <a:t>12/26/2025</a:t>
+              <a:t>12/28/2025</a:t>
             </a:fld>
             <a:endParaRPr lang="en-US"/>
           </a:p>
@@ -2880,7 +2885,7 @@
             <a:fld id="{1D8BD707-D9CF-40AE-B4C6-C98DA3205C09}" type="datetimeFigureOut">
               <a:rPr lang="en-US" smtClean="0"/>
               <a:pPr/>
-              <a:t>12/26/2025</a:t>
+              <a:t>12/28/2025</a:t>
             </a:fld>
             <a:endParaRPr lang="en-US"/>
           </a:p>
@@ -3296,7 +3301,7 @@
             <a:fld id="{1D8BD707-D9CF-40AE-B4C6-C98DA3205C09}" type="datetimeFigureOut">
               <a:rPr lang="en-US" smtClean="0"/>
               <a:pPr/>
-              <a:t>12/26/2025</a:t>
+              <a:t>12/28/2025</a:t>
             </a:fld>
             <a:endParaRPr lang="en-US"/>
           </a:p>
@@ -3410,7 +3415,7 @@
             <a:fld id="{1D8BD707-D9CF-40AE-B4C6-C98DA3205C09}" type="datetimeFigureOut">
               <a:rPr lang="en-US" smtClean="0"/>
               <a:pPr/>
-              <a:t>12/26/2025</a:t>
+              <a:t>12/28/2025</a:t>
             </a:fld>
             <a:endParaRPr lang="en-US"/>
           </a:p>
@@ -3502,7 +3507,7 @@
             <a:fld id="{1D8BD707-D9CF-40AE-B4C6-C98DA3205C09}" type="datetimeFigureOut">
               <a:rPr lang="en-US" smtClean="0"/>
               <a:pPr/>
-              <a:t>12/26/2025</a:t>
+              <a:t>12/28/2025</a:t>
             </a:fld>
             <a:endParaRPr lang="en-US"/>
           </a:p>
@@ -3774,7 +3779,7 @@
             <a:fld id="{1D8BD707-D9CF-40AE-B4C6-C98DA3205C09}" type="datetimeFigureOut">
               <a:rPr lang="en-US" smtClean="0"/>
               <a:pPr/>
-              <a:t>12/26/2025</a:t>
+              <a:t>12/28/2025</a:t>
             </a:fld>
             <a:endParaRPr lang="en-US"/>
           </a:p>
@@ -4023,7 +4028,7 @@
             <a:fld id="{1D8BD707-D9CF-40AE-B4C6-C98DA3205C09}" type="datetimeFigureOut">
               <a:rPr lang="en-US" smtClean="0"/>
               <a:pPr/>
-              <a:t>12/26/2025</a:t>
+              <a:t>12/28/2025</a:t>
             </a:fld>
             <a:endParaRPr lang="en-US"/>
           </a:p>
@@ -4231,7 +4236,7 @@
             <a:fld id="{1D8BD707-D9CF-40AE-B4C6-C98DA3205C09}" type="datetimeFigureOut">
               <a:rPr lang="en-US" smtClean="0"/>
               <a:pPr/>
-              <a:t>12/26/2025</a:t>
+              <a:t>12/28/2025</a:t>
             </a:fld>
             <a:endParaRPr lang="en-US"/>
           </a:p>
@@ -4652,7 +4657,7 @@
             <a:blip r:embed="rId2">
               <a:extLst>
                 <a:ext uri="{96DAC541-7B7A-43D3-8B79-37D633B846F1}">
-                  <asvg:svgBlip xmlns:asvg="http://schemas.microsoft.com/office/drawing/2016/SVG/main" r:embed="rId3"/>
+                  <asvg:svgBlip xmlns:asvg="http://schemas.microsoft.com/office/drawing/2016/SVG/main" xmlns="" r:embed="rId3"/>
                 </a:ext>
               </a:extLst>
             </a:blip>
@@ -4704,7 +4709,7 @@
             <a:blip r:embed="rId4">
               <a:extLst>
                 <a:ext uri="{96DAC541-7B7A-43D3-8B79-37D633B846F1}">
-                  <asvg:svgBlip xmlns:asvg="http://schemas.microsoft.com/office/drawing/2016/SVG/main" r:embed="rId5"/>
+                  <asvg:svgBlip xmlns:asvg="http://schemas.microsoft.com/office/drawing/2016/SVG/main" xmlns="" r:embed="rId5"/>
                 </a:ext>
               </a:extLst>
             </a:blip>
@@ -4756,7 +4761,7 @@
             <a:blip r:embed="rId6">
               <a:extLst>
                 <a:ext uri="{96DAC541-7B7A-43D3-8B79-37D633B846F1}">
-                  <asvg:svgBlip xmlns:asvg="http://schemas.microsoft.com/office/drawing/2016/SVG/main" r:embed="rId7"/>
+                  <asvg:svgBlip xmlns:asvg="http://schemas.microsoft.com/office/drawing/2016/SVG/main" xmlns="" r:embed="rId7"/>
                 </a:ext>
               </a:extLst>
             </a:blip>
@@ -4808,7 +4813,7 @@
             <a:blip r:embed="rId2">
               <a:extLst>
                 <a:ext uri="{96DAC541-7B7A-43D3-8B79-37D633B846F1}">
-                  <asvg:svgBlip xmlns:asvg="http://schemas.microsoft.com/office/drawing/2016/SVG/main" r:embed="rId3"/>
+                  <asvg:svgBlip xmlns:asvg="http://schemas.microsoft.com/office/drawing/2016/SVG/main" xmlns="" r:embed="rId3"/>
                 </a:ext>
               </a:extLst>
             </a:blip>
@@ -4860,7 +4865,7 @@
             <a:blip r:embed="rId8">
               <a:extLst>
                 <a:ext uri="{96DAC541-7B7A-43D3-8B79-37D633B846F1}">
-                  <asvg:svgBlip xmlns:asvg="http://schemas.microsoft.com/office/drawing/2016/SVG/main" r:embed="rId9"/>
+                  <asvg:svgBlip xmlns:asvg="http://schemas.microsoft.com/office/drawing/2016/SVG/main" xmlns="" r:embed="rId9"/>
                 </a:ext>
               </a:extLst>
             </a:blip>
@@ -4912,7 +4917,7 @@
             <a:blip r:embed="rId10">
               <a:extLst>
                 <a:ext uri="{96DAC541-7B7A-43D3-8B79-37D633B846F1}">
-                  <asvg:svgBlip xmlns:asvg="http://schemas.microsoft.com/office/drawing/2016/SVG/main" r:embed="rId11"/>
+                  <asvg:svgBlip xmlns:asvg="http://schemas.microsoft.com/office/drawing/2016/SVG/main" xmlns="" r:embed="rId11"/>
                 </a:ext>
               </a:extLst>
             </a:blip>
@@ -4927,7 +4932,7 @@
           <p:cNvPr id="10" name="object 2">
             <a:extLst>
               <a:ext uri="{FF2B5EF4-FFF2-40B4-BE49-F238E27FC236}">
-                <a16:creationId xmlns:a16="http://schemas.microsoft.com/office/drawing/2014/main" id="{A99E6AB3-51AD-EDE0-2F77-DDF5464F2DCF}"/>
+                <a16:creationId xmlns:a16="http://schemas.microsoft.com/office/drawing/2014/main" xmlns="" id="{A99E6AB3-51AD-EDE0-2F77-DDF5464F2DCF}"/>
               </a:ext>
             </a:extLst>
           </p:cNvPr>
@@ -5076,7 +5081,7 @@
           <p:cNvPr id="12" name="object 6">
             <a:extLst>
               <a:ext uri="{FF2B5EF4-FFF2-40B4-BE49-F238E27FC236}">
-                <a16:creationId xmlns:a16="http://schemas.microsoft.com/office/drawing/2014/main" id="{B2593579-F640-1D82-5CAC-EF1F63B63A68}"/>
+                <a16:creationId xmlns:a16="http://schemas.microsoft.com/office/drawing/2014/main" xmlns="" id="{B2593579-F640-1D82-5CAC-EF1F63B63A68}"/>
               </a:ext>
             </a:extLst>
           </p:cNvPr>
@@ -5292,7 +5297,7 @@
           <p:cNvPr id="13" name="object 3">
             <a:extLst>
               <a:ext uri="{FF2B5EF4-FFF2-40B4-BE49-F238E27FC236}">
-                <a16:creationId xmlns:a16="http://schemas.microsoft.com/office/drawing/2014/main" id="{7C053AF8-412C-B893-3C22-9AAEEBEEE26C}"/>
+                <a16:creationId xmlns:a16="http://schemas.microsoft.com/office/drawing/2014/main" xmlns="" id="{7C053AF8-412C-B893-3C22-9AAEEBEEE26C}"/>
               </a:ext>
             </a:extLst>
           </p:cNvPr>
@@ -5539,7 +5544,7 @@
           <p:cNvPr id="8" name="Picture 7">
             <a:extLst>
               <a:ext uri="{FF2B5EF4-FFF2-40B4-BE49-F238E27FC236}">
-                <a16:creationId xmlns:a16="http://schemas.microsoft.com/office/drawing/2014/main" id="{7EBBBE65-B4B4-EBA2-D3DD-CE690C0B8319}"/>
+                <a16:creationId xmlns:a16="http://schemas.microsoft.com/office/drawing/2014/main" xmlns="" id="{7EBBBE65-B4B4-EBA2-D3DD-CE690C0B8319}"/>
               </a:ext>
             </a:extLst>
           </p:cNvPr>
@@ -5569,7 +5574,7 @@
           <p:cNvPr id="9" name="object 3">
             <a:extLst>
               <a:ext uri="{FF2B5EF4-FFF2-40B4-BE49-F238E27FC236}">
-                <a16:creationId xmlns:a16="http://schemas.microsoft.com/office/drawing/2014/main" id="{1BCDD7FF-DDEC-FBBF-AFFC-B5104C356CF9}"/>
+                <a16:creationId xmlns:a16="http://schemas.microsoft.com/office/drawing/2014/main" xmlns="" id="{1BCDD7FF-DDEC-FBBF-AFFC-B5104C356CF9}"/>
               </a:ext>
             </a:extLst>
           </p:cNvPr>
@@ -5817,7 +5822,7 @@
           <p:cNvPr id="18" name="Date Placeholder 17">
             <a:extLst>
               <a:ext uri="{FF2B5EF4-FFF2-40B4-BE49-F238E27FC236}">
-                <a16:creationId xmlns:a16="http://schemas.microsoft.com/office/drawing/2014/main" id="{BDA37B97-D13D-1624-1EB9-A1EAE01DFFC6}"/>
+                <a16:creationId xmlns:a16="http://schemas.microsoft.com/office/drawing/2014/main" xmlns="" id="{BDA37B97-D13D-1624-1EB9-A1EAE01DFFC6}"/>
               </a:ext>
             </a:extLst>
           </p:cNvPr>
@@ -5846,7 +5851,8 @@
                 <a:latin typeface="Times New Roman" panose="02020603050405020304" pitchFamily="18" charset="0"/>
                 <a:cs typeface="Times New Roman" panose="02020603050405020304" pitchFamily="18" charset="0"/>
               </a:rPr>
-              <a:t>Friday, December 26, 2025</a:t>
+              <a:pPr/>
+              <a:t>Sunday, December 28, 2025</a:t>
             </a:fld>
             <a:endParaRPr lang="en-US" b="1" dirty="0">
               <a:solidFill>
@@ -5863,6 +5869,13 @@
   <p:clrMapOvr>
     <a:masterClrMapping/>
   </p:clrMapOvr>
+  <p:timing>
+    <p:tnLst>
+      <p:par>
+        <p:cTn id="1" dur="indefinite" restart="never" nodeType="tmRoot"/>
+      </p:par>
+    </p:tnLst>
+  </p:timing>
 </p:sld>
 </file>
 
@@ -5882,7 +5895,7 @@
         <p:cNvPr id="1" name="">
           <a:extLst>
             <a:ext uri="{FF2B5EF4-FFF2-40B4-BE49-F238E27FC236}">
-              <a16:creationId xmlns:a16="http://schemas.microsoft.com/office/drawing/2014/main" id="{4216F341-F4B8-FA68-3865-B88CC0EB2FB5}"/>
+              <a16:creationId xmlns:a16="http://schemas.microsoft.com/office/drawing/2014/main" xmlns="" id="{4216F341-F4B8-FA68-3865-B88CC0EB2FB5}"/>
             </a:ext>
           </a:extLst>
         </p:cNvPr>
@@ -5902,7 +5915,7 @@
           <p:cNvPr id="2" name="Freeform 2">
             <a:extLst>
               <a:ext uri="{FF2B5EF4-FFF2-40B4-BE49-F238E27FC236}">
-                <a16:creationId xmlns:a16="http://schemas.microsoft.com/office/drawing/2014/main" id="{174C6A45-C0CC-76D7-9CCC-EC0D5C8E13DC}"/>
+                <a16:creationId xmlns:a16="http://schemas.microsoft.com/office/drawing/2014/main" xmlns="" id="{174C6A45-C0CC-76D7-9CCC-EC0D5C8E13DC}"/>
               </a:ext>
             </a:extLst>
           </p:cNvPr>
@@ -5945,7 +5958,7 @@
             <a:blip r:embed="rId2">
               <a:extLst>
                 <a:ext uri="{96DAC541-7B7A-43D3-8B79-37D633B846F1}">
-                  <asvg:svgBlip xmlns:asvg="http://schemas.microsoft.com/office/drawing/2016/SVG/main" r:embed="rId3"/>
+                  <asvg:svgBlip xmlns:asvg="http://schemas.microsoft.com/office/drawing/2016/SVG/main" xmlns="" r:embed="rId3"/>
                 </a:ext>
               </a:extLst>
             </a:blip>
@@ -5960,7 +5973,7 @@
           <p:cNvPr id="3" name="Freeform 3">
             <a:extLst>
               <a:ext uri="{FF2B5EF4-FFF2-40B4-BE49-F238E27FC236}">
-                <a16:creationId xmlns:a16="http://schemas.microsoft.com/office/drawing/2014/main" id="{16F3E0F1-42CB-E92F-3B83-F4CFCFEB7881}"/>
+                <a16:creationId xmlns:a16="http://schemas.microsoft.com/office/drawing/2014/main" xmlns="" id="{16F3E0F1-42CB-E92F-3B83-F4CFCFEB7881}"/>
               </a:ext>
             </a:extLst>
           </p:cNvPr>
@@ -6003,7 +6016,7 @@
             <a:blip r:embed="rId2">
               <a:extLst>
                 <a:ext uri="{96DAC541-7B7A-43D3-8B79-37D633B846F1}">
-                  <asvg:svgBlip xmlns:asvg="http://schemas.microsoft.com/office/drawing/2016/SVG/main" r:embed="rId3"/>
+                  <asvg:svgBlip xmlns:asvg="http://schemas.microsoft.com/office/drawing/2016/SVG/main" xmlns="" r:embed="rId3"/>
                 </a:ext>
               </a:extLst>
             </a:blip>
@@ -6018,7 +6031,7 @@
           <p:cNvPr id="4" name="Freeform 4">
             <a:extLst>
               <a:ext uri="{FF2B5EF4-FFF2-40B4-BE49-F238E27FC236}">
-                <a16:creationId xmlns:a16="http://schemas.microsoft.com/office/drawing/2014/main" id="{D7B7A9CC-6781-7644-7440-609DCF01C51A}"/>
+                <a16:creationId xmlns:a16="http://schemas.microsoft.com/office/drawing/2014/main" xmlns="" id="{D7B7A9CC-6781-7644-7440-609DCF01C51A}"/>
               </a:ext>
             </a:extLst>
           </p:cNvPr>
@@ -6061,7 +6074,7 @@
             <a:blip r:embed="rId4">
               <a:extLst>
                 <a:ext uri="{96DAC541-7B7A-43D3-8B79-37D633B846F1}">
-                  <asvg:svgBlip xmlns:asvg="http://schemas.microsoft.com/office/drawing/2016/SVG/main" r:embed="rId5"/>
+                  <asvg:svgBlip xmlns:asvg="http://schemas.microsoft.com/office/drawing/2016/SVG/main" xmlns="" r:embed="rId5"/>
                 </a:ext>
               </a:extLst>
             </a:blip>
@@ -6076,7 +6089,7 @@
           <p:cNvPr id="5" name="Freeform 5">
             <a:extLst>
               <a:ext uri="{FF2B5EF4-FFF2-40B4-BE49-F238E27FC236}">
-                <a16:creationId xmlns:a16="http://schemas.microsoft.com/office/drawing/2014/main" id="{D0DFB1A4-ADDB-AD48-5233-3A81336C58DB}"/>
+                <a16:creationId xmlns:a16="http://schemas.microsoft.com/office/drawing/2014/main" xmlns="" id="{D0DFB1A4-ADDB-AD48-5233-3A81336C58DB}"/>
               </a:ext>
             </a:extLst>
           </p:cNvPr>
@@ -6119,7 +6132,7 @@
             <a:blip r:embed="rId6">
               <a:extLst>
                 <a:ext uri="{96DAC541-7B7A-43D3-8B79-37D633B846F1}">
-                  <asvg:svgBlip xmlns:asvg="http://schemas.microsoft.com/office/drawing/2016/SVG/main" r:embed="rId7"/>
+                  <asvg:svgBlip xmlns:asvg="http://schemas.microsoft.com/office/drawing/2016/SVG/main" xmlns="" r:embed="rId7"/>
                 </a:ext>
               </a:extLst>
             </a:blip>
@@ -6134,7 +6147,7 @@
           <p:cNvPr id="6" name="TextBox 6">
             <a:extLst>
               <a:ext uri="{FF2B5EF4-FFF2-40B4-BE49-F238E27FC236}">
-                <a16:creationId xmlns:a16="http://schemas.microsoft.com/office/drawing/2014/main" id="{659F128F-5F39-0A2F-A0BB-531BA27B7CA3}"/>
+                <a16:creationId xmlns:a16="http://schemas.microsoft.com/office/drawing/2014/main" xmlns="" id="{659F128F-5F39-0A2F-A0BB-531BA27B7CA3}"/>
               </a:ext>
             </a:extLst>
           </p:cNvPr>
@@ -6181,7 +6194,7 @@
           <p:cNvPr id="11" name="Freeform 11">
             <a:extLst>
               <a:ext uri="{FF2B5EF4-FFF2-40B4-BE49-F238E27FC236}">
-                <a16:creationId xmlns:a16="http://schemas.microsoft.com/office/drawing/2014/main" id="{2AAA5A6C-DBA4-55A2-4913-0BAD5F52ABE6}"/>
+                <a16:creationId xmlns:a16="http://schemas.microsoft.com/office/drawing/2014/main" xmlns="" id="{2AAA5A6C-DBA4-55A2-4913-0BAD5F52ABE6}"/>
               </a:ext>
             </a:extLst>
           </p:cNvPr>
@@ -6224,7 +6237,7 @@
             <a:blip r:embed="rId8">
               <a:extLst>
                 <a:ext uri="{96DAC541-7B7A-43D3-8B79-37D633B846F1}">
-                  <asvg:svgBlip xmlns:asvg="http://schemas.microsoft.com/office/drawing/2016/SVG/main" r:embed="rId9"/>
+                  <asvg:svgBlip xmlns:asvg="http://schemas.microsoft.com/office/drawing/2016/SVG/main" xmlns="" r:embed="rId9"/>
                 </a:ext>
               </a:extLst>
             </a:blip>
@@ -6239,7 +6252,7 @@
           <p:cNvPr id="7" name="TextBox 6">
             <a:extLst>
               <a:ext uri="{FF2B5EF4-FFF2-40B4-BE49-F238E27FC236}">
-                <a16:creationId xmlns:a16="http://schemas.microsoft.com/office/drawing/2014/main" id="{34D21650-D201-C4A2-808C-E542829053C7}"/>
+                <a16:creationId xmlns:a16="http://schemas.microsoft.com/office/drawing/2014/main" xmlns="" id="{34D21650-D201-C4A2-808C-E542829053C7}"/>
               </a:ext>
             </a:extLst>
           </p:cNvPr>
@@ -6376,7 +6389,7 @@
           <p:cNvPr id="8" name="TextBox 7">
             <a:extLst>
               <a:ext uri="{FF2B5EF4-FFF2-40B4-BE49-F238E27FC236}">
-                <a16:creationId xmlns:a16="http://schemas.microsoft.com/office/drawing/2014/main" id="{85FE9082-7139-1520-581F-961800523D66}"/>
+                <a16:creationId xmlns:a16="http://schemas.microsoft.com/office/drawing/2014/main" xmlns="" id="{85FE9082-7139-1520-581F-961800523D66}"/>
               </a:ext>
             </a:extLst>
           </p:cNvPr>
@@ -6386,7 +6399,7 @@
         <p:spPr>
           <a:xfrm>
             <a:off x="356507" y="3458441"/>
-            <a:ext cx="9154884" cy="4571573"/>
+            <a:ext cx="9154884" cy="4662815"/>
           </a:xfrm>
           <a:prstGeom prst="rect">
             <a:avLst/>
@@ -6535,8 +6548,19 @@
                 <a:latin typeface="Times New Roman" panose="02020603050405020304" pitchFamily="18" charset="0"/>
                 <a:cs typeface="Times New Roman" panose="02020603050405020304" pitchFamily="18" charset="0"/>
               </a:rPr>
-              <a:t>Torque				: 9.4kg/cm</a:t>
-            </a:r>
+              <a:t>Torque				: </a:t>
+            </a:r>
+            <a:r>
+              <a:rPr lang="en-US" sz="3300" dirty="0" smtClean="0">
+                <a:latin typeface="Times New Roman" panose="02020603050405020304" pitchFamily="18" charset="0"/>
+                <a:cs typeface="Times New Roman" panose="02020603050405020304" pitchFamily="18" charset="0"/>
+              </a:rPr>
+              <a:t>1.4kg/cm</a:t>
+            </a:r>
+            <a:endParaRPr lang="en-US" sz="3300" dirty="0">
+              <a:latin typeface="Times New Roman" panose="02020603050405020304" pitchFamily="18" charset="0"/>
+              <a:cs typeface="Times New Roman" panose="02020603050405020304" pitchFamily="18" charset="0"/>
+            </a:endParaRPr>
           </a:p>
           <a:p>
             <a:pPr marL="457200" indent="-457200">
@@ -6593,7 +6617,7 @@
           <p:cNvPr id="15" name="Plaque 14">
             <a:extLst>
               <a:ext uri="{FF2B5EF4-FFF2-40B4-BE49-F238E27FC236}">
-                <a16:creationId xmlns:a16="http://schemas.microsoft.com/office/drawing/2014/main" id="{4C397BB4-255C-364F-91C5-EA4881752842}"/>
+                <a16:creationId xmlns:a16="http://schemas.microsoft.com/office/drawing/2014/main" xmlns="" id="{4C397BB4-255C-364F-91C5-EA4881752842}"/>
               </a:ext>
             </a:extLst>
           </p:cNvPr>
@@ -6646,7 +6670,7 @@
           <p:cNvPr id="13" name="object 14">
             <a:extLst>
               <a:ext uri="{FF2B5EF4-FFF2-40B4-BE49-F238E27FC236}">
-                <a16:creationId xmlns:a16="http://schemas.microsoft.com/office/drawing/2014/main" id="{BBA4D276-4960-8BEC-5D9B-1356BE691409}"/>
+                <a16:creationId xmlns:a16="http://schemas.microsoft.com/office/drawing/2014/main" xmlns="" id="{BBA4D276-4960-8BEC-5D9B-1356BE691409}"/>
               </a:ext>
             </a:extLst>
           </p:cNvPr>
@@ -6793,7 +6817,7 @@
           <p:cNvPr id="14" name="Picture 13">
             <a:extLst>
               <a:ext uri="{FF2B5EF4-FFF2-40B4-BE49-F238E27FC236}">
-                <a16:creationId xmlns:a16="http://schemas.microsoft.com/office/drawing/2014/main" id="{91C441AB-378F-A460-39A4-D5F460F85AA2}"/>
+                <a16:creationId xmlns:a16="http://schemas.microsoft.com/office/drawing/2014/main" xmlns="" id="{91C441AB-378F-A460-39A4-D5F460F85AA2}"/>
               </a:ext>
             </a:extLst>
           </p:cNvPr>
@@ -6803,7 +6827,7 @@
           <p:nvPr/>
         </p:nvPicPr>
         <p:blipFill>
-          <a:blip r:embed="rId10"/>
+          <a:blip r:embed="rId10" cstate="print"/>
           <a:stretch>
             <a:fillRect/>
           </a:stretch>
@@ -6823,7 +6847,7 @@
           <p:cNvPr id="16" name="Date Placeholder 17">
             <a:extLst>
               <a:ext uri="{FF2B5EF4-FFF2-40B4-BE49-F238E27FC236}">
-                <a16:creationId xmlns:a16="http://schemas.microsoft.com/office/drawing/2014/main" id="{7265C997-6152-CC12-D38B-B0FB9CAD350C}"/>
+                <a16:creationId xmlns:a16="http://schemas.microsoft.com/office/drawing/2014/main" xmlns="" id="{7265C997-6152-CC12-D38B-B0FB9CAD350C}"/>
               </a:ext>
             </a:extLst>
           </p:cNvPr>
@@ -6852,7 +6876,8 @@
                 <a:latin typeface="Times New Roman" panose="02020603050405020304" pitchFamily="18" charset="0"/>
                 <a:cs typeface="Times New Roman" panose="02020603050405020304" pitchFamily="18" charset="0"/>
               </a:rPr>
-              <a:t>Friday, December 26, 2025</a:t>
+              <a:pPr/>
+              <a:t>Sunday, December 28, 2025</a:t>
             </a:fld>
             <a:endParaRPr lang="en-US" b="1" dirty="0">
               <a:solidFill>
@@ -6869,7 +6894,7 @@
           <p:cNvPr id="10" name="Picture 9">
             <a:extLst>
               <a:ext uri="{FF2B5EF4-FFF2-40B4-BE49-F238E27FC236}">
-                <a16:creationId xmlns:a16="http://schemas.microsoft.com/office/drawing/2014/main" id="{51349133-BAA4-DF9C-432B-92090C946A61}"/>
+                <a16:creationId xmlns:a16="http://schemas.microsoft.com/office/drawing/2014/main" xmlns="" id="{51349133-BAA4-DF9C-432B-92090C946A61}"/>
               </a:ext>
             </a:extLst>
           </p:cNvPr>
@@ -6886,8 +6911,8 @@
         </p:blipFill>
         <p:spPr>
           <a:xfrm>
-            <a:off x="10191840" y="3918310"/>
-            <a:ext cx="4114801" cy="4114801"/>
+            <a:off x="9601200" y="3390900"/>
+            <a:ext cx="6038760" cy="6038760"/>
           </a:xfrm>
           <a:prstGeom prst="rect">
             <a:avLst/>
@@ -6897,13 +6922,20 @@
     </p:spTree>
     <p:extLst>
       <p:ext uri="{BB962C8B-B14F-4D97-AF65-F5344CB8AC3E}">
-        <p14:creationId xmlns:p14="http://schemas.microsoft.com/office/powerpoint/2010/main" val="2865709832"/>
+        <p14:creationId xmlns:p14="http://schemas.microsoft.com/office/powerpoint/2010/main" xmlns="" val="2865709832"/>
       </p:ext>
     </p:extLst>
   </p:cSld>
   <p:clrMapOvr>
     <a:masterClrMapping/>
   </p:clrMapOvr>
+  <p:timing>
+    <p:tnLst>
+      <p:par>
+        <p:cTn id="1" dur="indefinite" restart="never" nodeType="tmRoot"/>
+      </p:par>
+    </p:tnLst>
+  </p:timing>
 </p:sld>
 </file>
 
@@ -6923,7 +6955,7 @@
         <p:cNvPr id="1" name="">
           <a:extLst>
             <a:ext uri="{FF2B5EF4-FFF2-40B4-BE49-F238E27FC236}">
-              <a16:creationId xmlns:a16="http://schemas.microsoft.com/office/drawing/2014/main" id="{E923F13F-0715-8A62-23A0-8EA99F76B083}"/>
+              <a16:creationId xmlns:a16="http://schemas.microsoft.com/office/drawing/2014/main" xmlns="" id="{E923F13F-0715-8A62-23A0-8EA99F76B083}"/>
             </a:ext>
           </a:extLst>
         </p:cNvPr>
@@ -6943,7 +6975,7 @@
           <p:cNvPr id="2" name="Freeform 2">
             <a:extLst>
               <a:ext uri="{FF2B5EF4-FFF2-40B4-BE49-F238E27FC236}">
-                <a16:creationId xmlns:a16="http://schemas.microsoft.com/office/drawing/2014/main" id="{16374C1F-85FC-B31B-2237-2C0544843EC0}"/>
+                <a16:creationId xmlns:a16="http://schemas.microsoft.com/office/drawing/2014/main" xmlns="" id="{16374C1F-85FC-B31B-2237-2C0544843EC0}"/>
               </a:ext>
             </a:extLst>
           </p:cNvPr>
@@ -6986,7 +7018,7 @@
             <a:blip r:embed="rId2">
               <a:extLst>
                 <a:ext uri="{96DAC541-7B7A-43D3-8B79-37D633B846F1}">
-                  <asvg:svgBlip xmlns:asvg="http://schemas.microsoft.com/office/drawing/2016/SVG/main" r:embed="rId3"/>
+                  <asvg:svgBlip xmlns:asvg="http://schemas.microsoft.com/office/drawing/2016/SVG/main" xmlns="" r:embed="rId3"/>
                 </a:ext>
               </a:extLst>
             </a:blip>
@@ -7001,7 +7033,7 @@
           <p:cNvPr id="3" name="Freeform 3">
             <a:extLst>
               <a:ext uri="{FF2B5EF4-FFF2-40B4-BE49-F238E27FC236}">
-                <a16:creationId xmlns:a16="http://schemas.microsoft.com/office/drawing/2014/main" id="{31092D8C-513E-96B2-F260-2D1B55D7C345}"/>
+                <a16:creationId xmlns:a16="http://schemas.microsoft.com/office/drawing/2014/main" xmlns="" id="{31092D8C-513E-96B2-F260-2D1B55D7C345}"/>
               </a:ext>
             </a:extLst>
           </p:cNvPr>
@@ -7044,7 +7076,7 @@
             <a:blip r:embed="rId2">
               <a:extLst>
                 <a:ext uri="{96DAC541-7B7A-43D3-8B79-37D633B846F1}">
-                  <asvg:svgBlip xmlns:asvg="http://schemas.microsoft.com/office/drawing/2016/SVG/main" r:embed="rId3"/>
+                  <asvg:svgBlip xmlns:asvg="http://schemas.microsoft.com/office/drawing/2016/SVG/main" xmlns="" r:embed="rId3"/>
                 </a:ext>
               </a:extLst>
             </a:blip>
@@ -7059,7 +7091,7 @@
           <p:cNvPr id="4" name="Freeform 4">
             <a:extLst>
               <a:ext uri="{FF2B5EF4-FFF2-40B4-BE49-F238E27FC236}">
-                <a16:creationId xmlns:a16="http://schemas.microsoft.com/office/drawing/2014/main" id="{DF06A4A5-5107-9C9C-CB53-838AE1D905F5}"/>
+                <a16:creationId xmlns:a16="http://schemas.microsoft.com/office/drawing/2014/main" xmlns="" id="{DF06A4A5-5107-9C9C-CB53-838AE1D905F5}"/>
               </a:ext>
             </a:extLst>
           </p:cNvPr>
@@ -7102,7 +7134,7 @@
             <a:blip r:embed="rId4">
               <a:extLst>
                 <a:ext uri="{96DAC541-7B7A-43D3-8B79-37D633B846F1}">
-                  <asvg:svgBlip xmlns:asvg="http://schemas.microsoft.com/office/drawing/2016/SVG/main" r:embed="rId5"/>
+                  <asvg:svgBlip xmlns:asvg="http://schemas.microsoft.com/office/drawing/2016/SVG/main" xmlns="" r:embed="rId5"/>
                 </a:ext>
               </a:extLst>
             </a:blip>
@@ -7117,7 +7149,7 @@
           <p:cNvPr id="5" name="Freeform 5">
             <a:extLst>
               <a:ext uri="{FF2B5EF4-FFF2-40B4-BE49-F238E27FC236}">
-                <a16:creationId xmlns:a16="http://schemas.microsoft.com/office/drawing/2014/main" id="{22E9392C-64EE-FBFE-F9CB-515569E0BBFF}"/>
+                <a16:creationId xmlns:a16="http://schemas.microsoft.com/office/drawing/2014/main" xmlns="" id="{22E9392C-64EE-FBFE-F9CB-515569E0BBFF}"/>
               </a:ext>
             </a:extLst>
           </p:cNvPr>
@@ -7160,7 +7192,7 @@
             <a:blip r:embed="rId6">
               <a:extLst>
                 <a:ext uri="{96DAC541-7B7A-43D3-8B79-37D633B846F1}">
-                  <asvg:svgBlip xmlns:asvg="http://schemas.microsoft.com/office/drawing/2016/SVG/main" r:embed="rId7"/>
+                  <asvg:svgBlip xmlns:asvg="http://schemas.microsoft.com/office/drawing/2016/SVG/main" xmlns="" r:embed="rId7"/>
                 </a:ext>
               </a:extLst>
             </a:blip>
@@ -7175,7 +7207,7 @@
           <p:cNvPr id="6" name="TextBox 6">
             <a:extLst>
               <a:ext uri="{FF2B5EF4-FFF2-40B4-BE49-F238E27FC236}">
-                <a16:creationId xmlns:a16="http://schemas.microsoft.com/office/drawing/2014/main" id="{73137103-77BA-001E-1E46-6312D08DC6EA}"/>
+                <a16:creationId xmlns:a16="http://schemas.microsoft.com/office/drawing/2014/main" xmlns="" id="{73137103-77BA-001E-1E46-6312D08DC6EA}"/>
               </a:ext>
             </a:extLst>
           </p:cNvPr>
@@ -7222,7 +7254,7 @@
           <p:cNvPr id="11" name="Freeform 11">
             <a:extLst>
               <a:ext uri="{FF2B5EF4-FFF2-40B4-BE49-F238E27FC236}">
-                <a16:creationId xmlns:a16="http://schemas.microsoft.com/office/drawing/2014/main" id="{9D3C0972-D357-16FE-4E33-030DCADB7A50}"/>
+                <a16:creationId xmlns:a16="http://schemas.microsoft.com/office/drawing/2014/main" xmlns="" id="{9D3C0972-D357-16FE-4E33-030DCADB7A50}"/>
               </a:ext>
             </a:extLst>
           </p:cNvPr>
@@ -7265,7 +7297,7 @@
             <a:blip r:embed="rId8">
               <a:extLst>
                 <a:ext uri="{96DAC541-7B7A-43D3-8B79-37D633B846F1}">
-                  <asvg:svgBlip xmlns:asvg="http://schemas.microsoft.com/office/drawing/2016/SVG/main" r:embed="rId9"/>
+                  <asvg:svgBlip xmlns:asvg="http://schemas.microsoft.com/office/drawing/2016/SVG/main" xmlns="" r:embed="rId9"/>
                 </a:ext>
               </a:extLst>
             </a:blip>
@@ -7280,7 +7312,7 @@
           <p:cNvPr id="14" name="TextBox 9">
             <a:extLst>
               <a:ext uri="{FF2B5EF4-FFF2-40B4-BE49-F238E27FC236}">
-                <a16:creationId xmlns:a16="http://schemas.microsoft.com/office/drawing/2014/main" id="{92F103F6-640F-A789-9864-A5AB5AA87BCE}"/>
+                <a16:creationId xmlns:a16="http://schemas.microsoft.com/office/drawing/2014/main" xmlns="" id="{92F103F6-640F-A789-9864-A5AB5AA87BCE}"/>
               </a:ext>
             </a:extLst>
           </p:cNvPr>
@@ -7418,7 +7450,7 @@
           <p:cNvPr id="15" name="TextBox 10">
             <a:extLst>
               <a:ext uri="{FF2B5EF4-FFF2-40B4-BE49-F238E27FC236}">
-                <a16:creationId xmlns:a16="http://schemas.microsoft.com/office/drawing/2014/main" id="{687D8339-5B38-768B-F2E1-2D9549CA5EBF}"/>
+                <a16:creationId xmlns:a16="http://schemas.microsoft.com/office/drawing/2014/main" xmlns="" id="{687D8339-5B38-768B-F2E1-2D9549CA5EBF}"/>
               </a:ext>
             </a:extLst>
           </p:cNvPr>
@@ -7428,7 +7460,7 @@
         <p:spPr>
           <a:xfrm>
             <a:off x="373158" y="3016403"/>
-            <a:ext cx="10066242" cy="5174493"/>
+            <a:ext cx="11514042" cy="5262979"/>
           </a:xfrm>
           <a:prstGeom prst="rect">
             <a:avLst/>
@@ -7567,7 +7599,21 @@
                 <a:latin typeface="Times New Roman" panose="02020603050405020304" pitchFamily="18" charset="0"/>
                 <a:cs typeface="Times New Roman" panose="02020603050405020304" pitchFamily="18" charset="0"/>
               </a:rPr>
-              <a:t>Module     	: NRF24L01</a:t>
+              <a:t>Module     	</a:t>
+            </a:r>
+            <a:r>
+              <a:rPr lang="en-US" sz="3200" dirty="0" smtClean="0">
+                <a:latin typeface="Times New Roman" panose="02020603050405020304" pitchFamily="18" charset="0"/>
+                <a:cs typeface="Times New Roman" panose="02020603050405020304" pitchFamily="18" charset="0"/>
+              </a:rPr>
+              <a:t>	: </a:t>
+            </a:r>
+            <a:r>
+              <a:rPr lang="en-US" sz="3200" dirty="0">
+                <a:latin typeface="Times New Roman" panose="02020603050405020304" pitchFamily="18" charset="0"/>
+                <a:cs typeface="Times New Roman" panose="02020603050405020304" pitchFamily="18" charset="0"/>
+              </a:rPr>
+              <a:t>NRF24L01</a:t>
             </a:r>
           </a:p>
           <a:p>
@@ -7583,7 +7629,21 @@
                 <a:latin typeface="Times New Roman" panose="02020603050405020304" pitchFamily="18" charset="0"/>
                 <a:cs typeface="Times New Roman" panose="02020603050405020304" pitchFamily="18" charset="0"/>
               </a:rPr>
-              <a:t>Operating Frequency 	: 2.4 GHz ISM band</a:t>
+              <a:t>Operating Frequency 	</a:t>
+            </a:r>
+            <a:r>
+              <a:rPr lang="en-US" sz="3200" dirty="0" smtClean="0">
+                <a:latin typeface="Times New Roman" panose="02020603050405020304" pitchFamily="18" charset="0"/>
+                <a:cs typeface="Times New Roman" panose="02020603050405020304" pitchFamily="18" charset="0"/>
+              </a:rPr>
+              <a:t>	: </a:t>
+            </a:r>
+            <a:r>
+              <a:rPr lang="en-US" sz="3200" dirty="0">
+                <a:latin typeface="Times New Roman" panose="02020603050405020304" pitchFamily="18" charset="0"/>
+                <a:cs typeface="Times New Roman" panose="02020603050405020304" pitchFamily="18" charset="0"/>
+              </a:rPr>
+              <a:t>2.4 GHz ISM band</a:t>
             </a:r>
           </a:p>
           <a:p>
@@ -7599,7 +7659,21 @@
                 <a:latin typeface="Times New Roman" panose="02020603050405020304" pitchFamily="18" charset="0"/>
                 <a:cs typeface="Times New Roman" panose="02020603050405020304" pitchFamily="18" charset="0"/>
               </a:rPr>
-              <a:t>Operating Voltage  	: 1.9–3.6 V</a:t>
+              <a:t>Operating Voltage  	</a:t>
+            </a:r>
+            <a:r>
+              <a:rPr lang="en-US" sz="3200" dirty="0" smtClean="0">
+                <a:latin typeface="Times New Roman" panose="02020603050405020304" pitchFamily="18" charset="0"/>
+                <a:cs typeface="Times New Roman" panose="02020603050405020304" pitchFamily="18" charset="0"/>
+              </a:rPr>
+              <a:t>	: </a:t>
+            </a:r>
+            <a:r>
+              <a:rPr lang="en-US" sz="3200" dirty="0">
+                <a:latin typeface="Times New Roman" panose="02020603050405020304" pitchFamily="18" charset="0"/>
+                <a:cs typeface="Times New Roman" panose="02020603050405020304" pitchFamily="18" charset="0"/>
+              </a:rPr>
+              <a:t>1.9–3.6 V</a:t>
             </a:r>
           </a:p>
           <a:p>
@@ -7615,7 +7689,21 @@
                 <a:latin typeface="Times New Roman" panose="02020603050405020304" pitchFamily="18" charset="0"/>
                 <a:cs typeface="Times New Roman" panose="02020603050405020304" pitchFamily="18" charset="0"/>
               </a:rPr>
-              <a:t>Data Rate     	: 250 kbps, 1 Mbps, 2 Mbps</a:t>
+              <a:t>Data Rate     	</a:t>
+            </a:r>
+            <a:r>
+              <a:rPr lang="en-US" sz="3200" dirty="0" smtClean="0">
+                <a:latin typeface="Times New Roman" panose="02020603050405020304" pitchFamily="18" charset="0"/>
+                <a:cs typeface="Times New Roman" panose="02020603050405020304" pitchFamily="18" charset="0"/>
+              </a:rPr>
+              <a:t>	: </a:t>
+            </a:r>
+            <a:r>
+              <a:rPr lang="en-US" sz="3200" dirty="0">
+                <a:latin typeface="Times New Roman" panose="02020603050405020304" pitchFamily="18" charset="0"/>
+                <a:cs typeface="Times New Roman" panose="02020603050405020304" pitchFamily="18" charset="0"/>
+              </a:rPr>
+              <a:t>250 kbps, 1 Mbps, 2 Mbps</a:t>
             </a:r>
           </a:p>
           <a:p>
@@ -7631,7 +7719,21 @@
                 <a:latin typeface="Times New Roman" panose="02020603050405020304" pitchFamily="18" charset="0"/>
                 <a:cs typeface="Times New Roman" panose="02020603050405020304" pitchFamily="18" charset="0"/>
               </a:rPr>
-              <a:t>Communication Interface: SPI</a:t>
+              <a:t>Communication </a:t>
+            </a:r>
+            <a:r>
+              <a:rPr lang="en-US" sz="3200" dirty="0" smtClean="0">
+                <a:latin typeface="Times New Roman" panose="02020603050405020304" pitchFamily="18" charset="0"/>
+                <a:cs typeface="Times New Roman" panose="02020603050405020304" pitchFamily="18" charset="0"/>
+              </a:rPr>
+              <a:t>Interface	: </a:t>
+            </a:r>
+            <a:r>
+              <a:rPr lang="en-US" sz="3200" dirty="0">
+                <a:latin typeface="Times New Roman" panose="02020603050405020304" pitchFamily="18" charset="0"/>
+                <a:cs typeface="Times New Roman" panose="02020603050405020304" pitchFamily="18" charset="0"/>
+              </a:rPr>
+              <a:t>SPI</a:t>
             </a:r>
           </a:p>
           <a:p>
@@ -7647,7 +7749,21 @@
                 <a:latin typeface="Times New Roman" panose="02020603050405020304" pitchFamily="18" charset="0"/>
                 <a:cs typeface="Times New Roman" panose="02020603050405020304" pitchFamily="18" charset="0"/>
               </a:rPr>
-              <a:t>Range      	: Up to 100 m (line of sight)</a:t>
+              <a:t>Range      	</a:t>
+            </a:r>
+            <a:r>
+              <a:rPr lang="en-US" sz="3200" dirty="0" smtClean="0">
+                <a:latin typeface="Times New Roman" panose="02020603050405020304" pitchFamily="18" charset="0"/>
+                <a:cs typeface="Times New Roman" panose="02020603050405020304" pitchFamily="18" charset="0"/>
+              </a:rPr>
+              <a:t>	: </a:t>
+            </a:r>
+            <a:r>
+              <a:rPr lang="en-US" sz="3200" dirty="0">
+                <a:latin typeface="Times New Roman" panose="02020603050405020304" pitchFamily="18" charset="0"/>
+                <a:cs typeface="Times New Roman" panose="02020603050405020304" pitchFamily="18" charset="0"/>
+              </a:rPr>
+              <a:t>Up to 100 m (line of sight)</a:t>
             </a:r>
           </a:p>
         </p:txBody>
@@ -7657,7 +7773,7 @@
           <p:cNvPr id="19" name="Plaque 18">
             <a:extLst>
               <a:ext uri="{FF2B5EF4-FFF2-40B4-BE49-F238E27FC236}">
-                <a16:creationId xmlns:a16="http://schemas.microsoft.com/office/drawing/2014/main" id="{2A5CC526-7737-007F-46ED-DF907752B30D}"/>
+                <a16:creationId xmlns:a16="http://schemas.microsoft.com/office/drawing/2014/main" xmlns="" id="{2A5CC526-7737-007F-46ED-DF907752B30D}"/>
               </a:ext>
             </a:extLst>
           </p:cNvPr>
@@ -7710,7 +7826,7 @@
           <p:cNvPr id="7" name="Picture 6">
             <a:extLst>
               <a:ext uri="{FF2B5EF4-FFF2-40B4-BE49-F238E27FC236}">
-                <a16:creationId xmlns:a16="http://schemas.microsoft.com/office/drawing/2014/main" id="{9F7C3452-BBF8-C556-7863-053A4FDE2EBE}"/>
+                <a16:creationId xmlns:a16="http://schemas.microsoft.com/office/drawing/2014/main" xmlns="" id="{9F7C3452-BBF8-C556-7863-053A4FDE2EBE}"/>
               </a:ext>
             </a:extLst>
           </p:cNvPr>
@@ -7740,7 +7856,7 @@
           <p:cNvPr id="8" name="object 14">
             <a:extLst>
               <a:ext uri="{FF2B5EF4-FFF2-40B4-BE49-F238E27FC236}">
-                <a16:creationId xmlns:a16="http://schemas.microsoft.com/office/drawing/2014/main" id="{8FAB74C0-E40A-70B9-B57A-F707ABA845C3}"/>
+                <a16:creationId xmlns:a16="http://schemas.microsoft.com/office/drawing/2014/main" xmlns="" id="{8FAB74C0-E40A-70B9-B57A-F707ABA845C3}"/>
               </a:ext>
             </a:extLst>
           </p:cNvPr>
@@ -7887,7 +8003,7 @@
           <p:cNvPr id="9" name="Picture 8">
             <a:extLst>
               <a:ext uri="{FF2B5EF4-FFF2-40B4-BE49-F238E27FC236}">
-                <a16:creationId xmlns:a16="http://schemas.microsoft.com/office/drawing/2014/main" id="{31BB21CC-1A3F-B9BF-6968-3207211998B9}"/>
+                <a16:creationId xmlns:a16="http://schemas.microsoft.com/office/drawing/2014/main" xmlns="" id="{31BB21CC-1A3F-B9BF-6968-3207211998B9}"/>
               </a:ext>
             </a:extLst>
           </p:cNvPr>
@@ -7897,7 +8013,7 @@
           <p:nvPr/>
         </p:nvPicPr>
         <p:blipFill>
-          <a:blip r:embed="rId11"/>
+          <a:blip r:embed="rId11" cstate="print"/>
           <a:stretch>
             <a:fillRect/>
           </a:stretch>
@@ -7917,7 +8033,7 @@
           <p:cNvPr id="10" name="Date Placeholder 17">
             <a:extLst>
               <a:ext uri="{FF2B5EF4-FFF2-40B4-BE49-F238E27FC236}">
-                <a16:creationId xmlns:a16="http://schemas.microsoft.com/office/drawing/2014/main" id="{E3E44C3F-6265-6F2F-B746-FC4B1160CE56}"/>
+                <a16:creationId xmlns:a16="http://schemas.microsoft.com/office/drawing/2014/main" xmlns="" id="{E3E44C3F-6265-6F2F-B746-FC4B1160CE56}"/>
               </a:ext>
             </a:extLst>
           </p:cNvPr>
@@ -7946,7 +8062,8 @@
                 <a:latin typeface="Times New Roman" panose="02020603050405020304" pitchFamily="18" charset="0"/>
                 <a:cs typeface="Times New Roman" panose="02020603050405020304" pitchFamily="18" charset="0"/>
               </a:rPr>
-              <a:t>Friday, December 26, 2025</a:t>
+              <a:pPr/>
+              <a:t>Sunday, December 28, 2025</a:t>
             </a:fld>
             <a:endParaRPr lang="en-US" b="1" dirty="0">
               <a:solidFill>
@@ -7961,13 +8078,20 @@
     </p:spTree>
     <p:extLst>
       <p:ext uri="{BB962C8B-B14F-4D97-AF65-F5344CB8AC3E}">
-        <p14:creationId xmlns:p14="http://schemas.microsoft.com/office/powerpoint/2010/main" val="134819216"/>
+        <p14:creationId xmlns:p14="http://schemas.microsoft.com/office/powerpoint/2010/main" xmlns="" val="134819216"/>
       </p:ext>
     </p:extLst>
   </p:cSld>
   <p:clrMapOvr>
     <a:masterClrMapping/>
   </p:clrMapOvr>
+  <p:timing>
+    <p:tnLst>
+      <p:par>
+        <p:cTn id="1" dur="indefinite" restart="never" nodeType="tmRoot"/>
+      </p:par>
+    </p:tnLst>
+  </p:timing>
 </p:sld>
 </file>
 
@@ -7987,7 +8111,7 @@
         <p:cNvPr id="1" name="">
           <a:extLst>
             <a:ext uri="{FF2B5EF4-FFF2-40B4-BE49-F238E27FC236}">
-              <a16:creationId xmlns:a16="http://schemas.microsoft.com/office/drawing/2014/main" id="{FD234695-C5C6-DEA5-3830-7E99BA8C48BD}"/>
+              <a16:creationId xmlns:a16="http://schemas.microsoft.com/office/drawing/2014/main" xmlns="" id="{FD234695-C5C6-DEA5-3830-7E99BA8C48BD}"/>
             </a:ext>
           </a:extLst>
         </p:cNvPr>
@@ -8007,7 +8131,7 @@
           <p:cNvPr id="2" name="Freeform 2">
             <a:extLst>
               <a:ext uri="{FF2B5EF4-FFF2-40B4-BE49-F238E27FC236}">
-                <a16:creationId xmlns:a16="http://schemas.microsoft.com/office/drawing/2014/main" id="{B1414145-756F-2E27-91CB-B5D6F4C05B9B}"/>
+                <a16:creationId xmlns:a16="http://schemas.microsoft.com/office/drawing/2014/main" xmlns="" id="{B1414145-756F-2E27-91CB-B5D6F4C05B9B}"/>
               </a:ext>
             </a:extLst>
           </p:cNvPr>
@@ -8050,7 +8174,7 @@
             <a:blip r:embed="rId2">
               <a:extLst>
                 <a:ext uri="{96DAC541-7B7A-43D3-8B79-37D633B846F1}">
-                  <asvg:svgBlip xmlns:asvg="http://schemas.microsoft.com/office/drawing/2016/SVG/main" r:embed="rId3"/>
+                  <asvg:svgBlip xmlns:asvg="http://schemas.microsoft.com/office/drawing/2016/SVG/main" xmlns="" r:embed="rId3"/>
                 </a:ext>
               </a:extLst>
             </a:blip>
@@ -8065,7 +8189,7 @@
           <p:cNvPr id="5" name="Freeform 5">
             <a:extLst>
               <a:ext uri="{FF2B5EF4-FFF2-40B4-BE49-F238E27FC236}">
-                <a16:creationId xmlns:a16="http://schemas.microsoft.com/office/drawing/2014/main" id="{E1D0E1F5-262E-37BE-8516-B436731F3855}"/>
+                <a16:creationId xmlns:a16="http://schemas.microsoft.com/office/drawing/2014/main" xmlns="" id="{E1D0E1F5-262E-37BE-8516-B436731F3855}"/>
               </a:ext>
             </a:extLst>
           </p:cNvPr>
@@ -8108,7 +8232,7 @@
             <a:blip r:embed="rId4">
               <a:extLst>
                 <a:ext uri="{96DAC541-7B7A-43D3-8B79-37D633B846F1}">
-                  <asvg:svgBlip xmlns:asvg="http://schemas.microsoft.com/office/drawing/2016/SVG/main" r:embed="rId5"/>
+                  <asvg:svgBlip xmlns:asvg="http://schemas.microsoft.com/office/drawing/2016/SVG/main" xmlns="" r:embed="rId5"/>
                 </a:ext>
               </a:extLst>
             </a:blip>
@@ -8123,7 +8247,7 @@
           <p:cNvPr id="6" name="TextBox 6">
             <a:extLst>
               <a:ext uri="{FF2B5EF4-FFF2-40B4-BE49-F238E27FC236}">
-                <a16:creationId xmlns:a16="http://schemas.microsoft.com/office/drawing/2014/main" id="{503ABB51-4B80-C908-D937-F49EDBA65B7E}"/>
+                <a16:creationId xmlns:a16="http://schemas.microsoft.com/office/drawing/2014/main" xmlns="" id="{503ABB51-4B80-C908-D937-F49EDBA65B7E}"/>
               </a:ext>
             </a:extLst>
           </p:cNvPr>
@@ -8170,7 +8294,7 @@
           <p:cNvPr id="12" name="Plaque 11">
             <a:extLst>
               <a:ext uri="{FF2B5EF4-FFF2-40B4-BE49-F238E27FC236}">
-                <a16:creationId xmlns:a16="http://schemas.microsoft.com/office/drawing/2014/main" id="{D2E89F70-BC33-1099-A064-305E32CD95B3}"/>
+                <a16:creationId xmlns:a16="http://schemas.microsoft.com/office/drawing/2014/main" xmlns="" id="{D2E89F70-BC33-1099-A064-305E32CD95B3}"/>
               </a:ext>
             </a:extLst>
           </p:cNvPr>
@@ -8223,7 +8347,7 @@
           <p:cNvPr id="4" name="Picture 3" descr="A diagram of a machine&#10;&#10;AI-generated content may be incorrect.">
             <a:extLst>
               <a:ext uri="{FF2B5EF4-FFF2-40B4-BE49-F238E27FC236}">
-                <a16:creationId xmlns:a16="http://schemas.microsoft.com/office/drawing/2014/main" id="{83D6DC0F-ABA1-17B7-7FD5-BD9581B93BCF}"/>
+                <a16:creationId xmlns:a16="http://schemas.microsoft.com/office/drawing/2014/main" xmlns="" id="{83D6DC0F-ABA1-17B7-7FD5-BD9581B93BCF}"/>
               </a:ext>
             </a:extLst>
           </p:cNvPr>
@@ -8253,7 +8377,7 @@
           <p:cNvPr id="7" name="object 14">
             <a:extLst>
               <a:ext uri="{FF2B5EF4-FFF2-40B4-BE49-F238E27FC236}">
-                <a16:creationId xmlns:a16="http://schemas.microsoft.com/office/drawing/2014/main" id="{5E61503C-0F8A-3742-898E-24BFDB725D6E}"/>
+                <a16:creationId xmlns:a16="http://schemas.microsoft.com/office/drawing/2014/main" xmlns="" id="{5E61503C-0F8A-3742-898E-24BFDB725D6E}"/>
               </a:ext>
             </a:extLst>
           </p:cNvPr>
@@ -8400,7 +8524,7 @@
           <p:cNvPr id="11" name="Picture 10">
             <a:extLst>
               <a:ext uri="{FF2B5EF4-FFF2-40B4-BE49-F238E27FC236}">
-                <a16:creationId xmlns:a16="http://schemas.microsoft.com/office/drawing/2014/main" id="{DA974C8E-6F69-FA59-EC23-81F3E16D4FA5}"/>
+                <a16:creationId xmlns:a16="http://schemas.microsoft.com/office/drawing/2014/main" xmlns="" id="{DA974C8E-6F69-FA59-EC23-81F3E16D4FA5}"/>
               </a:ext>
             </a:extLst>
           </p:cNvPr>
@@ -8410,7 +8534,7 @@
           <p:nvPr/>
         </p:nvPicPr>
         <p:blipFill>
-          <a:blip r:embed="rId7"/>
+          <a:blip r:embed="rId7" cstate="print"/>
           <a:stretch>
             <a:fillRect/>
           </a:stretch>
@@ -8430,7 +8554,7 @@
           <p:cNvPr id="13" name="Date Placeholder 17">
             <a:extLst>
               <a:ext uri="{FF2B5EF4-FFF2-40B4-BE49-F238E27FC236}">
-                <a16:creationId xmlns:a16="http://schemas.microsoft.com/office/drawing/2014/main" id="{2385AAFC-FD5D-6B18-2110-75EBB73D77DC}"/>
+                <a16:creationId xmlns:a16="http://schemas.microsoft.com/office/drawing/2014/main" xmlns="" id="{2385AAFC-FD5D-6B18-2110-75EBB73D77DC}"/>
               </a:ext>
             </a:extLst>
           </p:cNvPr>
@@ -8459,7 +8583,8 @@
                 <a:latin typeface="Times New Roman" panose="02020603050405020304" pitchFamily="18" charset="0"/>
                 <a:cs typeface="Times New Roman" panose="02020603050405020304" pitchFamily="18" charset="0"/>
               </a:rPr>
-              <a:t>Friday, December 26, 2025</a:t>
+              <a:pPr/>
+              <a:t>Sunday, December 28, 2025</a:t>
             </a:fld>
             <a:endParaRPr lang="en-US" b="1" dirty="0">
               <a:solidFill>
@@ -8474,13 +8599,20 @@
     </p:spTree>
     <p:extLst>
       <p:ext uri="{BB962C8B-B14F-4D97-AF65-F5344CB8AC3E}">
-        <p14:creationId xmlns:p14="http://schemas.microsoft.com/office/powerpoint/2010/main" val="2620144900"/>
+        <p14:creationId xmlns:p14="http://schemas.microsoft.com/office/powerpoint/2010/main" xmlns="" val="2620144900"/>
       </p:ext>
     </p:extLst>
   </p:cSld>
   <p:clrMapOvr>
     <a:masterClrMapping/>
   </p:clrMapOvr>
+  <p:timing>
+    <p:tnLst>
+      <p:par>
+        <p:cTn id="1" dur="indefinite" restart="never" nodeType="tmRoot"/>
+      </p:par>
+    </p:tnLst>
+  </p:timing>
 </p:sld>
 </file>
 
@@ -8500,7 +8632,7 @@
         <p:cNvPr id="1" name="">
           <a:extLst>
             <a:ext uri="{FF2B5EF4-FFF2-40B4-BE49-F238E27FC236}">
-              <a16:creationId xmlns:a16="http://schemas.microsoft.com/office/drawing/2014/main" id="{CB9F5BB0-6CE2-0613-E1F2-FA8B95DC7F65}"/>
+              <a16:creationId xmlns:a16="http://schemas.microsoft.com/office/drawing/2014/main" xmlns="" id="{CB9F5BB0-6CE2-0613-E1F2-FA8B95DC7F65}"/>
             </a:ext>
           </a:extLst>
         </p:cNvPr>
@@ -8520,7 +8652,7 @@
           <p:cNvPr id="2" name="Freeform 2">
             <a:extLst>
               <a:ext uri="{FF2B5EF4-FFF2-40B4-BE49-F238E27FC236}">
-                <a16:creationId xmlns:a16="http://schemas.microsoft.com/office/drawing/2014/main" id="{443DF2A9-2CD1-D341-00A0-23BBA184F364}"/>
+                <a16:creationId xmlns:a16="http://schemas.microsoft.com/office/drawing/2014/main" xmlns="" id="{443DF2A9-2CD1-D341-00A0-23BBA184F364}"/>
               </a:ext>
             </a:extLst>
           </p:cNvPr>
@@ -8563,7 +8695,7 @@
             <a:blip r:embed="rId2">
               <a:extLst>
                 <a:ext uri="{96DAC541-7B7A-43D3-8B79-37D633B846F1}">
-                  <asvg:svgBlip xmlns:asvg="http://schemas.microsoft.com/office/drawing/2016/SVG/main" r:embed="rId3"/>
+                  <asvg:svgBlip xmlns:asvg="http://schemas.microsoft.com/office/drawing/2016/SVG/main" xmlns="" r:embed="rId3"/>
                 </a:ext>
               </a:extLst>
             </a:blip>
@@ -8578,7 +8710,7 @@
           <p:cNvPr id="5" name="Freeform 5">
             <a:extLst>
               <a:ext uri="{FF2B5EF4-FFF2-40B4-BE49-F238E27FC236}">
-                <a16:creationId xmlns:a16="http://schemas.microsoft.com/office/drawing/2014/main" id="{9C5E31F5-0B45-245B-DFAF-D2B0B950D108}"/>
+                <a16:creationId xmlns:a16="http://schemas.microsoft.com/office/drawing/2014/main" xmlns="" id="{9C5E31F5-0B45-245B-DFAF-D2B0B950D108}"/>
               </a:ext>
             </a:extLst>
           </p:cNvPr>
@@ -8621,7 +8753,7 @@
             <a:blip r:embed="rId4">
               <a:extLst>
                 <a:ext uri="{96DAC541-7B7A-43D3-8B79-37D633B846F1}">
-                  <asvg:svgBlip xmlns:asvg="http://schemas.microsoft.com/office/drawing/2016/SVG/main" r:embed="rId5"/>
+                  <asvg:svgBlip xmlns:asvg="http://schemas.microsoft.com/office/drawing/2016/SVG/main" xmlns="" r:embed="rId5"/>
                 </a:ext>
               </a:extLst>
             </a:blip>
@@ -8636,7 +8768,7 @@
           <p:cNvPr id="6" name="TextBox 6">
             <a:extLst>
               <a:ext uri="{FF2B5EF4-FFF2-40B4-BE49-F238E27FC236}">
-                <a16:creationId xmlns:a16="http://schemas.microsoft.com/office/drawing/2014/main" id="{1A1D7211-0962-2A2C-ECFD-A00BF7E4C380}"/>
+                <a16:creationId xmlns:a16="http://schemas.microsoft.com/office/drawing/2014/main" xmlns="" id="{1A1D7211-0962-2A2C-ECFD-A00BF7E4C380}"/>
               </a:ext>
             </a:extLst>
           </p:cNvPr>
@@ -8683,7 +8815,7 @@
           <p:cNvPr id="12" name="Plaque 11">
             <a:extLst>
               <a:ext uri="{FF2B5EF4-FFF2-40B4-BE49-F238E27FC236}">
-                <a16:creationId xmlns:a16="http://schemas.microsoft.com/office/drawing/2014/main" id="{2C084151-E279-A9E3-49DB-C22CE864222F}"/>
+                <a16:creationId xmlns:a16="http://schemas.microsoft.com/office/drawing/2014/main" xmlns="" id="{2C084151-E279-A9E3-49DB-C22CE864222F}"/>
               </a:ext>
             </a:extLst>
           </p:cNvPr>
@@ -8736,7 +8868,7 @@
           <p:cNvPr id="7" name="Picture 6" descr="A diagram of a circuit board&#10;&#10;AI-generated content may be incorrect.">
             <a:extLst>
               <a:ext uri="{FF2B5EF4-FFF2-40B4-BE49-F238E27FC236}">
-                <a16:creationId xmlns:a16="http://schemas.microsoft.com/office/drawing/2014/main" id="{1BC2F4E1-D412-81FD-1370-13BA1D3616C0}"/>
+                <a16:creationId xmlns:a16="http://schemas.microsoft.com/office/drawing/2014/main" xmlns="" id="{1BC2F4E1-D412-81FD-1370-13BA1D3616C0}"/>
               </a:ext>
             </a:extLst>
           </p:cNvPr>
@@ -8766,7 +8898,7 @@
           <p:cNvPr id="8" name="object 14">
             <a:extLst>
               <a:ext uri="{FF2B5EF4-FFF2-40B4-BE49-F238E27FC236}">
-                <a16:creationId xmlns:a16="http://schemas.microsoft.com/office/drawing/2014/main" id="{891769FE-09D7-9FA3-CD0B-98016A7FA8E6}"/>
+                <a16:creationId xmlns:a16="http://schemas.microsoft.com/office/drawing/2014/main" xmlns="" id="{891769FE-09D7-9FA3-CD0B-98016A7FA8E6}"/>
               </a:ext>
             </a:extLst>
           </p:cNvPr>
@@ -8913,7 +9045,7 @@
           <p:cNvPr id="11" name="Picture 10">
             <a:extLst>
               <a:ext uri="{FF2B5EF4-FFF2-40B4-BE49-F238E27FC236}">
-                <a16:creationId xmlns:a16="http://schemas.microsoft.com/office/drawing/2014/main" id="{9991B1A6-6AE3-3AF6-989B-BDC42B2EAD4D}"/>
+                <a16:creationId xmlns:a16="http://schemas.microsoft.com/office/drawing/2014/main" xmlns="" id="{9991B1A6-6AE3-3AF6-989B-BDC42B2EAD4D}"/>
               </a:ext>
             </a:extLst>
           </p:cNvPr>
@@ -8923,7 +9055,7 @@
           <p:nvPr/>
         </p:nvPicPr>
         <p:blipFill>
-          <a:blip r:embed="rId7"/>
+          <a:blip r:embed="rId7" cstate="print"/>
           <a:stretch>
             <a:fillRect/>
           </a:stretch>
@@ -8943,7 +9075,7 @@
           <p:cNvPr id="13" name="Date Placeholder 17">
             <a:extLst>
               <a:ext uri="{FF2B5EF4-FFF2-40B4-BE49-F238E27FC236}">
-                <a16:creationId xmlns:a16="http://schemas.microsoft.com/office/drawing/2014/main" id="{B71CBA89-DFAC-3567-7807-FE899EC58AC8}"/>
+                <a16:creationId xmlns:a16="http://schemas.microsoft.com/office/drawing/2014/main" xmlns="" id="{B71CBA89-DFAC-3567-7807-FE899EC58AC8}"/>
               </a:ext>
             </a:extLst>
           </p:cNvPr>
@@ -8972,7 +9104,8 @@
                 <a:latin typeface="Times New Roman" panose="02020603050405020304" pitchFamily="18" charset="0"/>
                 <a:cs typeface="Times New Roman" panose="02020603050405020304" pitchFamily="18" charset="0"/>
               </a:rPr>
-              <a:t>Friday, December 26, 2025</a:t>
+              <a:pPr/>
+              <a:t>Sunday, December 28, 2025</a:t>
             </a:fld>
             <a:endParaRPr lang="en-US" b="1" dirty="0">
               <a:solidFill>
@@ -8987,13 +9120,20 @@
     </p:spTree>
     <p:extLst>
       <p:ext uri="{BB962C8B-B14F-4D97-AF65-F5344CB8AC3E}">
-        <p14:creationId xmlns:p14="http://schemas.microsoft.com/office/powerpoint/2010/main" val="1472000223"/>
+        <p14:creationId xmlns:p14="http://schemas.microsoft.com/office/powerpoint/2010/main" xmlns="" val="1472000223"/>
       </p:ext>
     </p:extLst>
   </p:cSld>
   <p:clrMapOvr>
     <a:masterClrMapping/>
   </p:clrMapOvr>
+  <p:timing>
+    <p:tnLst>
+      <p:par>
+        <p:cTn id="1" dur="indefinite" restart="never" nodeType="tmRoot"/>
+      </p:par>
+    </p:tnLst>
+  </p:timing>
 </p:sld>
 </file>
 
@@ -9064,7 +9204,7 @@
             <a:blip r:embed="rId2">
               <a:extLst>
                 <a:ext uri="{96DAC541-7B7A-43D3-8B79-37D633B846F1}">
-                  <asvg:svgBlip xmlns:asvg="http://schemas.microsoft.com/office/drawing/2016/SVG/main" r:embed="rId3"/>
+                  <asvg:svgBlip xmlns:asvg="http://schemas.microsoft.com/office/drawing/2016/SVG/main" xmlns="" r:embed="rId3"/>
                 </a:ext>
               </a:extLst>
             </a:blip>
@@ -9116,7 +9256,7 @@
             <a:blip r:embed="rId4">
               <a:extLst>
                 <a:ext uri="{96DAC541-7B7A-43D3-8B79-37D633B846F1}">
-                  <asvg:svgBlip xmlns:asvg="http://schemas.microsoft.com/office/drawing/2016/SVG/main" r:embed="rId5"/>
+                  <asvg:svgBlip xmlns:asvg="http://schemas.microsoft.com/office/drawing/2016/SVG/main" xmlns="" r:embed="rId5"/>
                 </a:ext>
               </a:extLst>
             </a:blip>
@@ -9168,7 +9308,7 @@
             <a:blip r:embed="rId6">
               <a:extLst>
                 <a:ext uri="{96DAC541-7B7A-43D3-8B79-37D633B846F1}">
-                  <asvg:svgBlip xmlns:asvg="http://schemas.microsoft.com/office/drawing/2016/SVG/main" r:embed="rId7"/>
+                  <asvg:svgBlip xmlns:asvg="http://schemas.microsoft.com/office/drawing/2016/SVG/main" xmlns="" r:embed="rId7"/>
                 </a:ext>
               </a:extLst>
             </a:blip>
@@ -9261,7 +9401,7 @@
             <a:blip r:embed="rId2">
               <a:extLst>
                 <a:ext uri="{96DAC541-7B7A-43D3-8B79-37D633B846F1}">
-                  <asvg:svgBlip xmlns:asvg="http://schemas.microsoft.com/office/drawing/2016/SVG/main" r:embed="rId3"/>
+                  <asvg:svgBlip xmlns:asvg="http://schemas.microsoft.com/office/drawing/2016/SVG/main" xmlns="" r:embed="rId3"/>
                 </a:ext>
               </a:extLst>
             </a:blip>
@@ -9313,7 +9453,7 @@
             <a:blip r:embed="rId8">
               <a:extLst>
                 <a:ext uri="{96DAC541-7B7A-43D3-8B79-37D633B846F1}">
-                  <asvg:svgBlip xmlns:asvg="http://schemas.microsoft.com/office/drawing/2016/SVG/main" r:embed="rId9"/>
+                  <asvg:svgBlip xmlns:asvg="http://schemas.microsoft.com/office/drawing/2016/SVG/main" xmlns="" r:embed="rId9"/>
                 </a:ext>
               </a:extLst>
             </a:blip>
@@ -9365,7 +9505,7 @@
             <a:blip r:embed="rId10">
               <a:extLst>
                 <a:ext uri="{96DAC541-7B7A-43D3-8B79-37D633B846F1}">
-                  <asvg:svgBlip xmlns:asvg="http://schemas.microsoft.com/office/drawing/2016/SVG/main" r:embed="rId11"/>
+                  <asvg:svgBlip xmlns:asvg="http://schemas.microsoft.com/office/drawing/2016/SVG/main" xmlns="" r:embed="rId11"/>
                 </a:ext>
               </a:extLst>
             </a:blip>
@@ -9380,7 +9520,7 @@
           <p:cNvPr id="14" name="TextBox 13">
             <a:extLst>
               <a:ext uri="{FF2B5EF4-FFF2-40B4-BE49-F238E27FC236}">
-                <a16:creationId xmlns:a16="http://schemas.microsoft.com/office/drawing/2014/main" id="{0183F2EF-ACA3-D6F2-907C-D7284FAE7A59}"/>
+                <a16:creationId xmlns:a16="http://schemas.microsoft.com/office/drawing/2014/main" xmlns="" id="{0183F2EF-ACA3-D6F2-907C-D7284FAE7A59}"/>
               </a:ext>
             </a:extLst>
           </p:cNvPr>
@@ -9489,7 +9629,7 @@
           <p:cNvPr id="17" name="Plaque 16">
             <a:extLst>
               <a:ext uri="{FF2B5EF4-FFF2-40B4-BE49-F238E27FC236}">
-                <a16:creationId xmlns:a16="http://schemas.microsoft.com/office/drawing/2014/main" id="{2D27B6E6-A5DD-67BD-7B76-2663EAF464FB}"/>
+                <a16:creationId xmlns:a16="http://schemas.microsoft.com/office/drawing/2014/main" xmlns="" id="{2D27B6E6-A5DD-67BD-7B76-2663EAF464FB}"/>
               </a:ext>
             </a:extLst>
           </p:cNvPr>
@@ -9542,7 +9682,7 @@
           <p:cNvPr id="6" name="object 14">
             <a:extLst>
               <a:ext uri="{FF2B5EF4-FFF2-40B4-BE49-F238E27FC236}">
-                <a16:creationId xmlns:a16="http://schemas.microsoft.com/office/drawing/2014/main" id="{A07685DC-9157-C24A-8606-80362DC2B2F4}"/>
+                <a16:creationId xmlns:a16="http://schemas.microsoft.com/office/drawing/2014/main" xmlns="" id="{A07685DC-9157-C24A-8606-80362DC2B2F4}"/>
               </a:ext>
             </a:extLst>
           </p:cNvPr>
@@ -9689,7 +9829,7 @@
           <p:cNvPr id="7" name="Picture 6">
             <a:extLst>
               <a:ext uri="{FF2B5EF4-FFF2-40B4-BE49-F238E27FC236}">
-                <a16:creationId xmlns:a16="http://schemas.microsoft.com/office/drawing/2014/main" id="{D361D4EF-EC62-F65E-2A71-C6143BFB0372}"/>
+                <a16:creationId xmlns:a16="http://schemas.microsoft.com/office/drawing/2014/main" xmlns="" id="{D361D4EF-EC62-F65E-2A71-C6143BFB0372}"/>
               </a:ext>
             </a:extLst>
           </p:cNvPr>
@@ -9699,7 +9839,7 @@
           <p:nvPr/>
         </p:nvPicPr>
         <p:blipFill>
-          <a:blip r:embed="rId12"/>
+          <a:blip r:embed="rId12" cstate="print"/>
           <a:stretch>
             <a:fillRect/>
           </a:stretch>
@@ -9719,7 +9859,7 @@
           <p:cNvPr id="8" name="Date Placeholder 17">
             <a:extLst>
               <a:ext uri="{FF2B5EF4-FFF2-40B4-BE49-F238E27FC236}">
-                <a16:creationId xmlns:a16="http://schemas.microsoft.com/office/drawing/2014/main" id="{D408C696-9FBF-92BC-5C55-A17AAE85EC4C}"/>
+                <a16:creationId xmlns:a16="http://schemas.microsoft.com/office/drawing/2014/main" xmlns="" id="{D408C696-9FBF-92BC-5C55-A17AAE85EC4C}"/>
               </a:ext>
             </a:extLst>
           </p:cNvPr>
@@ -9748,7 +9888,8 @@
                 <a:latin typeface="Times New Roman" panose="02020603050405020304" pitchFamily="18" charset="0"/>
                 <a:cs typeface="Times New Roman" panose="02020603050405020304" pitchFamily="18" charset="0"/>
               </a:rPr>
-              <a:t>Friday, December 26, 2025</a:t>
+              <a:pPr/>
+              <a:t>Sunday, December 28, 2025</a:t>
             </a:fld>
             <a:endParaRPr lang="en-US" b="1" dirty="0">
               <a:solidFill>
@@ -9765,6 +9906,13 @@
   <p:clrMapOvr>
     <a:masterClrMapping/>
   </p:clrMapOvr>
+  <p:timing>
+    <p:tnLst>
+      <p:par>
+        <p:cTn id="1" dur="indefinite" restart="never" nodeType="tmRoot"/>
+      </p:par>
+    </p:tnLst>
+  </p:timing>
 </p:sld>
 </file>
 
@@ -9784,7 +9932,7 @@
         <p:cNvPr id="1" name="">
           <a:extLst>
             <a:ext uri="{FF2B5EF4-FFF2-40B4-BE49-F238E27FC236}">
-              <a16:creationId xmlns:a16="http://schemas.microsoft.com/office/drawing/2014/main" id="{2F96B6EE-4811-D5C8-DF29-6D586D00D65A}"/>
+              <a16:creationId xmlns:a16="http://schemas.microsoft.com/office/drawing/2014/main" xmlns="" id="{2F96B6EE-4811-D5C8-DF29-6D586D00D65A}"/>
             </a:ext>
           </a:extLst>
         </p:cNvPr>
@@ -9804,7 +9952,7 @@
           <p:cNvPr id="2" name="Freeform 2">
             <a:extLst>
               <a:ext uri="{FF2B5EF4-FFF2-40B4-BE49-F238E27FC236}">
-                <a16:creationId xmlns:a16="http://schemas.microsoft.com/office/drawing/2014/main" id="{0494BA6D-28C9-BAC8-8C65-900B7388D76F}"/>
+                <a16:creationId xmlns:a16="http://schemas.microsoft.com/office/drawing/2014/main" xmlns="" id="{0494BA6D-28C9-BAC8-8C65-900B7388D76F}"/>
               </a:ext>
             </a:extLst>
           </p:cNvPr>
@@ -9847,7 +9995,7 @@
             <a:blip r:embed="rId2">
               <a:extLst>
                 <a:ext uri="{96DAC541-7B7A-43D3-8B79-37D633B846F1}">
-                  <asvg:svgBlip xmlns:asvg="http://schemas.microsoft.com/office/drawing/2016/SVG/main" r:embed="rId3"/>
+                  <asvg:svgBlip xmlns:asvg="http://schemas.microsoft.com/office/drawing/2016/SVG/main" xmlns="" r:embed="rId3"/>
                 </a:ext>
               </a:extLst>
             </a:blip>
@@ -9862,7 +10010,7 @@
           <p:cNvPr id="3" name="Freeform 3">
             <a:extLst>
               <a:ext uri="{FF2B5EF4-FFF2-40B4-BE49-F238E27FC236}">
-                <a16:creationId xmlns:a16="http://schemas.microsoft.com/office/drawing/2014/main" id="{94D6F48E-B31E-99CF-24BD-F09D9AE3DCE1}"/>
+                <a16:creationId xmlns:a16="http://schemas.microsoft.com/office/drawing/2014/main" xmlns="" id="{94D6F48E-B31E-99CF-24BD-F09D9AE3DCE1}"/>
               </a:ext>
             </a:extLst>
           </p:cNvPr>
@@ -9905,7 +10053,7 @@
             <a:blip r:embed="rId2">
               <a:extLst>
                 <a:ext uri="{96DAC541-7B7A-43D3-8B79-37D633B846F1}">
-                  <asvg:svgBlip xmlns:asvg="http://schemas.microsoft.com/office/drawing/2016/SVG/main" r:embed="rId3"/>
+                  <asvg:svgBlip xmlns:asvg="http://schemas.microsoft.com/office/drawing/2016/SVG/main" xmlns="" r:embed="rId3"/>
                 </a:ext>
               </a:extLst>
             </a:blip>
@@ -9920,7 +10068,7 @@
           <p:cNvPr id="4" name="Freeform 4">
             <a:extLst>
               <a:ext uri="{FF2B5EF4-FFF2-40B4-BE49-F238E27FC236}">
-                <a16:creationId xmlns:a16="http://schemas.microsoft.com/office/drawing/2014/main" id="{050363BA-3940-A551-112A-469056C77152}"/>
+                <a16:creationId xmlns:a16="http://schemas.microsoft.com/office/drawing/2014/main" xmlns="" id="{050363BA-3940-A551-112A-469056C77152}"/>
               </a:ext>
             </a:extLst>
           </p:cNvPr>
@@ -9963,7 +10111,7 @@
             <a:blip r:embed="rId4">
               <a:extLst>
                 <a:ext uri="{96DAC541-7B7A-43D3-8B79-37D633B846F1}">
-                  <asvg:svgBlip xmlns:asvg="http://schemas.microsoft.com/office/drawing/2016/SVG/main" r:embed="rId5"/>
+                  <asvg:svgBlip xmlns:asvg="http://schemas.microsoft.com/office/drawing/2016/SVG/main" xmlns="" r:embed="rId5"/>
                 </a:ext>
               </a:extLst>
             </a:blip>
@@ -9978,7 +10126,7 @@
           <p:cNvPr id="5" name="Freeform 5">
             <a:extLst>
               <a:ext uri="{FF2B5EF4-FFF2-40B4-BE49-F238E27FC236}">
-                <a16:creationId xmlns:a16="http://schemas.microsoft.com/office/drawing/2014/main" id="{6EE76F91-04A9-F36A-C835-16BB881A970F}"/>
+                <a16:creationId xmlns:a16="http://schemas.microsoft.com/office/drawing/2014/main" xmlns="" id="{6EE76F91-04A9-F36A-C835-16BB881A970F}"/>
               </a:ext>
             </a:extLst>
           </p:cNvPr>
@@ -10021,7 +10169,7 @@
             <a:blip r:embed="rId6">
               <a:extLst>
                 <a:ext uri="{96DAC541-7B7A-43D3-8B79-37D633B846F1}">
-                  <asvg:svgBlip xmlns:asvg="http://schemas.microsoft.com/office/drawing/2016/SVG/main" r:embed="rId7"/>
+                  <asvg:svgBlip xmlns:asvg="http://schemas.microsoft.com/office/drawing/2016/SVG/main" xmlns="" r:embed="rId7"/>
                 </a:ext>
               </a:extLst>
             </a:blip>
@@ -10036,7 +10184,7 @@
           <p:cNvPr id="6" name="TextBox 6">
             <a:extLst>
               <a:ext uri="{FF2B5EF4-FFF2-40B4-BE49-F238E27FC236}">
-                <a16:creationId xmlns:a16="http://schemas.microsoft.com/office/drawing/2014/main" id="{3E5D3381-2417-FF5F-C74F-DB4DDC1F7E20}"/>
+                <a16:creationId xmlns:a16="http://schemas.microsoft.com/office/drawing/2014/main" xmlns="" id="{3E5D3381-2417-FF5F-C74F-DB4DDC1F7E20}"/>
               </a:ext>
             </a:extLst>
           </p:cNvPr>
@@ -10083,7 +10231,7 @@
           <p:cNvPr id="11" name="Freeform 11">
             <a:extLst>
               <a:ext uri="{FF2B5EF4-FFF2-40B4-BE49-F238E27FC236}">
-                <a16:creationId xmlns:a16="http://schemas.microsoft.com/office/drawing/2014/main" id="{FDBF05BF-234F-055A-3799-7662336A7F33}"/>
+                <a16:creationId xmlns:a16="http://schemas.microsoft.com/office/drawing/2014/main" xmlns="" id="{FDBF05BF-234F-055A-3799-7662336A7F33}"/>
               </a:ext>
             </a:extLst>
           </p:cNvPr>
@@ -10126,7 +10274,7 @@
             <a:blip r:embed="rId8">
               <a:extLst>
                 <a:ext uri="{96DAC541-7B7A-43D3-8B79-37D633B846F1}">
-                  <asvg:svgBlip xmlns:asvg="http://schemas.microsoft.com/office/drawing/2016/SVG/main" r:embed="rId9"/>
+                  <asvg:svgBlip xmlns:asvg="http://schemas.microsoft.com/office/drawing/2016/SVG/main" xmlns="" r:embed="rId9"/>
                 </a:ext>
               </a:extLst>
             </a:blip>
@@ -10141,7 +10289,7 @@
           <p:cNvPr id="8" name="TextBox 7">
             <a:extLst>
               <a:ext uri="{FF2B5EF4-FFF2-40B4-BE49-F238E27FC236}">
-                <a16:creationId xmlns:a16="http://schemas.microsoft.com/office/drawing/2014/main" id="{371754E3-18F0-6C20-791B-2DFA14194C5B}"/>
+                <a16:creationId xmlns:a16="http://schemas.microsoft.com/office/drawing/2014/main" xmlns="" id="{371754E3-18F0-6C20-791B-2DFA14194C5B}"/>
               </a:ext>
             </a:extLst>
           </p:cNvPr>
@@ -10251,7 +10399,7 @@
           <p:cNvPr id="12" name="Plaque 11">
             <a:extLst>
               <a:ext uri="{FF2B5EF4-FFF2-40B4-BE49-F238E27FC236}">
-                <a16:creationId xmlns:a16="http://schemas.microsoft.com/office/drawing/2014/main" id="{85F4DFBA-871A-016D-2003-485775A12428}"/>
+                <a16:creationId xmlns:a16="http://schemas.microsoft.com/office/drawing/2014/main" xmlns="" id="{85F4DFBA-871A-016D-2003-485775A12428}"/>
               </a:ext>
             </a:extLst>
           </p:cNvPr>
@@ -10304,7 +10452,7 @@
           <p:cNvPr id="7" name="object 14">
             <a:extLst>
               <a:ext uri="{FF2B5EF4-FFF2-40B4-BE49-F238E27FC236}">
-                <a16:creationId xmlns:a16="http://schemas.microsoft.com/office/drawing/2014/main" id="{C10BC112-88E7-EA11-30BB-CB5D314921AB}"/>
+                <a16:creationId xmlns:a16="http://schemas.microsoft.com/office/drawing/2014/main" xmlns="" id="{C10BC112-88E7-EA11-30BB-CB5D314921AB}"/>
               </a:ext>
             </a:extLst>
           </p:cNvPr>
@@ -10451,7 +10599,7 @@
           <p:cNvPr id="13" name="Picture 12">
             <a:extLst>
               <a:ext uri="{FF2B5EF4-FFF2-40B4-BE49-F238E27FC236}">
-                <a16:creationId xmlns:a16="http://schemas.microsoft.com/office/drawing/2014/main" id="{80A3EC0A-8E16-FB41-D736-48D1539E9FD4}"/>
+                <a16:creationId xmlns:a16="http://schemas.microsoft.com/office/drawing/2014/main" xmlns="" id="{80A3EC0A-8E16-FB41-D736-48D1539E9FD4}"/>
               </a:ext>
             </a:extLst>
           </p:cNvPr>
@@ -10461,7 +10609,7 @@
           <p:nvPr/>
         </p:nvPicPr>
         <p:blipFill>
-          <a:blip r:embed="rId10"/>
+          <a:blip r:embed="rId10" cstate="print"/>
           <a:stretch>
             <a:fillRect/>
           </a:stretch>
@@ -10481,7 +10629,7 @@
           <p:cNvPr id="14" name="Date Placeholder 17">
             <a:extLst>
               <a:ext uri="{FF2B5EF4-FFF2-40B4-BE49-F238E27FC236}">
-                <a16:creationId xmlns:a16="http://schemas.microsoft.com/office/drawing/2014/main" id="{41234173-4554-1490-A589-77B787807534}"/>
+                <a16:creationId xmlns:a16="http://schemas.microsoft.com/office/drawing/2014/main" xmlns="" id="{41234173-4554-1490-A589-77B787807534}"/>
               </a:ext>
             </a:extLst>
           </p:cNvPr>
@@ -10510,7 +10658,8 @@
                 <a:latin typeface="Times New Roman" panose="02020603050405020304" pitchFamily="18" charset="0"/>
                 <a:cs typeface="Times New Roman" panose="02020603050405020304" pitchFamily="18" charset="0"/>
               </a:rPr>
-              <a:t>Friday, December 26, 2025</a:t>
+              <a:pPr/>
+              <a:t>Sunday, December 28, 2025</a:t>
             </a:fld>
             <a:endParaRPr lang="en-US" b="1" dirty="0">
               <a:solidFill>
@@ -10525,13 +10674,20 @@
     </p:spTree>
     <p:extLst>
       <p:ext uri="{BB962C8B-B14F-4D97-AF65-F5344CB8AC3E}">
-        <p14:creationId xmlns:p14="http://schemas.microsoft.com/office/powerpoint/2010/main" val="1990106330"/>
+        <p14:creationId xmlns:p14="http://schemas.microsoft.com/office/powerpoint/2010/main" xmlns="" val="1990106330"/>
       </p:ext>
     </p:extLst>
   </p:cSld>
   <p:clrMapOvr>
     <a:masterClrMapping/>
   </p:clrMapOvr>
+  <p:timing>
+    <p:tnLst>
+      <p:par>
+        <p:cTn id="1" dur="indefinite" restart="never" nodeType="tmRoot"/>
+      </p:par>
+    </p:tnLst>
+  </p:timing>
 </p:sld>
 </file>
 
@@ -10551,7 +10707,7 @@
         <p:cNvPr id="1" name="">
           <a:extLst>
             <a:ext uri="{FF2B5EF4-FFF2-40B4-BE49-F238E27FC236}">
-              <a16:creationId xmlns:a16="http://schemas.microsoft.com/office/drawing/2014/main" id="{7CF372B5-B452-5246-4581-235B3B226C98}"/>
+              <a16:creationId xmlns:a16="http://schemas.microsoft.com/office/drawing/2014/main" xmlns="" id="{7CF372B5-B452-5246-4581-235B3B226C98}"/>
             </a:ext>
           </a:extLst>
         </p:cNvPr>
@@ -10571,7 +10727,7 @@
           <p:cNvPr id="2" name="Freeform 2">
             <a:extLst>
               <a:ext uri="{FF2B5EF4-FFF2-40B4-BE49-F238E27FC236}">
-                <a16:creationId xmlns:a16="http://schemas.microsoft.com/office/drawing/2014/main" id="{B870F880-AB2D-CD0B-1553-643CD028CB61}"/>
+                <a16:creationId xmlns:a16="http://schemas.microsoft.com/office/drawing/2014/main" xmlns="" id="{B870F880-AB2D-CD0B-1553-643CD028CB61}"/>
               </a:ext>
             </a:extLst>
           </p:cNvPr>
@@ -10614,7 +10770,7 @@
             <a:blip r:embed="rId2">
               <a:extLst>
                 <a:ext uri="{96DAC541-7B7A-43D3-8B79-37D633B846F1}">
-                  <asvg:svgBlip xmlns:asvg="http://schemas.microsoft.com/office/drawing/2016/SVG/main" r:embed="rId3"/>
+                  <asvg:svgBlip xmlns:asvg="http://schemas.microsoft.com/office/drawing/2016/SVG/main" xmlns="" r:embed="rId3"/>
                 </a:ext>
               </a:extLst>
             </a:blip>
@@ -10629,7 +10785,7 @@
           <p:cNvPr id="3" name="Freeform 3">
             <a:extLst>
               <a:ext uri="{FF2B5EF4-FFF2-40B4-BE49-F238E27FC236}">
-                <a16:creationId xmlns:a16="http://schemas.microsoft.com/office/drawing/2014/main" id="{181EA799-2590-FFEA-8945-C62F231774AD}"/>
+                <a16:creationId xmlns:a16="http://schemas.microsoft.com/office/drawing/2014/main" xmlns="" id="{181EA799-2590-FFEA-8945-C62F231774AD}"/>
               </a:ext>
             </a:extLst>
           </p:cNvPr>
@@ -10672,7 +10828,7 @@
             <a:blip r:embed="rId2">
               <a:extLst>
                 <a:ext uri="{96DAC541-7B7A-43D3-8B79-37D633B846F1}">
-                  <asvg:svgBlip xmlns:asvg="http://schemas.microsoft.com/office/drawing/2016/SVG/main" r:embed="rId3"/>
+                  <asvg:svgBlip xmlns:asvg="http://schemas.microsoft.com/office/drawing/2016/SVG/main" xmlns="" r:embed="rId3"/>
                 </a:ext>
               </a:extLst>
             </a:blip>
@@ -10687,7 +10843,7 @@
           <p:cNvPr id="4" name="Freeform 4">
             <a:extLst>
               <a:ext uri="{FF2B5EF4-FFF2-40B4-BE49-F238E27FC236}">
-                <a16:creationId xmlns:a16="http://schemas.microsoft.com/office/drawing/2014/main" id="{88477290-6742-5628-4B52-B38D64C2686F}"/>
+                <a16:creationId xmlns:a16="http://schemas.microsoft.com/office/drawing/2014/main" xmlns="" id="{88477290-6742-5628-4B52-B38D64C2686F}"/>
               </a:ext>
             </a:extLst>
           </p:cNvPr>
@@ -10730,7 +10886,7 @@
             <a:blip r:embed="rId4">
               <a:extLst>
                 <a:ext uri="{96DAC541-7B7A-43D3-8B79-37D633B846F1}">
-                  <asvg:svgBlip xmlns:asvg="http://schemas.microsoft.com/office/drawing/2016/SVG/main" r:embed="rId5"/>
+                  <asvg:svgBlip xmlns:asvg="http://schemas.microsoft.com/office/drawing/2016/SVG/main" xmlns="" r:embed="rId5"/>
                 </a:ext>
               </a:extLst>
             </a:blip>
@@ -10745,7 +10901,7 @@
           <p:cNvPr id="5" name="Freeform 5">
             <a:extLst>
               <a:ext uri="{FF2B5EF4-FFF2-40B4-BE49-F238E27FC236}">
-                <a16:creationId xmlns:a16="http://schemas.microsoft.com/office/drawing/2014/main" id="{1FDC7AFC-C172-6F88-A950-88FD1DB96D13}"/>
+                <a16:creationId xmlns:a16="http://schemas.microsoft.com/office/drawing/2014/main" xmlns="" id="{1FDC7AFC-C172-6F88-A950-88FD1DB96D13}"/>
               </a:ext>
             </a:extLst>
           </p:cNvPr>
@@ -10788,7 +10944,7 @@
             <a:blip r:embed="rId6">
               <a:extLst>
                 <a:ext uri="{96DAC541-7B7A-43D3-8B79-37D633B846F1}">
-                  <asvg:svgBlip xmlns:asvg="http://schemas.microsoft.com/office/drawing/2016/SVG/main" r:embed="rId7"/>
+                  <asvg:svgBlip xmlns:asvg="http://schemas.microsoft.com/office/drawing/2016/SVG/main" xmlns="" r:embed="rId7"/>
                 </a:ext>
               </a:extLst>
             </a:blip>
@@ -10803,7 +10959,7 @@
           <p:cNvPr id="6" name="TextBox 6">
             <a:extLst>
               <a:ext uri="{FF2B5EF4-FFF2-40B4-BE49-F238E27FC236}">
-                <a16:creationId xmlns:a16="http://schemas.microsoft.com/office/drawing/2014/main" id="{ED256B14-CCC5-AD67-E491-07EE44E1D7D8}"/>
+                <a16:creationId xmlns:a16="http://schemas.microsoft.com/office/drawing/2014/main" xmlns="" id="{ED256B14-CCC5-AD67-E491-07EE44E1D7D8}"/>
               </a:ext>
             </a:extLst>
           </p:cNvPr>
@@ -10850,7 +11006,7 @@
           <p:cNvPr id="11" name="Freeform 11">
             <a:extLst>
               <a:ext uri="{FF2B5EF4-FFF2-40B4-BE49-F238E27FC236}">
-                <a16:creationId xmlns:a16="http://schemas.microsoft.com/office/drawing/2014/main" id="{A33E6EB1-A801-129F-176F-092D844738B3}"/>
+                <a16:creationId xmlns:a16="http://schemas.microsoft.com/office/drawing/2014/main" xmlns="" id="{A33E6EB1-A801-129F-176F-092D844738B3}"/>
               </a:ext>
             </a:extLst>
           </p:cNvPr>
@@ -10893,7 +11049,7 @@
             <a:blip r:embed="rId8">
               <a:extLst>
                 <a:ext uri="{96DAC541-7B7A-43D3-8B79-37D633B846F1}">
-                  <asvg:svgBlip xmlns:asvg="http://schemas.microsoft.com/office/drawing/2016/SVG/main" r:embed="rId9"/>
+                  <asvg:svgBlip xmlns:asvg="http://schemas.microsoft.com/office/drawing/2016/SVG/main" xmlns="" r:embed="rId9"/>
                 </a:ext>
               </a:extLst>
             </a:blip>
@@ -10908,7 +11064,7 @@
           <p:cNvPr id="8" name="TextBox 7">
             <a:extLst>
               <a:ext uri="{FF2B5EF4-FFF2-40B4-BE49-F238E27FC236}">
-                <a16:creationId xmlns:a16="http://schemas.microsoft.com/office/drawing/2014/main" id="{3EA52EB0-A29B-93F8-2C81-923F237808C7}"/>
+                <a16:creationId xmlns:a16="http://schemas.microsoft.com/office/drawing/2014/main" xmlns="" id="{3EA52EB0-A29B-93F8-2C81-923F237808C7}"/>
               </a:ext>
             </a:extLst>
           </p:cNvPr>
@@ -11034,7 +11190,7 @@
           <p:cNvPr id="12" name="Plaque 11">
             <a:extLst>
               <a:ext uri="{FF2B5EF4-FFF2-40B4-BE49-F238E27FC236}">
-                <a16:creationId xmlns:a16="http://schemas.microsoft.com/office/drawing/2014/main" id="{81D36FB5-8076-87C7-F435-4D02FC053852}"/>
+                <a16:creationId xmlns:a16="http://schemas.microsoft.com/office/drawing/2014/main" xmlns="" id="{81D36FB5-8076-87C7-F435-4D02FC053852}"/>
               </a:ext>
             </a:extLst>
           </p:cNvPr>
@@ -11087,7 +11243,7 @@
           <p:cNvPr id="7" name="object 14">
             <a:extLst>
               <a:ext uri="{FF2B5EF4-FFF2-40B4-BE49-F238E27FC236}">
-                <a16:creationId xmlns:a16="http://schemas.microsoft.com/office/drawing/2014/main" id="{9E6D8492-F54D-3A2D-2777-AA4E88CD42D2}"/>
+                <a16:creationId xmlns:a16="http://schemas.microsoft.com/office/drawing/2014/main" xmlns="" id="{9E6D8492-F54D-3A2D-2777-AA4E88CD42D2}"/>
               </a:ext>
             </a:extLst>
           </p:cNvPr>
@@ -11234,7 +11390,7 @@
           <p:cNvPr id="13" name="Picture 12">
             <a:extLst>
               <a:ext uri="{FF2B5EF4-FFF2-40B4-BE49-F238E27FC236}">
-                <a16:creationId xmlns:a16="http://schemas.microsoft.com/office/drawing/2014/main" id="{C8D78FD2-4800-5348-D6D1-F4AD40387FCD}"/>
+                <a16:creationId xmlns:a16="http://schemas.microsoft.com/office/drawing/2014/main" xmlns="" id="{C8D78FD2-4800-5348-D6D1-F4AD40387FCD}"/>
               </a:ext>
             </a:extLst>
           </p:cNvPr>
@@ -11244,7 +11400,7 @@
           <p:nvPr/>
         </p:nvPicPr>
         <p:blipFill>
-          <a:blip r:embed="rId10"/>
+          <a:blip r:embed="rId10" cstate="print"/>
           <a:stretch>
             <a:fillRect/>
           </a:stretch>
@@ -11264,7 +11420,7 @@
           <p:cNvPr id="14" name="Date Placeholder 17">
             <a:extLst>
               <a:ext uri="{FF2B5EF4-FFF2-40B4-BE49-F238E27FC236}">
-                <a16:creationId xmlns:a16="http://schemas.microsoft.com/office/drawing/2014/main" id="{0262258E-9CBD-652A-B216-208E034429D9}"/>
+                <a16:creationId xmlns:a16="http://schemas.microsoft.com/office/drawing/2014/main" xmlns="" id="{0262258E-9CBD-652A-B216-208E034429D9}"/>
               </a:ext>
             </a:extLst>
           </p:cNvPr>
@@ -11293,7 +11449,8 @@
                 <a:latin typeface="Times New Roman" panose="02020603050405020304" pitchFamily="18" charset="0"/>
                 <a:cs typeface="Times New Roman" panose="02020603050405020304" pitchFamily="18" charset="0"/>
               </a:rPr>
-              <a:t>Friday, December 26, 2025</a:t>
+              <a:pPr/>
+              <a:t>Sunday, December 28, 2025</a:t>
             </a:fld>
             <a:endParaRPr lang="en-US" b="1" dirty="0">
               <a:solidFill>
@@ -11308,13 +11465,20 @@
     </p:spTree>
     <p:extLst>
       <p:ext uri="{BB962C8B-B14F-4D97-AF65-F5344CB8AC3E}">
-        <p14:creationId xmlns:p14="http://schemas.microsoft.com/office/powerpoint/2010/main" val="4198824901"/>
+        <p14:creationId xmlns:p14="http://schemas.microsoft.com/office/powerpoint/2010/main" xmlns="" val="4198824901"/>
       </p:ext>
     </p:extLst>
   </p:cSld>
   <p:clrMapOvr>
     <a:masterClrMapping/>
   </p:clrMapOvr>
+  <p:timing>
+    <p:tnLst>
+      <p:par>
+        <p:cTn id="1" dur="indefinite" restart="never" nodeType="tmRoot"/>
+      </p:par>
+    </p:tnLst>
+  </p:timing>
 </p:sld>
 </file>
 
@@ -11334,7 +11498,7 @@
         <p:cNvPr id="1" name="">
           <a:extLst>
             <a:ext uri="{FF2B5EF4-FFF2-40B4-BE49-F238E27FC236}">
-              <a16:creationId xmlns:a16="http://schemas.microsoft.com/office/drawing/2014/main" id="{C40D0486-A9E8-E25F-C9BB-EF19F4056CB9}"/>
+              <a16:creationId xmlns:a16="http://schemas.microsoft.com/office/drawing/2014/main" xmlns="" id="{C40D0486-A9E8-E25F-C9BB-EF19F4056CB9}"/>
             </a:ext>
           </a:extLst>
         </p:cNvPr>
@@ -11354,7 +11518,7 @@
           <p:cNvPr id="2" name="Freeform 2">
             <a:extLst>
               <a:ext uri="{FF2B5EF4-FFF2-40B4-BE49-F238E27FC236}">
-                <a16:creationId xmlns:a16="http://schemas.microsoft.com/office/drawing/2014/main" id="{3C1CEC27-1D17-AE35-F630-A62B92141E17}"/>
+                <a16:creationId xmlns:a16="http://schemas.microsoft.com/office/drawing/2014/main" xmlns="" id="{3C1CEC27-1D17-AE35-F630-A62B92141E17}"/>
               </a:ext>
             </a:extLst>
           </p:cNvPr>
@@ -11397,7 +11561,7 @@
             <a:blip r:embed="rId2">
               <a:extLst>
                 <a:ext uri="{96DAC541-7B7A-43D3-8B79-37D633B846F1}">
-                  <asvg:svgBlip xmlns:asvg="http://schemas.microsoft.com/office/drawing/2016/SVG/main" r:embed="rId3"/>
+                  <asvg:svgBlip xmlns:asvg="http://schemas.microsoft.com/office/drawing/2016/SVG/main" xmlns="" r:embed="rId3"/>
                 </a:ext>
               </a:extLst>
             </a:blip>
@@ -11412,7 +11576,7 @@
           <p:cNvPr id="3" name="Freeform 3">
             <a:extLst>
               <a:ext uri="{FF2B5EF4-FFF2-40B4-BE49-F238E27FC236}">
-                <a16:creationId xmlns:a16="http://schemas.microsoft.com/office/drawing/2014/main" id="{6262C58B-3888-93CF-F784-25BA5E91384A}"/>
+                <a16:creationId xmlns:a16="http://schemas.microsoft.com/office/drawing/2014/main" xmlns="" id="{6262C58B-3888-93CF-F784-25BA5E91384A}"/>
               </a:ext>
             </a:extLst>
           </p:cNvPr>
@@ -11455,7 +11619,7 @@
             <a:blip r:embed="rId2">
               <a:extLst>
                 <a:ext uri="{96DAC541-7B7A-43D3-8B79-37D633B846F1}">
-                  <asvg:svgBlip xmlns:asvg="http://schemas.microsoft.com/office/drawing/2016/SVG/main" r:embed="rId3"/>
+                  <asvg:svgBlip xmlns:asvg="http://schemas.microsoft.com/office/drawing/2016/SVG/main" xmlns="" r:embed="rId3"/>
                 </a:ext>
               </a:extLst>
             </a:blip>
@@ -11470,7 +11634,7 @@
           <p:cNvPr id="4" name="Freeform 4">
             <a:extLst>
               <a:ext uri="{FF2B5EF4-FFF2-40B4-BE49-F238E27FC236}">
-                <a16:creationId xmlns:a16="http://schemas.microsoft.com/office/drawing/2014/main" id="{444820FB-F32C-581E-D532-A4569B32DACA}"/>
+                <a16:creationId xmlns:a16="http://schemas.microsoft.com/office/drawing/2014/main" xmlns="" id="{444820FB-F32C-581E-D532-A4569B32DACA}"/>
               </a:ext>
             </a:extLst>
           </p:cNvPr>
@@ -11513,7 +11677,7 @@
             <a:blip r:embed="rId4">
               <a:extLst>
                 <a:ext uri="{96DAC541-7B7A-43D3-8B79-37D633B846F1}">
-                  <asvg:svgBlip xmlns:asvg="http://schemas.microsoft.com/office/drawing/2016/SVG/main" r:embed="rId5"/>
+                  <asvg:svgBlip xmlns:asvg="http://schemas.microsoft.com/office/drawing/2016/SVG/main" xmlns="" r:embed="rId5"/>
                 </a:ext>
               </a:extLst>
             </a:blip>
@@ -11528,7 +11692,7 @@
           <p:cNvPr id="5" name="Freeform 5">
             <a:extLst>
               <a:ext uri="{FF2B5EF4-FFF2-40B4-BE49-F238E27FC236}">
-                <a16:creationId xmlns:a16="http://schemas.microsoft.com/office/drawing/2014/main" id="{DD92C8F0-E32E-CF14-F7F4-951DFB524A74}"/>
+                <a16:creationId xmlns:a16="http://schemas.microsoft.com/office/drawing/2014/main" xmlns="" id="{DD92C8F0-E32E-CF14-F7F4-951DFB524A74}"/>
               </a:ext>
             </a:extLst>
           </p:cNvPr>
@@ -11571,7 +11735,7 @@
             <a:blip r:embed="rId6">
               <a:extLst>
                 <a:ext uri="{96DAC541-7B7A-43D3-8B79-37D633B846F1}">
-                  <asvg:svgBlip xmlns:asvg="http://schemas.microsoft.com/office/drawing/2016/SVG/main" r:embed="rId7"/>
+                  <asvg:svgBlip xmlns:asvg="http://schemas.microsoft.com/office/drawing/2016/SVG/main" xmlns="" r:embed="rId7"/>
                 </a:ext>
               </a:extLst>
             </a:blip>
@@ -11586,7 +11750,7 @@
           <p:cNvPr id="6" name="TextBox 6">
             <a:extLst>
               <a:ext uri="{FF2B5EF4-FFF2-40B4-BE49-F238E27FC236}">
-                <a16:creationId xmlns:a16="http://schemas.microsoft.com/office/drawing/2014/main" id="{F199D755-6136-DB19-4024-70669612F68F}"/>
+                <a16:creationId xmlns:a16="http://schemas.microsoft.com/office/drawing/2014/main" xmlns="" id="{F199D755-6136-DB19-4024-70669612F68F}"/>
               </a:ext>
             </a:extLst>
           </p:cNvPr>
@@ -11633,7 +11797,7 @@
           <p:cNvPr id="11" name="Freeform 11">
             <a:extLst>
               <a:ext uri="{FF2B5EF4-FFF2-40B4-BE49-F238E27FC236}">
-                <a16:creationId xmlns:a16="http://schemas.microsoft.com/office/drawing/2014/main" id="{41E216C0-52DD-59C6-974F-A698511EE742}"/>
+                <a16:creationId xmlns:a16="http://schemas.microsoft.com/office/drawing/2014/main" xmlns="" id="{41E216C0-52DD-59C6-974F-A698511EE742}"/>
               </a:ext>
             </a:extLst>
           </p:cNvPr>
@@ -11676,7 +11840,7 @@
             <a:blip r:embed="rId8">
               <a:extLst>
                 <a:ext uri="{96DAC541-7B7A-43D3-8B79-37D633B846F1}">
-                  <asvg:svgBlip xmlns:asvg="http://schemas.microsoft.com/office/drawing/2016/SVG/main" r:embed="rId9"/>
+                  <asvg:svgBlip xmlns:asvg="http://schemas.microsoft.com/office/drawing/2016/SVG/main" xmlns="" r:embed="rId9"/>
                 </a:ext>
               </a:extLst>
             </a:blip>
@@ -11691,7 +11855,7 @@
           <p:cNvPr id="8" name="TextBox 7">
             <a:extLst>
               <a:ext uri="{FF2B5EF4-FFF2-40B4-BE49-F238E27FC236}">
-                <a16:creationId xmlns:a16="http://schemas.microsoft.com/office/drawing/2014/main" id="{ACDBD888-EBFE-389C-75E4-648DB97ED68D}"/>
+                <a16:creationId xmlns:a16="http://schemas.microsoft.com/office/drawing/2014/main" xmlns="" id="{ACDBD888-EBFE-389C-75E4-648DB97ED68D}"/>
               </a:ext>
             </a:extLst>
           </p:cNvPr>
@@ -11785,7 +11949,7 @@
           <p:cNvPr id="10" name="Plaque 9">
             <a:extLst>
               <a:ext uri="{FF2B5EF4-FFF2-40B4-BE49-F238E27FC236}">
-                <a16:creationId xmlns:a16="http://schemas.microsoft.com/office/drawing/2014/main" id="{12FDBA82-8C89-D5C6-B8E1-30970F47FEC0}"/>
+                <a16:creationId xmlns:a16="http://schemas.microsoft.com/office/drawing/2014/main" xmlns="" id="{12FDBA82-8C89-D5C6-B8E1-30970F47FEC0}"/>
               </a:ext>
             </a:extLst>
           </p:cNvPr>
@@ -11838,7 +12002,7 @@
           <p:cNvPr id="12" name="object 14">
             <a:extLst>
               <a:ext uri="{FF2B5EF4-FFF2-40B4-BE49-F238E27FC236}">
-                <a16:creationId xmlns:a16="http://schemas.microsoft.com/office/drawing/2014/main" id="{F1AA2BE7-75E7-A5C7-6E45-98B3DCFDB96B}"/>
+                <a16:creationId xmlns:a16="http://schemas.microsoft.com/office/drawing/2014/main" xmlns="" id="{F1AA2BE7-75E7-A5C7-6E45-98B3DCFDB96B}"/>
               </a:ext>
             </a:extLst>
           </p:cNvPr>
@@ -11985,7 +12149,7 @@
           <p:cNvPr id="13" name="Picture 12">
             <a:extLst>
               <a:ext uri="{FF2B5EF4-FFF2-40B4-BE49-F238E27FC236}">
-                <a16:creationId xmlns:a16="http://schemas.microsoft.com/office/drawing/2014/main" id="{DAA358CE-B26F-88AB-69C4-B1705A31CD40}"/>
+                <a16:creationId xmlns:a16="http://schemas.microsoft.com/office/drawing/2014/main" xmlns="" id="{DAA358CE-B26F-88AB-69C4-B1705A31CD40}"/>
               </a:ext>
             </a:extLst>
           </p:cNvPr>
@@ -11995,7 +12159,7 @@
           <p:nvPr/>
         </p:nvPicPr>
         <p:blipFill>
-          <a:blip r:embed="rId10"/>
+          <a:blip r:embed="rId10" cstate="print"/>
           <a:stretch>
             <a:fillRect/>
           </a:stretch>
@@ -12015,7 +12179,7 @@
           <p:cNvPr id="14" name="Date Placeholder 17">
             <a:extLst>
               <a:ext uri="{FF2B5EF4-FFF2-40B4-BE49-F238E27FC236}">
-                <a16:creationId xmlns:a16="http://schemas.microsoft.com/office/drawing/2014/main" id="{A6D53B2B-6889-E636-7E80-9B275AFCFF8C}"/>
+                <a16:creationId xmlns:a16="http://schemas.microsoft.com/office/drawing/2014/main" xmlns="" id="{A6D53B2B-6889-E636-7E80-9B275AFCFF8C}"/>
               </a:ext>
             </a:extLst>
           </p:cNvPr>
@@ -12044,7 +12208,8 @@
                 <a:latin typeface="Times New Roman" panose="02020603050405020304" pitchFamily="18" charset="0"/>
                 <a:cs typeface="Times New Roman" panose="02020603050405020304" pitchFamily="18" charset="0"/>
               </a:rPr>
-              <a:t>Friday, December 26, 2025</a:t>
+              <a:pPr/>
+              <a:t>Sunday, December 28, 2025</a:t>
             </a:fld>
             <a:endParaRPr lang="en-US" b="1" dirty="0">
               <a:solidFill>
@@ -12059,13 +12224,20 @@
     </p:spTree>
     <p:extLst>
       <p:ext uri="{BB962C8B-B14F-4D97-AF65-F5344CB8AC3E}">
-        <p14:creationId xmlns:p14="http://schemas.microsoft.com/office/powerpoint/2010/main" val="2351566526"/>
+        <p14:creationId xmlns:p14="http://schemas.microsoft.com/office/powerpoint/2010/main" xmlns="" val="2351566526"/>
       </p:ext>
     </p:extLst>
   </p:cSld>
   <p:clrMapOvr>
     <a:masterClrMapping/>
   </p:clrMapOvr>
+  <p:timing>
+    <p:tnLst>
+      <p:par>
+        <p:cTn id="1" dur="indefinite" restart="never" nodeType="tmRoot"/>
+      </p:par>
+    </p:tnLst>
+  </p:timing>
 </p:sld>
 </file>
 
@@ -12085,7 +12257,7 @@
         <p:cNvPr id="1" name="">
           <a:extLst>
             <a:ext uri="{FF2B5EF4-FFF2-40B4-BE49-F238E27FC236}">
-              <a16:creationId xmlns:a16="http://schemas.microsoft.com/office/drawing/2014/main" id="{E5630A37-A8A8-9D41-4078-04ECEC1A5486}"/>
+              <a16:creationId xmlns:a16="http://schemas.microsoft.com/office/drawing/2014/main" xmlns="" id="{E5630A37-A8A8-9D41-4078-04ECEC1A5486}"/>
             </a:ext>
           </a:extLst>
         </p:cNvPr>
@@ -12105,7 +12277,7 @@
           <p:cNvPr id="2" name="Freeform 2">
             <a:extLst>
               <a:ext uri="{FF2B5EF4-FFF2-40B4-BE49-F238E27FC236}">
-                <a16:creationId xmlns:a16="http://schemas.microsoft.com/office/drawing/2014/main" id="{393A38D0-21C7-B2DC-CF01-6D725677D17D}"/>
+                <a16:creationId xmlns:a16="http://schemas.microsoft.com/office/drawing/2014/main" xmlns="" id="{393A38D0-21C7-B2DC-CF01-6D725677D17D}"/>
               </a:ext>
             </a:extLst>
           </p:cNvPr>
@@ -12148,7 +12320,7 @@
             <a:blip r:embed="rId2">
               <a:extLst>
                 <a:ext uri="{96DAC541-7B7A-43D3-8B79-37D633B846F1}">
-                  <asvg:svgBlip xmlns:asvg="http://schemas.microsoft.com/office/drawing/2016/SVG/main" r:embed="rId3"/>
+                  <asvg:svgBlip xmlns:asvg="http://schemas.microsoft.com/office/drawing/2016/SVG/main" xmlns="" r:embed="rId3"/>
                 </a:ext>
               </a:extLst>
             </a:blip>
@@ -12163,7 +12335,7 @@
           <p:cNvPr id="3" name="Freeform 3">
             <a:extLst>
               <a:ext uri="{FF2B5EF4-FFF2-40B4-BE49-F238E27FC236}">
-                <a16:creationId xmlns:a16="http://schemas.microsoft.com/office/drawing/2014/main" id="{9B590729-C7ED-BFFD-4C49-3D66161E1F13}"/>
+                <a16:creationId xmlns:a16="http://schemas.microsoft.com/office/drawing/2014/main" xmlns="" id="{9B590729-C7ED-BFFD-4C49-3D66161E1F13}"/>
               </a:ext>
             </a:extLst>
           </p:cNvPr>
@@ -12206,7 +12378,7 @@
             <a:blip r:embed="rId2">
               <a:extLst>
                 <a:ext uri="{96DAC541-7B7A-43D3-8B79-37D633B846F1}">
-                  <asvg:svgBlip xmlns:asvg="http://schemas.microsoft.com/office/drawing/2016/SVG/main" r:embed="rId3"/>
+                  <asvg:svgBlip xmlns:asvg="http://schemas.microsoft.com/office/drawing/2016/SVG/main" xmlns="" r:embed="rId3"/>
                 </a:ext>
               </a:extLst>
             </a:blip>
@@ -12221,7 +12393,7 @@
           <p:cNvPr id="4" name="Freeform 4">
             <a:extLst>
               <a:ext uri="{FF2B5EF4-FFF2-40B4-BE49-F238E27FC236}">
-                <a16:creationId xmlns:a16="http://schemas.microsoft.com/office/drawing/2014/main" id="{366B3958-0C89-1268-F281-2D527443BA1C}"/>
+                <a16:creationId xmlns:a16="http://schemas.microsoft.com/office/drawing/2014/main" xmlns="" id="{366B3958-0C89-1268-F281-2D527443BA1C}"/>
               </a:ext>
             </a:extLst>
           </p:cNvPr>
@@ -12264,7 +12436,7 @@
             <a:blip r:embed="rId4">
               <a:extLst>
                 <a:ext uri="{96DAC541-7B7A-43D3-8B79-37D633B846F1}">
-                  <asvg:svgBlip xmlns:asvg="http://schemas.microsoft.com/office/drawing/2016/SVG/main" r:embed="rId5"/>
+                  <asvg:svgBlip xmlns:asvg="http://schemas.microsoft.com/office/drawing/2016/SVG/main" xmlns="" r:embed="rId5"/>
                 </a:ext>
               </a:extLst>
             </a:blip>
@@ -12279,7 +12451,7 @@
           <p:cNvPr id="5" name="Freeform 5">
             <a:extLst>
               <a:ext uri="{FF2B5EF4-FFF2-40B4-BE49-F238E27FC236}">
-                <a16:creationId xmlns:a16="http://schemas.microsoft.com/office/drawing/2014/main" id="{EE8404B5-F976-ED42-B8AF-9C3E27F4E2B5}"/>
+                <a16:creationId xmlns:a16="http://schemas.microsoft.com/office/drawing/2014/main" xmlns="" id="{EE8404B5-F976-ED42-B8AF-9C3E27F4E2B5}"/>
               </a:ext>
             </a:extLst>
           </p:cNvPr>
@@ -12322,7 +12494,7 @@
             <a:blip r:embed="rId6">
               <a:extLst>
                 <a:ext uri="{96DAC541-7B7A-43D3-8B79-37D633B846F1}">
-                  <asvg:svgBlip xmlns:asvg="http://schemas.microsoft.com/office/drawing/2016/SVG/main" r:embed="rId7"/>
+                  <asvg:svgBlip xmlns:asvg="http://schemas.microsoft.com/office/drawing/2016/SVG/main" xmlns="" r:embed="rId7"/>
                 </a:ext>
               </a:extLst>
             </a:blip>
@@ -12337,7 +12509,7 @@
           <p:cNvPr id="6" name="TextBox 6">
             <a:extLst>
               <a:ext uri="{FF2B5EF4-FFF2-40B4-BE49-F238E27FC236}">
-                <a16:creationId xmlns:a16="http://schemas.microsoft.com/office/drawing/2014/main" id="{00FED3E8-BA1E-0B92-164F-5B0161461D0A}"/>
+                <a16:creationId xmlns:a16="http://schemas.microsoft.com/office/drawing/2014/main" xmlns="" id="{00FED3E8-BA1E-0B92-164F-5B0161461D0A}"/>
               </a:ext>
             </a:extLst>
           </p:cNvPr>
@@ -12384,7 +12556,7 @@
           <p:cNvPr id="11" name="Freeform 11">
             <a:extLst>
               <a:ext uri="{FF2B5EF4-FFF2-40B4-BE49-F238E27FC236}">
-                <a16:creationId xmlns:a16="http://schemas.microsoft.com/office/drawing/2014/main" id="{5867575A-2E0A-CA36-A60E-11F4EB17DF7A}"/>
+                <a16:creationId xmlns:a16="http://schemas.microsoft.com/office/drawing/2014/main" xmlns="" id="{5867575A-2E0A-CA36-A60E-11F4EB17DF7A}"/>
               </a:ext>
             </a:extLst>
           </p:cNvPr>
@@ -12427,7 +12599,7 @@
             <a:blip r:embed="rId8">
               <a:extLst>
                 <a:ext uri="{96DAC541-7B7A-43D3-8B79-37D633B846F1}">
-                  <asvg:svgBlip xmlns:asvg="http://schemas.microsoft.com/office/drawing/2016/SVG/main" r:embed="rId9"/>
+                  <asvg:svgBlip xmlns:asvg="http://schemas.microsoft.com/office/drawing/2016/SVG/main" xmlns="" r:embed="rId9"/>
                 </a:ext>
               </a:extLst>
             </a:blip>
@@ -12442,7 +12614,7 @@
           <p:cNvPr id="8" name="TextBox 7">
             <a:extLst>
               <a:ext uri="{FF2B5EF4-FFF2-40B4-BE49-F238E27FC236}">
-                <a16:creationId xmlns:a16="http://schemas.microsoft.com/office/drawing/2014/main" id="{72595F0C-2542-5284-FEA6-CECEF3D070A7}"/>
+                <a16:creationId xmlns:a16="http://schemas.microsoft.com/office/drawing/2014/main" xmlns="" id="{72595F0C-2542-5284-FEA6-CECEF3D070A7}"/>
               </a:ext>
             </a:extLst>
           </p:cNvPr>
@@ -12536,7 +12708,7 @@
           <p:cNvPr id="10" name="Plaque 9">
             <a:extLst>
               <a:ext uri="{FF2B5EF4-FFF2-40B4-BE49-F238E27FC236}">
-                <a16:creationId xmlns:a16="http://schemas.microsoft.com/office/drawing/2014/main" id="{135BF53F-EF6A-188E-56E6-B41C9F76191A}"/>
+                <a16:creationId xmlns:a16="http://schemas.microsoft.com/office/drawing/2014/main" xmlns="" id="{135BF53F-EF6A-188E-56E6-B41C9F76191A}"/>
               </a:ext>
             </a:extLst>
           </p:cNvPr>
@@ -12589,7 +12761,7 @@
           <p:cNvPr id="12" name="object 14">
             <a:extLst>
               <a:ext uri="{FF2B5EF4-FFF2-40B4-BE49-F238E27FC236}">
-                <a16:creationId xmlns:a16="http://schemas.microsoft.com/office/drawing/2014/main" id="{34FAED68-88B8-782D-9126-97E9E419C7CD}"/>
+                <a16:creationId xmlns:a16="http://schemas.microsoft.com/office/drawing/2014/main" xmlns="" id="{34FAED68-88B8-782D-9126-97E9E419C7CD}"/>
               </a:ext>
             </a:extLst>
           </p:cNvPr>
@@ -12736,7 +12908,7 @@
           <p:cNvPr id="13" name="Picture 12">
             <a:extLst>
               <a:ext uri="{FF2B5EF4-FFF2-40B4-BE49-F238E27FC236}">
-                <a16:creationId xmlns:a16="http://schemas.microsoft.com/office/drawing/2014/main" id="{228069B1-DCD7-7E09-F509-7690147814A6}"/>
+                <a16:creationId xmlns:a16="http://schemas.microsoft.com/office/drawing/2014/main" xmlns="" id="{228069B1-DCD7-7E09-F509-7690147814A6}"/>
               </a:ext>
             </a:extLst>
           </p:cNvPr>
@@ -12746,7 +12918,7 @@
           <p:nvPr/>
         </p:nvPicPr>
         <p:blipFill>
-          <a:blip r:embed="rId10"/>
+          <a:blip r:embed="rId10" cstate="print"/>
           <a:stretch>
             <a:fillRect/>
           </a:stretch>
@@ -12766,7 +12938,7 @@
           <p:cNvPr id="14" name="Date Placeholder 17">
             <a:extLst>
               <a:ext uri="{FF2B5EF4-FFF2-40B4-BE49-F238E27FC236}">
-                <a16:creationId xmlns:a16="http://schemas.microsoft.com/office/drawing/2014/main" id="{0BE73FD6-9596-2E6D-3C9B-F83466E4B49C}"/>
+                <a16:creationId xmlns:a16="http://schemas.microsoft.com/office/drawing/2014/main" xmlns="" id="{0BE73FD6-9596-2E6D-3C9B-F83466E4B49C}"/>
               </a:ext>
             </a:extLst>
           </p:cNvPr>
@@ -12795,7 +12967,8 @@
                 <a:latin typeface="Times New Roman" panose="02020603050405020304" pitchFamily="18" charset="0"/>
                 <a:cs typeface="Times New Roman" panose="02020603050405020304" pitchFamily="18" charset="0"/>
               </a:rPr>
-              <a:t>Friday, December 26, 2025</a:t>
+              <a:pPr/>
+              <a:t>Sunday, December 28, 2025</a:t>
             </a:fld>
             <a:endParaRPr lang="en-US" b="1" dirty="0">
               <a:solidFill>
@@ -12810,13 +12983,20 @@
     </p:spTree>
     <p:extLst>
       <p:ext uri="{BB962C8B-B14F-4D97-AF65-F5344CB8AC3E}">
-        <p14:creationId xmlns:p14="http://schemas.microsoft.com/office/powerpoint/2010/main" val="968026106"/>
+        <p14:creationId xmlns:p14="http://schemas.microsoft.com/office/powerpoint/2010/main" xmlns="" val="968026106"/>
       </p:ext>
     </p:extLst>
   </p:cSld>
   <p:clrMapOvr>
     <a:masterClrMapping/>
   </p:clrMapOvr>
+  <p:timing>
+    <p:tnLst>
+      <p:par>
+        <p:cTn id="1" dur="indefinite" restart="never" nodeType="tmRoot"/>
+      </p:par>
+    </p:tnLst>
+  </p:timing>
 </p:sld>
 </file>
 
@@ -12836,7 +13016,7 @@
         <p:cNvPr id="1" name="">
           <a:extLst>
             <a:ext uri="{FF2B5EF4-FFF2-40B4-BE49-F238E27FC236}">
-              <a16:creationId xmlns:a16="http://schemas.microsoft.com/office/drawing/2014/main" id="{DD9028E9-D5D6-FC67-7090-6B7AB13B0F84}"/>
+              <a16:creationId xmlns:a16="http://schemas.microsoft.com/office/drawing/2014/main" xmlns="" id="{DD9028E9-D5D6-FC67-7090-6B7AB13B0F84}"/>
             </a:ext>
           </a:extLst>
         </p:cNvPr>
@@ -12856,7 +13036,7 @@
           <p:cNvPr id="2" name="Freeform 2">
             <a:extLst>
               <a:ext uri="{FF2B5EF4-FFF2-40B4-BE49-F238E27FC236}">
-                <a16:creationId xmlns:a16="http://schemas.microsoft.com/office/drawing/2014/main" id="{78A507B7-7D51-8433-ACA3-29AC0FED28FB}"/>
+                <a16:creationId xmlns:a16="http://schemas.microsoft.com/office/drawing/2014/main" xmlns="" id="{78A507B7-7D51-8433-ACA3-29AC0FED28FB}"/>
               </a:ext>
             </a:extLst>
           </p:cNvPr>
@@ -12899,7 +13079,7 @@
             <a:blip r:embed="rId2">
               <a:extLst>
                 <a:ext uri="{96DAC541-7B7A-43D3-8B79-37D633B846F1}">
-                  <asvg:svgBlip xmlns:asvg="http://schemas.microsoft.com/office/drawing/2016/SVG/main" r:embed="rId3"/>
+                  <asvg:svgBlip xmlns:asvg="http://schemas.microsoft.com/office/drawing/2016/SVG/main" xmlns="" r:embed="rId3"/>
                 </a:ext>
               </a:extLst>
             </a:blip>
@@ -12914,7 +13094,7 @@
           <p:cNvPr id="3" name="Freeform 3">
             <a:extLst>
               <a:ext uri="{FF2B5EF4-FFF2-40B4-BE49-F238E27FC236}">
-                <a16:creationId xmlns:a16="http://schemas.microsoft.com/office/drawing/2014/main" id="{234FE7D9-9850-0066-3F1F-5E9691DFC074}"/>
+                <a16:creationId xmlns:a16="http://schemas.microsoft.com/office/drawing/2014/main" xmlns="" id="{234FE7D9-9850-0066-3F1F-5E9691DFC074}"/>
               </a:ext>
             </a:extLst>
           </p:cNvPr>
@@ -12957,7 +13137,7 @@
             <a:blip r:embed="rId2">
               <a:extLst>
                 <a:ext uri="{96DAC541-7B7A-43D3-8B79-37D633B846F1}">
-                  <asvg:svgBlip xmlns:asvg="http://schemas.microsoft.com/office/drawing/2016/SVG/main" r:embed="rId3"/>
+                  <asvg:svgBlip xmlns:asvg="http://schemas.microsoft.com/office/drawing/2016/SVG/main" xmlns="" r:embed="rId3"/>
                 </a:ext>
               </a:extLst>
             </a:blip>
@@ -12972,7 +13152,7 @@
           <p:cNvPr id="4" name="Freeform 4">
             <a:extLst>
               <a:ext uri="{FF2B5EF4-FFF2-40B4-BE49-F238E27FC236}">
-                <a16:creationId xmlns:a16="http://schemas.microsoft.com/office/drawing/2014/main" id="{1A69A43C-604D-71BC-2F5F-71D5BD6B979A}"/>
+                <a16:creationId xmlns:a16="http://schemas.microsoft.com/office/drawing/2014/main" xmlns="" id="{1A69A43C-604D-71BC-2F5F-71D5BD6B979A}"/>
               </a:ext>
             </a:extLst>
           </p:cNvPr>
@@ -13015,7 +13195,7 @@
             <a:blip r:embed="rId4">
               <a:extLst>
                 <a:ext uri="{96DAC541-7B7A-43D3-8B79-37D633B846F1}">
-                  <asvg:svgBlip xmlns:asvg="http://schemas.microsoft.com/office/drawing/2016/SVG/main" r:embed="rId5"/>
+                  <asvg:svgBlip xmlns:asvg="http://schemas.microsoft.com/office/drawing/2016/SVG/main" xmlns="" r:embed="rId5"/>
                 </a:ext>
               </a:extLst>
             </a:blip>
@@ -13030,7 +13210,7 @@
           <p:cNvPr id="5" name="Freeform 5">
             <a:extLst>
               <a:ext uri="{FF2B5EF4-FFF2-40B4-BE49-F238E27FC236}">
-                <a16:creationId xmlns:a16="http://schemas.microsoft.com/office/drawing/2014/main" id="{088D5C5E-11CD-FD43-007F-EF70D65E1CBA}"/>
+                <a16:creationId xmlns:a16="http://schemas.microsoft.com/office/drawing/2014/main" xmlns="" id="{088D5C5E-11CD-FD43-007F-EF70D65E1CBA}"/>
               </a:ext>
             </a:extLst>
           </p:cNvPr>
@@ -13073,7 +13253,7 @@
             <a:blip r:embed="rId6">
               <a:extLst>
                 <a:ext uri="{96DAC541-7B7A-43D3-8B79-37D633B846F1}">
-                  <asvg:svgBlip xmlns:asvg="http://schemas.microsoft.com/office/drawing/2016/SVG/main" r:embed="rId7"/>
+                  <asvg:svgBlip xmlns:asvg="http://schemas.microsoft.com/office/drawing/2016/SVG/main" xmlns="" r:embed="rId7"/>
                 </a:ext>
               </a:extLst>
             </a:blip>
@@ -13088,7 +13268,7 @@
           <p:cNvPr id="6" name="TextBox 6">
             <a:extLst>
               <a:ext uri="{FF2B5EF4-FFF2-40B4-BE49-F238E27FC236}">
-                <a16:creationId xmlns:a16="http://schemas.microsoft.com/office/drawing/2014/main" id="{5F164935-23D9-A2E1-ECF0-437ECDB096EF}"/>
+                <a16:creationId xmlns:a16="http://schemas.microsoft.com/office/drawing/2014/main" xmlns="" id="{5F164935-23D9-A2E1-ECF0-437ECDB096EF}"/>
               </a:ext>
             </a:extLst>
           </p:cNvPr>
@@ -13135,7 +13315,7 @@
           <p:cNvPr id="11" name="Freeform 11">
             <a:extLst>
               <a:ext uri="{FF2B5EF4-FFF2-40B4-BE49-F238E27FC236}">
-                <a16:creationId xmlns:a16="http://schemas.microsoft.com/office/drawing/2014/main" id="{91999616-D35A-ED1D-EA2D-6D622025F73E}"/>
+                <a16:creationId xmlns:a16="http://schemas.microsoft.com/office/drawing/2014/main" xmlns="" id="{91999616-D35A-ED1D-EA2D-6D622025F73E}"/>
               </a:ext>
             </a:extLst>
           </p:cNvPr>
@@ -13178,7 +13358,7 @@
             <a:blip r:embed="rId8">
               <a:extLst>
                 <a:ext uri="{96DAC541-7B7A-43D3-8B79-37D633B846F1}">
-                  <asvg:svgBlip xmlns:asvg="http://schemas.microsoft.com/office/drawing/2016/SVG/main" r:embed="rId9"/>
+                  <asvg:svgBlip xmlns:asvg="http://schemas.microsoft.com/office/drawing/2016/SVG/main" xmlns="" r:embed="rId9"/>
                 </a:ext>
               </a:extLst>
             </a:blip>
@@ -13193,7 +13373,7 @@
           <p:cNvPr id="10" name="Plaque 9">
             <a:extLst>
               <a:ext uri="{FF2B5EF4-FFF2-40B4-BE49-F238E27FC236}">
-                <a16:creationId xmlns:a16="http://schemas.microsoft.com/office/drawing/2014/main" id="{3AA4B851-781A-E290-BFE0-54B23EB61BAC}"/>
+                <a16:creationId xmlns:a16="http://schemas.microsoft.com/office/drawing/2014/main" xmlns="" id="{3AA4B851-781A-E290-BFE0-54B23EB61BAC}"/>
               </a:ext>
             </a:extLst>
           </p:cNvPr>
@@ -13246,7 +13426,7 @@
           <p:cNvPr id="13" name="Picture 12">
             <a:extLst>
               <a:ext uri="{FF2B5EF4-FFF2-40B4-BE49-F238E27FC236}">
-                <a16:creationId xmlns:a16="http://schemas.microsoft.com/office/drawing/2014/main" id="{52150AF7-F205-75CB-D3D6-A4FB3C3FD735}"/>
+                <a16:creationId xmlns:a16="http://schemas.microsoft.com/office/drawing/2014/main" xmlns="" id="{52150AF7-F205-75CB-D3D6-A4FB3C3FD735}"/>
               </a:ext>
             </a:extLst>
           </p:cNvPr>
@@ -13259,7 +13439,7 @@
           <a:blip r:embed="rId10">
             <a:extLst>
               <a:ext uri="{28A0092B-C50C-407E-A947-70E740481C1C}">
-                <a14:useLocalDpi xmlns:a14="http://schemas.microsoft.com/office/drawing/2010/main" val="0"/>
+                <a14:useLocalDpi xmlns:a14="http://schemas.microsoft.com/office/drawing/2010/main" xmlns="" val="0"/>
               </a:ext>
             </a:extLst>
           </a:blip>
@@ -13282,7 +13462,7 @@
           <p:cNvPr id="14" name="Rectangle 13">
             <a:extLst>
               <a:ext uri="{FF2B5EF4-FFF2-40B4-BE49-F238E27FC236}">
-                <a16:creationId xmlns:a16="http://schemas.microsoft.com/office/drawing/2014/main" id="{BC8E77DF-8B3E-DC9B-CADC-9157234605F1}"/>
+                <a16:creationId xmlns:a16="http://schemas.microsoft.com/office/drawing/2014/main" xmlns="" id="{BC8E77DF-8B3E-DC9B-CADC-9157234605F1}"/>
               </a:ext>
             </a:extLst>
           </p:cNvPr>
@@ -13336,7 +13516,7 @@
           <p:cNvPr id="15" name="Rectangle 14">
             <a:extLst>
               <a:ext uri="{FF2B5EF4-FFF2-40B4-BE49-F238E27FC236}">
-                <a16:creationId xmlns:a16="http://schemas.microsoft.com/office/drawing/2014/main" id="{A1327924-E07F-1B79-1A8D-78DE2C5D0D2B}"/>
+                <a16:creationId xmlns:a16="http://schemas.microsoft.com/office/drawing/2014/main" xmlns="" id="{A1327924-E07F-1B79-1A8D-78DE2C5D0D2B}"/>
               </a:ext>
             </a:extLst>
           </p:cNvPr>
@@ -13390,7 +13570,7 @@
           <p:cNvPr id="17" name="Picture 16">
             <a:extLst>
               <a:ext uri="{FF2B5EF4-FFF2-40B4-BE49-F238E27FC236}">
-                <a16:creationId xmlns:a16="http://schemas.microsoft.com/office/drawing/2014/main" id="{8FF56E92-8820-4862-68FE-38D10828A5AD}"/>
+                <a16:creationId xmlns:a16="http://schemas.microsoft.com/office/drawing/2014/main" xmlns="" id="{8FF56E92-8820-4862-68FE-38D10828A5AD}"/>
               </a:ext>
             </a:extLst>
           </p:cNvPr>
@@ -13403,7 +13583,7 @@
           <a:blip r:embed="rId11">
             <a:extLst>
               <a:ext uri="{28A0092B-C50C-407E-A947-70E740481C1C}">
-                <a14:useLocalDpi xmlns:a14="http://schemas.microsoft.com/office/drawing/2010/main" val="0"/>
+                <a14:useLocalDpi xmlns:a14="http://schemas.microsoft.com/office/drawing/2010/main" xmlns="" val="0"/>
               </a:ext>
             </a:extLst>
           </a:blip>
@@ -13426,7 +13606,7 @@
           <p:cNvPr id="18" name="Picture 17">
             <a:extLst>
               <a:ext uri="{FF2B5EF4-FFF2-40B4-BE49-F238E27FC236}">
-                <a16:creationId xmlns:a16="http://schemas.microsoft.com/office/drawing/2014/main" id="{8FEC94A1-2D5B-BAD8-BDE7-13D1E6F300BF}"/>
+                <a16:creationId xmlns:a16="http://schemas.microsoft.com/office/drawing/2014/main" xmlns="" id="{8FEC94A1-2D5B-BAD8-BDE7-13D1E6F300BF}"/>
               </a:ext>
             </a:extLst>
           </p:cNvPr>
@@ -13456,7 +13636,7 @@
           <p:cNvPr id="19" name="TextBox 18">
             <a:extLst>
               <a:ext uri="{FF2B5EF4-FFF2-40B4-BE49-F238E27FC236}">
-                <a16:creationId xmlns:a16="http://schemas.microsoft.com/office/drawing/2014/main" id="{F3EE0AFD-5917-2512-22AA-EF209A0DDB33}"/>
+                <a16:creationId xmlns:a16="http://schemas.microsoft.com/office/drawing/2014/main" xmlns="" id="{F3EE0AFD-5917-2512-22AA-EF209A0DDB33}"/>
               </a:ext>
             </a:extLst>
           </p:cNvPr>
@@ -13495,7 +13675,7 @@
           <p:cNvPr id="20" name="TextBox 19">
             <a:extLst>
               <a:ext uri="{FF2B5EF4-FFF2-40B4-BE49-F238E27FC236}">
-                <a16:creationId xmlns:a16="http://schemas.microsoft.com/office/drawing/2014/main" id="{778EF5B3-3362-5197-E200-ABF0455FBA7A}"/>
+                <a16:creationId xmlns:a16="http://schemas.microsoft.com/office/drawing/2014/main" xmlns="" id="{778EF5B3-3362-5197-E200-ABF0455FBA7A}"/>
               </a:ext>
             </a:extLst>
           </p:cNvPr>
@@ -13534,7 +13714,7 @@
           <p:cNvPr id="21" name="TextBox 20">
             <a:extLst>
               <a:ext uri="{FF2B5EF4-FFF2-40B4-BE49-F238E27FC236}">
-                <a16:creationId xmlns:a16="http://schemas.microsoft.com/office/drawing/2014/main" id="{F76C3651-743F-7630-1DC3-1D8D0123F569}"/>
+                <a16:creationId xmlns:a16="http://schemas.microsoft.com/office/drawing/2014/main" xmlns="" id="{F76C3651-743F-7630-1DC3-1D8D0123F569}"/>
               </a:ext>
             </a:extLst>
           </p:cNvPr>
@@ -13573,7 +13753,7 @@
           <p:cNvPr id="22" name="object 14">
             <a:extLst>
               <a:ext uri="{FF2B5EF4-FFF2-40B4-BE49-F238E27FC236}">
-                <a16:creationId xmlns:a16="http://schemas.microsoft.com/office/drawing/2014/main" id="{BCB37FD5-212A-7A28-185B-0E76A0B3B6C9}"/>
+                <a16:creationId xmlns:a16="http://schemas.microsoft.com/office/drawing/2014/main" xmlns="" id="{BCB37FD5-212A-7A28-185B-0E76A0B3B6C9}"/>
               </a:ext>
             </a:extLst>
           </p:cNvPr>
@@ -13720,7 +13900,7 @@
           <p:cNvPr id="23" name="Picture 22">
             <a:extLst>
               <a:ext uri="{FF2B5EF4-FFF2-40B4-BE49-F238E27FC236}">
-                <a16:creationId xmlns:a16="http://schemas.microsoft.com/office/drawing/2014/main" id="{469BB120-D74A-D4E8-39E7-DEFAA56A3B40}"/>
+                <a16:creationId xmlns:a16="http://schemas.microsoft.com/office/drawing/2014/main" xmlns="" id="{469BB120-D74A-D4E8-39E7-DEFAA56A3B40}"/>
               </a:ext>
             </a:extLst>
           </p:cNvPr>
@@ -13730,7 +13910,7 @@
           <p:nvPr/>
         </p:nvPicPr>
         <p:blipFill>
-          <a:blip r:embed="rId13"/>
+          <a:blip r:embed="rId13" cstate="print"/>
           <a:stretch>
             <a:fillRect/>
           </a:stretch>
@@ -13750,7 +13930,7 @@
           <p:cNvPr id="24" name="Date Placeholder 17">
             <a:extLst>
               <a:ext uri="{FF2B5EF4-FFF2-40B4-BE49-F238E27FC236}">
-                <a16:creationId xmlns:a16="http://schemas.microsoft.com/office/drawing/2014/main" id="{B61BBF65-3ED2-3E69-EC66-46F8D5954FBE}"/>
+                <a16:creationId xmlns:a16="http://schemas.microsoft.com/office/drawing/2014/main" xmlns="" id="{B61BBF65-3ED2-3E69-EC66-46F8D5954FBE}"/>
               </a:ext>
             </a:extLst>
           </p:cNvPr>
@@ -13779,7 +13959,8 @@
                 <a:latin typeface="Times New Roman" panose="02020603050405020304" pitchFamily="18" charset="0"/>
                 <a:cs typeface="Times New Roman" panose="02020603050405020304" pitchFamily="18" charset="0"/>
               </a:rPr>
-              <a:t>Friday, December 26, 2025</a:t>
+              <a:pPr/>
+              <a:t>Sunday, December 28, 2025</a:t>
             </a:fld>
             <a:endParaRPr lang="en-US" b="1" dirty="0">
               <a:solidFill>
@@ -13794,13 +13975,20 @@
     </p:spTree>
     <p:extLst>
       <p:ext uri="{BB962C8B-B14F-4D97-AF65-F5344CB8AC3E}">
-        <p14:creationId xmlns:p14="http://schemas.microsoft.com/office/powerpoint/2010/main" val="4283869069"/>
+        <p14:creationId xmlns:p14="http://schemas.microsoft.com/office/powerpoint/2010/main" xmlns="" val="4283869069"/>
       </p:ext>
     </p:extLst>
   </p:cSld>
   <p:clrMapOvr>
     <a:masterClrMapping/>
   </p:clrMapOvr>
+  <p:timing>
+    <p:tnLst>
+      <p:par>
+        <p:cTn id="1" dur="indefinite" restart="never" nodeType="tmRoot"/>
+      </p:par>
+    </p:tnLst>
+  </p:timing>
 </p:sld>
 </file>
 
@@ -13820,7 +14008,7 @@
         <p:cNvPr id="1" name="">
           <a:extLst>
             <a:ext uri="{FF2B5EF4-FFF2-40B4-BE49-F238E27FC236}">
-              <a16:creationId xmlns:a16="http://schemas.microsoft.com/office/drawing/2014/main" id="{D8CCEDFD-52F7-CCFD-8DF0-042833A87DDD}"/>
+              <a16:creationId xmlns:a16="http://schemas.microsoft.com/office/drawing/2014/main" xmlns="" id="{D8CCEDFD-52F7-CCFD-8DF0-042833A87DDD}"/>
             </a:ext>
           </a:extLst>
         </p:cNvPr>
@@ -13840,7 +14028,7 @@
           <p:cNvPr id="2" name="Freeform 2">
             <a:extLst>
               <a:ext uri="{FF2B5EF4-FFF2-40B4-BE49-F238E27FC236}">
-                <a16:creationId xmlns:a16="http://schemas.microsoft.com/office/drawing/2014/main" id="{978F03DD-1351-FB05-DDFD-721E3926886D}"/>
+                <a16:creationId xmlns:a16="http://schemas.microsoft.com/office/drawing/2014/main" xmlns="" id="{978F03DD-1351-FB05-DDFD-721E3926886D}"/>
               </a:ext>
             </a:extLst>
           </p:cNvPr>
@@ -13883,7 +14071,7 @@
             <a:blip r:embed="rId2">
               <a:extLst>
                 <a:ext uri="{96DAC541-7B7A-43D3-8B79-37D633B846F1}">
-                  <asvg:svgBlip xmlns:asvg="http://schemas.microsoft.com/office/drawing/2016/SVG/main" r:embed="rId3"/>
+                  <asvg:svgBlip xmlns:asvg="http://schemas.microsoft.com/office/drawing/2016/SVG/main" xmlns="" r:embed="rId3"/>
                 </a:ext>
               </a:extLst>
             </a:blip>
@@ -13898,7 +14086,7 @@
           <p:cNvPr id="3" name="Freeform 3">
             <a:extLst>
               <a:ext uri="{FF2B5EF4-FFF2-40B4-BE49-F238E27FC236}">
-                <a16:creationId xmlns:a16="http://schemas.microsoft.com/office/drawing/2014/main" id="{E8EB221B-A962-CF07-7AB5-793E1411B371}"/>
+                <a16:creationId xmlns:a16="http://schemas.microsoft.com/office/drawing/2014/main" xmlns="" id="{E8EB221B-A962-CF07-7AB5-793E1411B371}"/>
               </a:ext>
             </a:extLst>
           </p:cNvPr>
@@ -13941,7 +14129,7 @@
             <a:blip r:embed="rId4">
               <a:extLst>
                 <a:ext uri="{96DAC541-7B7A-43D3-8B79-37D633B846F1}">
-                  <asvg:svgBlip xmlns:asvg="http://schemas.microsoft.com/office/drawing/2016/SVG/main" r:embed="rId5"/>
+                  <asvg:svgBlip xmlns:asvg="http://schemas.microsoft.com/office/drawing/2016/SVG/main" xmlns="" r:embed="rId5"/>
                 </a:ext>
               </a:extLst>
             </a:blip>
@@ -13956,7 +14144,7 @@
           <p:cNvPr id="4" name="Freeform 4">
             <a:extLst>
               <a:ext uri="{FF2B5EF4-FFF2-40B4-BE49-F238E27FC236}">
-                <a16:creationId xmlns:a16="http://schemas.microsoft.com/office/drawing/2014/main" id="{DFFD8906-A1C9-AE8D-800A-3ACEBCB3DEEF}"/>
+                <a16:creationId xmlns:a16="http://schemas.microsoft.com/office/drawing/2014/main" xmlns="" id="{DFFD8906-A1C9-AE8D-800A-3ACEBCB3DEEF}"/>
               </a:ext>
             </a:extLst>
           </p:cNvPr>
@@ -13999,7 +14187,7 @@
             <a:blip r:embed="rId6">
               <a:extLst>
                 <a:ext uri="{96DAC541-7B7A-43D3-8B79-37D633B846F1}">
-                  <asvg:svgBlip xmlns:asvg="http://schemas.microsoft.com/office/drawing/2016/SVG/main" r:embed="rId7"/>
+                  <asvg:svgBlip xmlns:asvg="http://schemas.microsoft.com/office/drawing/2016/SVG/main" xmlns="" r:embed="rId7"/>
                 </a:ext>
               </a:extLst>
             </a:blip>
@@ -14014,7 +14202,7 @@
           <p:cNvPr id="5" name="Freeform 5">
             <a:extLst>
               <a:ext uri="{FF2B5EF4-FFF2-40B4-BE49-F238E27FC236}">
-                <a16:creationId xmlns:a16="http://schemas.microsoft.com/office/drawing/2014/main" id="{3C269429-5C5D-07C6-536B-0F5C8E1440BB}"/>
+                <a16:creationId xmlns:a16="http://schemas.microsoft.com/office/drawing/2014/main" xmlns="" id="{3C269429-5C5D-07C6-536B-0F5C8E1440BB}"/>
               </a:ext>
             </a:extLst>
           </p:cNvPr>
@@ -14057,7 +14245,7 @@
             <a:blip r:embed="rId2">
               <a:extLst>
                 <a:ext uri="{96DAC541-7B7A-43D3-8B79-37D633B846F1}">
-                  <asvg:svgBlip xmlns:asvg="http://schemas.microsoft.com/office/drawing/2016/SVG/main" r:embed="rId3"/>
+                  <asvg:svgBlip xmlns:asvg="http://schemas.microsoft.com/office/drawing/2016/SVG/main" xmlns="" r:embed="rId3"/>
                 </a:ext>
               </a:extLst>
             </a:blip>
@@ -14072,7 +14260,7 @@
           <p:cNvPr id="6" name="Freeform 6">
             <a:extLst>
               <a:ext uri="{FF2B5EF4-FFF2-40B4-BE49-F238E27FC236}">
-                <a16:creationId xmlns:a16="http://schemas.microsoft.com/office/drawing/2014/main" id="{3896A161-4745-0BAB-C924-94B8BA90D83F}"/>
+                <a16:creationId xmlns:a16="http://schemas.microsoft.com/office/drawing/2014/main" xmlns="" id="{3896A161-4745-0BAB-C924-94B8BA90D83F}"/>
               </a:ext>
             </a:extLst>
           </p:cNvPr>
@@ -14115,7 +14303,7 @@
             <a:blip r:embed="rId8">
               <a:extLst>
                 <a:ext uri="{96DAC541-7B7A-43D3-8B79-37D633B846F1}">
-                  <asvg:svgBlip xmlns:asvg="http://schemas.microsoft.com/office/drawing/2016/SVG/main" r:embed="rId9"/>
+                  <asvg:svgBlip xmlns:asvg="http://schemas.microsoft.com/office/drawing/2016/SVG/main" xmlns="" r:embed="rId9"/>
                 </a:ext>
               </a:extLst>
             </a:blip>
@@ -14130,7 +14318,7 @@
           <p:cNvPr id="7" name="Freeform 7">
             <a:extLst>
               <a:ext uri="{FF2B5EF4-FFF2-40B4-BE49-F238E27FC236}">
-                <a16:creationId xmlns:a16="http://schemas.microsoft.com/office/drawing/2014/main" id="{E99A5D5D-588C-99AA-8930-80F8517B1470}"/>
+                <a16:creationId xmlns:a16="http://schemas.microsoft.com/office/drawing/2014/main" xmlns="" id="{E99A5D5D-588C-99AA-8930-80F8517B1470}"/>
               </a:ext>
             </a:extLst>
           </p:cNvPr>
@@ -14173,7 +14361,7 @@
             <a:blip r:embed="rId10">
               <a:extLst>
                 <a:ext uri="{96DAC541-7B7A-43D3-8B79-37D633B846F1}">
-                  <asvg:svgBlip xmlns:asvg="http://schemas.microsoft.com/office/drawing/2016/SVG/main" r:embed="rId11"/>
+                  <asvg:svgBlip xmlns:asvg="http://schemas.microsoft.com/office/drawing/2016/SVG/main" xmlns="" r:embed="rId11"/>
                 </a:ext>
               </a:extLst>
             </a:blip>
@@ -14188,7 +14376,7 @@
           <p:cNvPr id="15" name="object 14">
             <a:extLst>
               <a:ext uri="{FF2B5EF4-FFF2-40B4-BE49-F238E27FC236}">
-                <a16:creationId xmlns:a16="http://schemas.microsoft.com/office/drawing/2014/main" id="{C7C7D1F1-E451-ED35-BF15-0CA1E549A755}"/>
+                <a16:creationId xmlns:a16="http://schemas.microsoft.com/office/drawing/2014/main" xmlns="" id="{C7C7D1F1-E451-ED35-BF15-0CA1E549A755}"/>
               </a:ext>
             </a:extLst>
           </p:cNvPr>
@@ -14335,7 +14523,7 @@
           <p:cNvPr id="17" name="Picture 16">
             <a:extLst>
               <a:ext uri="{FF2B5EF4-FFF2-40B4-BE49-F238E27FC236}">
-                <a16:creationId xmlns:a16="http://schemas.microsoft.com/office/drawing/2014/main" id="{A7F16575-0AD6-C827-E214-F1E3B4898254}"/>
+                <a16:creationId xmlns:a16="http://schemas.microsoft.com/office/drawing/2014/main" xmlns="" id="{A7F16575-0AD6-C827-E214-F1E3B4898254}"/>
               </a:ext>
             </a:extLst>
           </p:cNvPr>
@@ -14345,7 +14533,7 @@
           <p:nvPr/>
         </p:nvPicPr>
         <p:blipFill>
-          <a:blip r:embed="rId12"/>
+          <a:blip r:embed="rId12" cstate="print"/>
           <a:stretch>
             <a:fillRect/>
           </a:stretch>
@@ -14365,7 +14553,7 @@
           <p:cNvPr id="14" name="TextBox 13">
             <a:extLst>
               <a:ext uri="{FF2B5EF4-FFF2-40B4-BE49-F238E27FC236}">
-                <a16:creationId xmlns:a16="http://schemas.microsoft.com/office/drawing/2014/main" id="{5B5929F1-C184-4EAE-9D3B-34143EB18575}"/>
+                <a16:creationId xmlns:a16="http://schemas.microsoft.com/office/drawing/2014/main" xmlns="" id="{5B5929F1-C184-4EAE-9D3B-34143EB18575}"/>
               </a:ext>
             </a:extLst>
           </p:cNvPr>
@@ -14526,7 +14714,7 @@
           <p:cNvPr id="16" name="Table 15">
             <a:extLst>
               <a:ext uri="{FF2B5EF4-FFF2-40B4-BE49-F238E27FC236}">
-                <a16:creationId xmlns:a16="http://schemas.microsoft.com/office/drawing/2014/main" id="{BA0C0CA4-C0E7-82BA-7ECB-273BD1F23B63}"/>
+                <a16:creationId xmlns:a16="http://schemas.microsoft.com/office/drawing/2014/main" xmlns="" id="{BA0C0CA4-C0E7-82BA-7ECB-273BD1F23B63}"/>
               </a:ext>
             </a:extLst>
           </p:cNvPr>
@@ -14536,7 +14724,7 @@
           <p:nvPr>
             <p:extLst>
               <p:ext uri="{D42A27DB-BD31-4B8C-83A1-F6EECF244321}">
-                <p14:modId xmlns:p14="http://schemas.microsoft.com/office/powerpoint/2010/main" val="4031106368"/>
+                <p14:modId xmlns:p14="http://schemas.microsoft.com/office/powerpoint/2010/main" xmlns="" val="4031106368"/>
               </p:ext>
             </p:extLst>
           </p:nvPr>
@@ -14555,7 +14743,7 @@
                 <a:gridCol w="7751618">
                   <a:extLst>
                     <a:ext uri="{9D8B030D-6E8A-4147-A177-3AD203B41FA5}">
-                      <a16:colId xmlns:a16="http://schemas.microsoft.com/office/drawing/2014/main" val="1496981716"/>
+                      <a16:colId xmlns:a16="http://schemas.microsoft.com/office/drawing/2014/main" xmlns="" val="1496981716"/>
                     </a:ext>
                   </a:extLst>
                 </a:gridCol>
@@ -14604,7 +14792,7 @@
                 </a:tc>
                 <a:extLst>
                   <a:ext uri="{0D108BD9-81ED-4DB2-BD59-A6C34878D82A}">
-                    <a16:rowId xmlns:a16="http://schemas.microsoft.com/office/drawing/2014/main" val="3161414862"/>
+                    <a16:rowId xmlns:a16="http://schemas.microsoft.com/office/drawing/2014/main" xmlns="" val="3161414862"/>
                   </a:ext>
                 </a:extLst>
               </a:tr>
@@ -14617,7 +14805,7 @@
           <p:cNvPr id="25" name="Table 24">
             <a:extLst>
               <a:ext uri="{FF2B5EF4-FFF2-40B4-BE49-F238E27FC236}">
-                <a16:creationId xmlns:a16="http://schemas.microsoft.com/office/drawing/2014/main" id="{18CEF155-6ADD-CAB8-35AD-6191F70B7C54}"/>
+                <a16:creationId xmlns:a16="http://schemas.microsoft.com/office/drawing/2014/main" xmlns="" id="{18CEF155-6ADD-CAB8-35AD-6191F70B7C54}"/>
               </a:ext>
             </a:extLst>
           </p:cNvPr>
@@ -14627,14 +14815,14 @@
           <p:nvPr>
             <p:extLst>
               <p:ext uri="{D42A27DB-BD31-4B8C-83A1-F6EECF244321}">
-                <p14:modId xmlns:p14="http://schemas.microsoft.com/office/powerpoint/2010/main" val="1083041219"/>
+                <p14:modId xmlns:p14="http://schemas.microsoft.com/office/powerpoint/2010/main" xmlns="" val="1083041219"/>
               </p:ext>
             </p:extLst>
           </p:nvPr>
         </p:nvGraphicFramePr>
         <p:xfrm>
           <a:off x="1276637" y="3228768"/>
-          <a:ext cx="7026877" cy="3774338"/>
+          <a:ext cx="7026877" cy="4091940"/>
         </p:xfrm>
         <a:graphic>
           <a:graphicData uri="http://schemas.openxmlformats.org/drawingml/2006/table">
@@ -14646,14 +14834,14 @@
                 <a:gridCol w="5426677">
                   <a:extLst>
                     <a:ext uri="{9D8B030D-6E8A-4147-A177-3AD203B41FA5}">
-                      <a16:colId xmlns:a16="http://schemas.microsoft.com/office/drawing/2014/main" val="1386067328"/>
+                      <a16:colId xmlns:a16="http://schemas.microsoft.com/office/drawing/2014/main" xmlns="" val="1386067328"/>
                     </a:ext>
                   </a:extLst>
                 </a:gridCol>
                 <a:gridCol w="1600200">
                   <a:extLst>
                     <a:ext uri="{9D8B030D-6E8A-4147-A177-3AD203B41FA5}">
-                      <a16:colId xmlns:a16="http://schemas.microsoft.com/office/drawing/2014/main" val="267702335"/>
+                      <a16:colId xmlns:a16="http://schemas.microsoft.com/office/drawing/2014/main" xmlns="" val="267702335"/>
                     </a:ext>
                   </a:extLst>
                 </a:gridCol>
@@ -14745,7 +14933,7 @@
                 </a:tc>
                 <a:extLst>
                   <a:ext uri="{0D108BD9-81ED-4DB2-BD59-A6C34878D82A}">
-                    <a16:rowId xmlns:a16="http://schemas.microsoft.com/office/drawing/2014/main" val="499829134"/>
+                    <a16:rowId xmlns:a16="http://schemas.microsoft.com/office/drawing/2014/main" xmlns="" val="499829134"/>
                   </a:ext>
                 </a:extLst>
               </a:tr>
@@ -14836,7 +15024,7 @@
                 </a:tc>
                 <a:extLst>
                   <a:ext uri="{0D108BD9-81ED-4DB2-BD59-A6C34878D82A}">
-                    <a16:rowId xmlns:a16="http://schemas.microsoft.com/office/drawing/2014/main" val="4288557099"/>
+                    <a16:rowId xmlns:a16="http://schemas.microsoft.com/office/drawing/2014/main" xmlns="" val="4288557099"/>
                   </a:ext>
                 </a:extLst>
               </a:tr>
@@ -14927,7 +15115,7 @@
                 </a:tc>
                 <a:extLst>
                   <a:ext uri="{0D108BD9-81ED-4DB2-BD59-A6C34878D82A}">
-                    <a16:rowId xmlns:a16="http://schemas.microsoft.com/office/drawing/2014/main" val="2894937839"/>
+                    <a16:rowId xmlns:a16="http://schemas.microsoft.com/office/drawing/2014/main" xmlns="" val="2894937839"/>
                   </a:ext>
                 </a:extLst>
               </a:tr>
@@ -15018,7 +15206,7 @@
                 </a:tc>
                 <a:extLst>
                   <a:ext uri="{0D108BD9-81ED-4DB2-BD59-A6C34878D82A}">
-                    <a16:rowId xmlns:a16="http://schemas.microsoft.com/office/drawing/2014/main" val="1726636013"/>
+                    <a16:rowId xmlns:a16="http://schemas.microsoft.com/office/drawing/2014/main" xmlns="" val="1726636013"/>
                   </a:ext>
                 </a:extLst>
               </a:tr>
@@ -15109,7 +15297,7 @@
                 </a:tc>
                 <a:extLst>
                   <a:ext uri="{0D108BD9-81ED-4DB2-BD59-A6C34878D82A}">
-                    <a16:rowId xmlns:a16="http://schemas.microsoft.com/office/drawing/2014/main" val="3173629014"/>
+                    <a16:rowId xmlns:a16="http://schemas.microsoft.com/office/drawing/2014/main" xmlns="" val="3173629014"/>
                   </a:ext>
                 </a:extLst>
               </a:tr>
@@ -15200,7 +15388,7 @@
                 </a:tc>
                 <a:extLst>
                   <a:ext uri="{0D108BD9-81ED-4DB2-BD59-A6C34878D82A}">
-                    <a16:rowId xmlns:a16="http://schemas.microsoft.com/office/drawing/2014/main" val="3443208239"/>
+                    <a16:rowId xmlns:a16="http://schemas.microsoft.com/office/drawing/2014/main" xmlns="" val="3443208239"/>
                   </a:ext>
                 </a:extLst>
               </a:tr>
@@ -15213,7 +15401,7 @@
           <p:cNvPr id="26" name="Table 25">
             <a:extLst>
               <a:ext uri="{FF2B5EF4-FFF2-40B4-BE49-F238E27FC236}">
-                <a16:creationId xmlns:a16="http://schemas.microsoft.com/office/drawing/2014/main" id="{EA4A7298-CDD2-DC6C-B917-EA7FA1D74C58}"/>
+                <a16:creationId xmlns:a16="http://schemas.microsoft.com/office/drawing/2014/main" xmlns="" id="{EA4A7298-CDD2-DC6C-B917-EA7FA1D74C58}"/>
               </a:ext>
             </a:extLst>
           </p:cNvPr>
@@ -15223,14 +15411,14 @@
           <p:nvPr>
             <p:extLst>
               <p:ext uri="{D42A27DB-BD31-4B8C-83A1-F6EECF244321}">
-                <p14:modId xmlns:p14="http://schemas.microsoft.com/office/powerpoint/2010/main" val="686647425"/>
+                <p14:modId xmlns:p14="http://schemas.microsoft.com/office/powerpoint/2010/main" xmlns="" val="686647425"/>
               </p:ext>
             </p:extLst>
           </p:nvPr>
         </p:nvGraphicFramePr>
         <p:xfrm>
           <a:off x="9262063" y="3228768"/>
-          <a:ext cx="7026877" cy="3774338"/>
+          <a:ext cx="7026877" cy="4091940"/>
         </p:xfrm>
         <a:graphic>
           <a:graphicData uri="http://schemas.openxmlformats.org/drawingml/2006/table">
@@ -15242,14 +15430,14 @@
                 <a:gridCol w="5426677">
                   <a:extLst>
                     <a:ext uri="{9D8B030D-6E8A-4147-A177-3AD203B41FA5}">
-                      <a16:colId xmlns:a16="http://schemas.microsoft.com/office/drawing/2014/main" val="1386067328"/>
+                      <a16:colId xmlns:a16="http://schemas.microsoft.com/office/drawing/2014/main" xmlns="" val="1386067328"/>
                     </a:ext>
                   </a:extLst>
                 </a:gridCol>
                 <a:gridCol w="1600200">
                   <a:extLst>
                     <a:ext uri="{9D8B030D-6E8A-4147-A177-3AD203B41FA5}">
-                      <a16:colId xmlns:a16="http://schemas.microsoft.com/office/drawing/2014/main" val="267702335"/>
+                      <a16:colId xmlns:a16="http://schemas.microsoft.com/office/drawing/2014/main" xmlns="" val="267702335"/>
                     </a:ext>
                   </a:extLst>
                 </a:gridCol>
@@ -15341,7 +15529,7 @@
                 </a:tc>
                 <a:extLst>
                   <a:ext uri="{0D108BD9-81ED-4DB2-BD59-A6C34878D82A}">
-                    <a16:rowId xmlns:a16="http://schemas.microsoft.com/office/drawing/2014/main" val="499829134"/>
+                    <a16:rowId xmlns:a16="http://schemas.microsoft.com/office/drawing/2014/main" xmlns="" val="499829134"/>
                   </a:ext>
                 </a:extLst>
               </a:tr>
@@ -15432,7 +15620,7 @@
                 </a:tc>
                 <a:extLst>
                   <a:ext uri="{0D108BD9-81ED-4DB2-BD59-A6C34878D82A}">
-                    <a16:rowId xmlns:a16="http://schemas.microsoft.com/office/drawing/2014/main" val="4288557099"/>
+                    <a16:rowId xmlns:a16="http://schemas.microsoft.com/office/drawing/2014/main" xmlns="" val="4288557099"/>
                   </a:ext>
                 </a:extLst>
               </a:tr>
@@ -15523,7 +15711,7 @@
                 </a:tc>
                 <a:extLst>
                   <a:ext uri="{0D108BD9-81ED-4DB2-BD59-A6C34878D82A}">
-                    <a16:rowId xmlns:a16="http://schemas.microsoft.com/office/drawing/2014/main" val="2894937839"/>
+                    <a16:rowId xmlns:a16="http://schemas.microsoft.com/office/drawing/2014/main" xmlns="" val="2894937839"/>
                   </a:ext>
                 </a:extLst>
               </a:tr>
@@ -15614,7 +15802,7 @@
                 </a:tc>
                 <a:extLst>
                   <a:ext uri="{0D108BD9-81ED-4DB2-BD59-A6C34878D82A}">
-                    <a16:rowId xmlns:a16="http://schemas.microsoft.com/office/drawing/2014/main" val="1726636013"/>
+                    <a16:rowId xmlns:a16="http://schemas.microsoft.com/office/drawing/2014/main" xmlns="" val="1726636013"/>
                   </a:ext>
                 </a:extLst>
               </a:tr>
@@ -15705,7 +15893,7 @@
                 </a:tc>
                 <a:extLst>
                   <a:ext uri="{0D108BD9-81ED-4DB2-BD59-A6C34878D82A}">
-                    <a16:rowId xmlns:a16="http://schemas.microsoft.com/office/drawing/2014/main" val="3173629014"/>
+                    <a16:rowId xmlns:a16="http://schemas.microsoft.com/office/drawing/2014/main" xmlns="" val="3173629014"/>
                   </a:ext>
                 </a:extLst>
               </a:tr>
@@ -15796,7 +15984,7 @@
                 </a:tc>
                 <a:extLst>
                   <a:ext uri="{0D108BD9-81ED-4DB2-BD59-A6C34878D82A}">
-                    <a16:rowId xmlns:a16="http://schemas.microsoft.com/office/drawing/2014/main" val="3443208239"/>
+                    <a16:rowId xmlns:a16="http://schemas.microsoft.com/office/drawing/2014/main" xmlns="" val="3443208239"/>
                   </a:ext>
                 </a:extLst>
               </a:tr>
@@ -15809,7 +15997,7 @@
           <p:cNvPr id="27" name="Date Placeholder 17">
             <a:extLst>
               <a:ext uri="{FF2B5EF4-FFF2-40B4-BE49-F238E27FC236}">
-                <a16:creationId xmlns:a16="http://schemas.microsoft.com/office/drawing/2014/main" id="{C902B2F3-F944-ACAE-A44D-2FAFEE3A7E24}"/>
+                <a16:creationId xmlns:a16="http://schemas.microsoft.com/office/drawing/2014/main" xmlns="" id="{C902B2F3-F944-ACAE-A44D-2FAFEE3A7E24}"/>
               </a:ext>
             </a:extLst>
           </p:cNvPr>
@@ -15838,7 +16026,8 @@
                 <a:latin typeface="Times New Roman" panose="02020603050405020304" pitchFamily="18" charset="0"/>
                 <a:cs typeface="Times New Roman" panose="02020603050405020304" pitchFamily="18" charset="0"/>
               </a:rPr>
-              <a:t>Friday, December 26, 2025</a:t>
+              <a:pPr/>
+              <a:t>Sunday, December 28, 2025</a:t>
             </a:fld>
             <a:endParaRPr lang="en-US" b="1" dirty="0">
               <a:solidFill>
@@ -15853,13 +16042,20 @@
     </p:spTree>
     <p:extLst>
       <p:ext uri="{BB962C8B-B14F-4D97-AF65-F5344CB8AC3E}">
-        <p14:creationId xmlns:p14="http://schemas.microsoft.com/office/powerpoint/2010/main" val="3172121355"/>
+        <p14:creationId xmlns:p14="http://schemas.microsoft.com/office/powerpoint/2010/main" xmlns="" val="3172121355"/>
       </p:ext>
     </p:extLst>
   </p:cSld>
   <p:clrMapOvr>
     <a:masterClrMapping/>
   </p:clrMapOvr>
+  <p:timing>
+    <p:tnLst>
+      <p:par>
+        <p:cTn id="1" dur="indefinite" restart="never" nodeType="tmRoot"/>
+      </p:par>
+    </p:tnLst>
+  </p:timing>
 </p:sld>
 </file>
 
@@ -15879,7 +16075,7 @@
         <p:cNvPr id="1" name="">
           <a:extLst>
             <a:ext uri="{FF2B5EF4-FFF2-40B4-BE49-F238E27FC236}">
-              <a16:creationId xmlns:a16="http://schemas.microsoft.com/office/drawing/2014/main" id="{7822BB80-783A-0BA4-D8D3-C494B933D183}"/>
+              <a16:creationId xmlns:a16="http://schemas.microsoft.com/office/drawing/2014/main" xmlns="" id="{7822BB80-783A-0BA4-D8D3-C494B933D183}"/>
             </a:ext>
           </a:extLst>
         </p:cNvPr>
@@ -15899,7 +16095,7 @@
           <p:cNvPr id="2" name="Freeform 2">
             <a:extLst>
               <a:ext uri="{FF2B5EF4-FFF2-40B4-BE49-F238E27FC236}">
-                <a16:creationId xmlns:a16="http://schemas.microsoft.com/office/drawing/2014/main" id="{0DDC7177-5BCB-15A2-AB77-15F4182F2EBB}"/>
+                <a16:creationId xmlns:a16="http://schemas.microsoft.com/office/drawing/2014/main" xmlns="" id="{0DDC7177-5BCB-15A2-AB77-15F4182F2EBB}"/>
               </a:ext>
             </a:extLst>
           </p:cNvPr>
@@ -15942,7 +16138,7 @@
             <a:blip r:embed="rId2">
               <a:extLst>
                 <a:ext uri="{96DAC541-7B7A-43D3-8B79-37D633B846F1}">
-                  <asvg:svgBlip xmlns:asvg="http://schemas.microsoft.com/office/drawing/2016/SVG/main" r:embed="rId3"/>
+                  <asvg:svgBlip xmlns:asvg="http://schemas.microsoft.com/office/drawing/2016/SVG/main" xmlns="" r:embed="rId3"/>
                 </a:ext>
               </a:extLst>
             </a:blip>
@@ -15957,7 +16153,7 @@
           <p:cNvPr id="3" name="Freeform 3">
             <a:extLst>
               <a:ext uri="{FF2B5EF4-FFF2-40B4-BE49-F238E27FC236}">
-                <a16:creationId xmlns:a16="http://schemas.microsoft.com/office/drawing/2014/main" id="{D3A33FBA-CC70-DB7B-A117-AA2C1F0DD3F8}"/>
+                <a16:creationId xmlns:a16="http://schemas.microsoft.com/office/drawing/2014/main" xmlns="" id="{D3A33FBA-CC70-DB7B-A117-AA2C1F0DD3F8}"/>
               </a:ext>
             </a:extLst>
           </p:cNvPr>
@@ -16000,7 +16196,7 @@
             <a:blip r:embed="rId2">
               <a:extLst>
                 <a:ext uri="{96DAC541-7B7A-43D3-8B79-37D633B846F1}">
-                  <asvg:svgBlip xmlns:asvg="http://schemas.microsoft.com/office/drawing/2016/SVG/main" r:embed="rId3"/>
+                  <asvg:svgBlip xmlns:asvg="http://schemas.microsoft.com/office/drawing/2016/SVG/main" xmlns="" r:embed="rId3"/>
                 </a:ext>
               </a:extLst>
             </a:blip>
@@ -16015,7 +16211,7 @@
           <p:cNvPr id="4" name="Freeform 4">
             <a:extLst>
               <a:ext uri="{FF2B5EF4-FFF2-40B4-BE49-F238E27FC236}">
-                <a16:creationId xmlns:a16="http://schemas.microsoft.com/office/drawing/2014/main" id="{87D056E6-839A-0BCA-8892-20DB63912AAE}"/>
+                <a16:creationId xmlns:a16="http://schemas.microsoft.com/office/drawing/2014/main" xmlns="" id="{87D056E6-839A-0BCA-8892-20DB63912AAE}"/>
               </a:ext>
             </a:extLst>
           </p:cNvPr>
@@ -16058,7 +16254,7 @@
             <a:blip r:embed="rId4">
               <a:extLst>
                 <a:ext uri="{96DAC541-7B7A-43D3-8B79-37D633B846F1}">
-                  <asvg:svgBlip xmlns:asvg="http://schemas.microsoft.com/office/drawing/2016/SVG/main" r:embed="rId5"/>
+                  <asvg:svgBlip xmlns:asvg="http://schemas.microsoft.com/office/drawing/2016/SVG/main" xmlns="" r:embed="rId5"/>
                 </a:ext>
               </a:extLst>
             </a:blip>
@@ -16073,7 +16269,7 @@
           <p:cNvPr id="5" name="Freeform 5">
             <a:extLst>
               <a:ext uri="{FF2B5EF4-FFF2-40B4-BE49-F238E27FC236}">
-                <a16:creationId xmlns:a16="http://schemas.microsoft.com/office/drawing/2014/main" id="{A8ED383E-24FA-7120-59DE-57CB635C8AD2}"/>
+                <a16:creationId xmlns:a16="http://schemas.microsoft.com/office/drawing/2014/main" xmlns="" id="{A8ED383E-24FA-7120-59DE-57CB635C8AD2}"/>
               </a:ext>
             </a:extLst>
           </p:cNvPr>
@@ -16116,7 +16312,7 @@
             <a:blip r:embed="rId6">
               <a:extLst>
                 <a:ext uri="{96DAC541-7B7A-43D3-8B79-37D633B846F1}">
-                  <asvg:svgBlip xmlns:asvg="http://schemas.microsoft.com/office/drawing/2016/SVG/main" r:embed="rId7"/>
+                  <asvg:svgBlip xmlns:asvg="http://schemas.microsoft.com/office/drawing/2016/SVG/main" xmlns="" r:embed="rId7"/>
                 </a:ext>
               </a:extLst>
             </a:blip>
@@ -16131,7 +16327,7 @@
           <p:cNvPr id="6" name="TextBox 6">
             <a:extLst>
               <a:ext uri="{FF2B5EF4-FFF2-40B4-BE49-F238E27FC236}">
-                <a16:creationId xmlns:a16="http://schemas.microsoft.com/office/drawing/2014/main" id="{EFF09AD2-7A58-D5CB-4B7F-9019F1C12CE1}"/>
+                <a16:creationId xmlns:a16="http://schemas.microsoft.com/office/drawing/2014/main" xmlns="" id="{EFF09AD2-7A58-D5CB-4B7F-9019F1C12CE1}"/>
               </a:ext>
             </a:extLst>
           </p:cNvPr>
@@ -16178,7 +16374,7 @@
           <p:cNvPr id="11" name="Freeform 11">
             <a:extLst>
               <a:ext uri="{FF2B5EF4-FFF2-40B4-BE49-F238E27FC236}">
-                <a16:creationId xmlns:a16="http://schemas.microsoft.com/office/drawing/2014/main" id="{940B851A-AE55-DBD2-D5C7-DEA55F57D21E}"/>
+                <a16:creationId xmlns:a16="http://schemas.microsoft.com/office/drawing/2014/main" xmlns="" id="{940B851A-AE55-DBD2-D5C7-DEA55F57D21E}"/>
               </a:ext>
             </a:extLst>
           </p:cNvPr>
@@ -16221,7 +16417,7 @@
             <a:blip r:embed="rId8">
               <a:extLst>
                 <a:ext uri="{96DAC541-7B7A-43D3-8B79-37D633B846F1}">
-                  <asvg:svgBlip xmlns:asvg="http://schemas.microsoft.com/office/drawing/2016/SVG/main" r:embed="rId9"/>
+                  <asvg:svgBlip xmlns:asvg="http://schemas.microsoft.com/office/drawing/2016/SVG/main" xmlns="" r:embed="rId9"/>
                 </a:ext>
               </a:extLst>
             </a:blip>
@@ -16236,7 +16432,7 @@
           <p:cNvPr id="8" name="TextBox 7">
             <a:extLst>
               <a:ext uri="{FF2B5EF4-FFF2-40B4-BE49-F238E27FC236}">
-                <a16:creationId xmlns:a16="http://schemas.microsoft.com/office/drawing/2014/main" id="{53CB8489-6621-0EAE-3973-415DD45566F7}"/>
+                <a16:creationId xmlns:a16="http://schemas.microsoft.com/office/drawing/2014/main" xmlns="" id="{53CB8489-6621-0EAE-3973-415DD45566F7}"/>
               </a:ext>
             </a:extLst>
           </p:cNvPr>
@@ -16280,7 +16476,7 @@
           <p:cNvPr id="10" name="Plaque 9">
             <a:extLst>
               <a:ext uri="{FF2B5EF4-FFF2-40B4-BE49-F238E27FC236}">
-                <a16:creationId xmlns:a16="http://schemas.microsoft.com/office/drawing/2014/main" id="{E12FCF8D-C3B6-0778-86DE-A32F542F4C05}"/>
+                <a16:creationId xmlns:a16="http://schemas.microsoft.com/office/drawing/2014/main" xmlns="" id="{E12FCF8D-C3B6-0778-86DE-A32F542F4C05}"/>
               </a:ext>
             </a:extLst>
           </p:cNvPr>
@@ -16333,7 +16529,7 @@
           <p:cNvPr id="12" name="object 14">
             <a:extLst>
               <a:ext uri="{FF2B5EF4-FFF2-40B4-BE49-F238E27FC236}">
-                <a16:creationId xmlns:a16="http://schemas.microsoft.com/office/drawing/2014/main" id="{C41EEAA1-66E5-4C7E-4FC6-CCCB0459EBE4}"/>
+                <a16:creationId xmlns:a16="http://schemas.microsoft.com/office/drawing/2014/main" xmlns="" id="{C41EEAA1-66E5-4C7E-4FC6-CCCB0459EBE4}"/>
               </a:ext>
             </a:extLst>
           </p:cNvPr>
@@ -16480,7 +16676,7 @@
           <p:cNvPr id="13" name="Picture 12">
             <a:extLst>
               <a:ext uri="{FF2B5EF4-FFF2-40B4-BE49-F238E27FC236}">
-                <a16:creationId xmlns:a16="http://schemas.microsoft.com/office/drawing/2014/main" id="{0684E566-CE5F-363A-F723-81C33EA52C88}"/>
+                <a16:creationId xmlns:a16="http://schemas.microsoft.com/office/drawing/2014/main" xmlns="" id="{0684E566-CE5F-363A-F723-81C33EA52C88}"/>
               </a:ext>
             </a:extLst>
           </p:cNvPr>
@@ -16490,7 +16686,7 @@
           <p:nvPr/>
         </p:nvPicPr>
         <p:blipFill>
-          <a:blip r:embed="rId10"/>
+          <a:blip r:embed="rId10" cstate="print"/>
           <a:stretch>
             <a:fillRect/>
           </a:stretch>
@@ -16510,7 +16706,7 @@
           <p:cNvPr id="14" name="Date Placeholder 17">
             <a:extLst>
               <a:ext uri="{FF2B5EF4-FFF2-40B4-BE49-F238E27FC236}">
-                <a16:creationId xmlns:a16="http://schemas.microsoft.com/office/drawing/2014/main" id="{7DC71436-EAF3-D87D-1FC9-91DB98E77DF5}"/>
+                <a16:creationId xmlns:a16="http://schemas.microsoft.com/office/drawing/2014/main" xmlns="" id="{7DC71436-EAF3-D87D-1FC9-91DB98E77DF5}"/>
               </a:ext>
             </a:extLst>
           </p:cNvPr>
@@ -16539,7 +16735,8 @@
                 <a:latin typeface="Times New Roman" panose="02020603050405020304" pitchFamily="18" charset="0"/>
                 <a:cs typeface="Times New Roman" panose="02020603050405020304" pitchFamily="18" charset="0"/>
               </a:rPr>
-              <a:t>Friday, December 26, 2025</a:t>
+              <a:pPr/>
+              <a:t>Sunday, December 28, 2025</a:t>
             </a:fld>
             <a:endParaRPr lang="en-US" b="1" dirty="0">
               <a:solidFill>
@@ -16554,13 +16751,20 @@
     </p:spTree>
     <p:extLst>
       <p:ext uri="{BB962C8B-B14F-4D97-AF65-F5344CB8AC3E}">
-        <p14:creationId xmlns:p14="http://schemas.microsoft.com/office/powerpoint/2010/main" val="210456942"/>
+        <p14:creationId xmlns:p14="http://schemas.microsoft.com/office/powerpoint/2010/main" xmlns="" val="210456942"/>
       </p:ext>
     </p:extLst>
   </p:cSld>
   <p:clrMapOvr>
     <a:masterClrMapping/>
   </p:clrMapOvr>
+  <p:timing>
+    <p:tnLst>
+      <p:par>
+        <p:cTn id="1" dur="indefinite" restart="never" nodeType="tmRoot"/>
+      </p:par>
+    </p:tnLst>
+  </p:timing>
 </p:sld>
 </file>
 
@@ -16631,7 +16835,7 @@
             <a:blip r:embed="rId2">
               <a:extLst>
                 <a:ext uri="{96DAC541-7B7A-43D3-8B79-37D633B846F1}">
-                  <asvg:svgBlip xmlns:asvg="http://schemas.microsoft.com/office/drawing/2016/SVG/main" r:embed="rId3"/>
+                  <asvg:svgBlip xmlns:asvg="http://schemas.microsoft.com/office/drawing/2016/SVG/main" xmlns="" r:embed="rId3"/>
                 </a:ext>
               </a:extLst>
             </a:blip>
@@ -16683,7 +16887,7 @@
             <a:blip r:embed="rId4">
               <a:extLst>
                 <a:ext uri="{96DAC541-7B7A-43D3-8B79-37D633B846F1}">
-                  <asvg:svgBlip xmlns:asvg="http://schemas.microsoft.com/office/drawing/2016/SVG/main" r:embed="rId5"/>
+                  <asvg:svgBlip xmlns:asvg="http://schemas.microsoft.com/office/drawing/2016/SVG/main" xmlns="" r:embed="rId5"/>
                 </a:ext>
               </a:extLst>
             </a:blip>
@@ -16735,7 +16939,7 @@
             <a:blip r:embed="rId6">
               <a:extLst>
                 <a:ext uri="{96DAC541-7B7A-43D3-8B79-37D633B846F1}">
-                  <asvg:svgBlip xmlns:asvg="http://schemas.microsoft.com/office/drawing/2016/SVG/main" r:embed="rId7"/>
+                  <asvg:svgBlip xmlns:asvg="http://schemas.microsoft.com/office/drawing/2016/SVG/main" xmlns="" r:embed="rId7"/>
                 </a:ext>
               </a:extLst>
             </a:blip>
@@ -16787,7 +16991,7 @@
             <a:blip r:embed="rId2">
               <a:extLst>
                 <a:ext uri="{96DAC541-7B7A-43D3-8B79-37D633B846F1}">
-                  <asvg:svgBlip xmlns:asvg="http://schemas.microsoft.com/office/drawing/2016/SVG/main" r:embed="rId3"/>
+                  <asvg:svgBlip xmlns:asvg="http://schemas.microsoft.com/office/drawing/2016/SVG/main" xmlns="" r:embed="rId3"/>
                 </a:ext>
               </a:extLst>
             </a:blip>
@@ -16839,7 +17043,7 @@
             <a:blip r:embed="rId8">
               <a:extLst>
                 <a:ext uri="{96DAC541-7B7A-43D3-8B79-37D633B846F1}">
-                  <asvg:svgBlip xmlns:asvg="http://schemas.microsoft.com/office/drawing/2016/SVG/main" r:embed="rId9"/>
+                  <asvg:svgBlip xmlns:asvg="http://schemas.microsoft.com/office/drawing/2016/SVG/main" xmlns="" r:embed="rId9"/>
                 </a:ext>
               </a:extLst>
             </a:blip>
@@ -16932,7 +17136,7 @@
             <a:blip r:embed="rId10">
               <a:extLst>
                 <a:ext uri="{96DAC541-7B7A-43D3-8B79-37D633B846F1}">
-                  <asvg:svgBlip xmlns:asvg="http://schemas.microsoft.com/office/drawing/2016/SVG/main" r:embed="rId11"/>
+                  <asvg:svgBlip xmlns:asvg="http://schemas.microsoft.com/office/drawing/2016/SVG/main" xmlns="" r:embed="rId11"/>
                 </a:ext>
               </a:extLst>
             </a:blip>
@@ -16947,6 +17151,13 @@
   <p:clrMapOvr>
     <a:masterClrMapping/>
   </p:clrMapOvr>
+  <p:timing>
+    <p:tnLst>
+      <p:par>
+        <p:cTn id="1" dur="indefinite" restart="never" nodeType="tmRoot"/>
+      </p:par>
+    </p:tnLst>
+  </p:timing>
 </p:sld>
 </file>
 
@@ -17017,7 +17228,7 @@
             <a:blip r:embed="rId2">
               <a:extLst>
                 <a:ext uri="{96DAC541-7B7A-43D3-8B79-37D633B846F1}">
-                  <asvg:svgBlip xmlns:asvg="http://schemas.microsoft.com/office/drawing/2016/SVG/main" r:embed="rId3"/>
+                  <asvg:svgBlip xmlns:asvg="http://schemas.microsoft.com/office/drawing/2016/SVG/main" xmlns="" r:embed="rId3"/>
                 </a:ext>
               </a:extLst>
             </a:blip>
@@ -17069,7 +17280,7 @@
             <a:blip r:embed="rId4">
               <a:extLst>
                 <a:ext uri="{96DAC541-7B7A-43D3-8B79-37D633B846F1}">
-                  <asvg:svgBlip xmlns:asvg="http://schemas.microsoft.com/office/drawing/2016/SVG/main" r:embed="rId5"/>
+                  <asvg:svgBlip xmlns:asvg="http://schemas.microsoft.com/office/drawing/2016/SVG/main" xmlns="" r:embed="rId5"/>
                 </a:ext>
               </a:extLst>
             </a:blip>
@@ -17121,7 +17332,7 @@
             <a:blip r:embed="rId6">
               <a:extLst>
                 <a:ext uri="{96DAC541-7B7A-43D3-8B79-37D633B846F1}">
-                  <asvg:svgBlip xmlns:asvg="http://schemas.microsoft.com/office/drawing/2016/SVG/main" r:embed="rId7"/>
+                  <asvg:svgBlip xmlns:asvg="http://schemas.microsoft.com/office/drawing/2016/SVG/main" xmlns="" r:embed="rId7"/>
                 </a:ext>
               </a:extLst>
             </a:blip>
@@ -17173,7 +17384,7 @@
             <a:blip r:embed="rId2">
               <a:extLst>
                 <a:ext uri="{96DAC541-7B7A-43D3-8B79-37D633B846F1}">
-                  <asvg:svgBlip xmlns:asvg="http://schemas.microsoft.com/office/drawing/2016/SVG/main" r:embed="rId3"/>
+                  <asvg:svgBlip xmlns:asvg="http://schemas.microsoft.com/office/drawing/2016/SVG/main" xmlns="" r:embed="rId3"/>
                 </a:ext>
               </a:extLst>
             </a:blip>
@@ -17225,7 +17436,7 @@
             <a:blip r:embed="rId8">
               <a:extLst>
                 <a:ext uri="{96DAC541-7B7A-43D3-8B79-37D633B846F1}">
-                  <asvg:svgBlip xmlns:asvg="http://schemas.microsoft.com/office/drawing/2016/SVG/main" r:embed="rId9"/>
+                  <asvg:svgBlip xmlns:asvg="http://schemas.microsoft.com/office/drawing/2016/SVG/main" xmlns="" r:embed="rId9"/>
                 </a:ext>
               </a:extLst>
             </a:blip>
@@ -17277,7 +17488,7 @@
             <a:blip r:embed="rId10">
               <a:extLst>
                 <a:ext uri="{96DAC541-7B7A-43D3-8B79-37D633B846F1}">
-                  <asvg:svgBlip xmlns:asvg="http://schemas.microsoft.com/office/drawing/2016/SVG/main" r:embed="rId11"/>
+                  <asvg:svgBlip xmlns:asvg="http://schemas.microsoft.com/office/drawing/2016/SVG/main" xmlns="" r:embed="rId11"/>
                 </a:ext>
               </a:extLst>
             </a:blip>
@@ -17292,7 +17503,7 @@
           <p:cNvPr id="11" name="object 7">
             <a:extLst>
               <a:ext uri="{FF2B5EF4-FFF2-40B4-BE49-F238E27FC236}">
-                <a16:creationId xmlns:a16="http://schemas.microsoft.com/office/drawing/2014/main" id="{9E91E40D-5942-CEB1-B6E9-BF83055755F8}"/>
+                <a16:creationId xmlns:a16="http://schemas.microsoft.com/office/drawing/2014/main" xmlns="" id="{9E91E40D-5942-CEB1-B6E9-BF83055755F8}"/>
               </a:ext>
             </a:extLst>
           </p:cNvPr>
@@ -17652,7 +17863,7 @@
           <p:cNvPr id="12" name="object 12">
             <a:extLst>
               <a:ext uri="{FF2B5EF4-FFF2-40B4-BE49-F238E27FC236}">
-                <a16:creationId xmlns:a16="http://schemas.microsoft.com/office/drawing/2014/main" id="{148F5034-0FF5-905C-CD62-96018346707E}"/>
+                <a16:creationId xmlns:a16="http://schemas.microsoft.com/office/drawing/2014/main" xmlns="" id="{148F5034-0FF5-905C-CD62-96018346707E}"/>
               </a:ext>
             </a:extLst>
           </p:cNvPr>
@@ -17990,7 +18201,7 @@
           <p:cNvPr id="13" name="TextBox 5">
             <a:extLst>
               <a:ext uri="{FF2B5EF4-FFF2-40B4-BE49-F238E27FC236}">
-                <a16:creationId xmlns:a16="http://schemas.microsoft.com/office/drawing/2014/main" id="{0CB295F6-4197-DD6F-F96E-F2069995CF50}"/>
+                <a16:creationId xmlns:a16="http://schemas.microsoft.com/office/drawing/2014/main" xmlns="" id="{0CB295F6-4197-DD6F-F96E-F2069995CF50}"/>
               </a:ext>
             </a:extLst>
           </p:cNvPr>
@@ -18037,7 +18248,7 @@
           <p:cNvPr id="16" name="Plaque 15">
             <a:extLst>
               <a:ext uri="{FF2B5EF4-FFF2-40B4-BE49-F238E27FC236}">
-                <a16:creationId xmlns:a16="http://schemas.microsoft.com/office/drawing/2014/main" id="{F0700DC3-64F2-6A1E-1B3E-9CA5DA4D5C1B}"/>
+                <a16:creationId xmlns:a16="http://schemas.microsoft.com/office/drawing/2014/main" xmlns="" id="{F0700DC3-64F2-6A1E-1B3E-9CA5DA4D5C1B}"/>
               </a:ext>
             </a:extLst>
           </p:cNvPr>
@@ -18090,7 +18301,7 @@
           <p:cNvPr id="5" name="object 14">
             <a:extLst>
               <a:ext uri="{FF2B5EF4-FFF2-40B4-BE49-F238E27FC236}">
-                <a16:creationId xmlns:a16="http://schemas.microsoft.com/office/drawing/2014/main" id="{D1318D7E-7574-CCBE-6F3F-A26437644A72}"/>
+                <a16:creationId xmlns:a16="http://schemas.microsoft.com/office/drawing/2014/main" xmlns="" id="{D1318D7E-7574-CCBE-6F3F-A26437644A72}"/>
               </a:ext>
             </a:extLst>
           </p:cNvPr>
@@ -18237,7 +18448,7 @@
           <p:cNvPr id="6" name="Picture 5">
             <a:extLst>
               <a:ext uri="{FF2B5EF4-FFF2-40B4-BE49-F238E27FC236}">
-                <a16:creationId xmlns:a16="http://schemas.microsoft.com/office/drawing/2014/main" id="{DDC12E85-1055-6E8B-27A3-F5E0CF5A14F5}"/>
+                <a16:creationId xmlns:a16="http://schemas.microsoft.com/office/drawing/2014/main" xmlns="" id="{DDC12E85-1055-6E8B-27A3-F5E0CF5A14F5}"/>
               </a:ext>
             </a:extLst>
           </p:cNvPr>
@@ -18247,7 +18458,7 @@
           <p:nvPr/>
         </p:nvPicPr>
         <p:blipFill>
-          <a:blip r:embed="rId12"/>
+          <a:blip r:embed="rId12" cstate="print"/>
           <a:stretch>
             <a:fillRect/>
           </a:stretch>
@@ -18267,7 +18478,7 @@
           <p:cNvPr id="10" name="Date Placeholder 17">
             <a:extLst>
               <a:ext uri="{FF2B5EF4-FFF2-40B4-BE49-F238E27FC236}">
-                <a16:creationId xmlns:a16="http://schemas.microsoft.com/office/drawing/2014/main" id="{29A2D64E-2AFD-83A4-908A-C2508CAE4983}"/>
+                <a16:creationId xmlns:a16="http://schemas.microsoft.com/office/drawing/2014/main" xmlns="" id="{29A2D64E-2AFD-83A4-908A-C2508CAE4983}"/>
               </a:ext>
             </a:extLst>
           </p:cNvPr>
@@ -18296,7 +18507,8 @@
                 <a:latin typeface="Times New Roman" panose="02020603050405020304" pitchFamily="18" charset="0"/>
                 <a:cs typeface="Times New Roman" panose="02020603050405020304" pitchFamily="18" charset="0"/>
               </a:rPr>
-              <a:t>Friday, December 26, 2025</a:t>
+              <a:pPr/>
+              <a:t>Sunday, December 28, 2025</a:t>
             </a:fld>
             <a:endParaRPr lang="en-US" b="1" dirty="0">
               <a:solidFill>
@@ -18313,6 +18525,13 @@
   <p:clrMapOvr>
     <a:masterClrMapping/>
   </p:clrMapOvr>
+  <p:timing>
+    <p:tnLst>
+      <p:par>
+        <p:cTn id="1" dur="indefinite" restart="never" nodeType="tmRoot"/>
+      </p:par>
+    </p:tnLst>
+  </p:timing>
 </p:sld>
 </file>
 
@@ -18332,7 +18551,7 @@
         <p:cNvPr id="1" name="">
           <a:extLst>
             <a:ext uri="{FF2B5EF4-FFF2-40B4-BE49-F238E27FC236}">
-              <a16:creationId xmlns:a16="http://schemas.microsoft.com/office/drawing/2014/main" id="{B8D676B4-322F-5918-FA09-EC1FD260D032}"/>
+              <a16:creationId xmlns:a16="http://schemas.microsoft.com/office/drawing/2014/main" xmlns="" id="{B8D676B4-322F-5918-FA09-EC1FD260D032}"/>
             </a:ext>
           </a:extLst>
         </p:cNvPr>
@@ -18352,7 +18571,7 @@
           <p:cNvPr id="2" name="Freeform 2">
             <a:extLst>
               <a:ext uri="{FF2B5EF4-FFF2-40B4-BE49-F238E27FC236}">
-                <a16:creationId xmlns:a16="http://schemas.microsoft.com/office/drawing/2014/main" id="{F24D9AB4-5920-10F7-446B-501B78F72767}"/>
+                <a16:creationId xmlns:a16="http://schemas.microsoft.com/office/drawing/2014/main" xmlns="" id="{F24D9AB4-5920-10F7-446B-501B78F72767}"/>
               </a:ext>
             </a:extLst>
           </p:cNvPr>
@@ -18395,7 +18614,7 @@
             <a:blip r:embed="rId2">
               <a:extLst>
                 <a:ext uri="{96DAC541-7B7A-43D3-8B79-37D633B846F1}">
-                  <asvg:svgBlip xmlns:asvg="http://schemas.microsoft.com/office/drawing/2016/SVG/main" r:embed="rId3"/>
+                  <asvg:svgBlip xmlns:asvg="http://schemas.microsoft.com/office/drawing/2016/SVG/main" xmlns="" r:embed="rId3"/>
                 </a:ext>
               </a:extLst>
             </a:blip>
@@ -18410,7 +18629,7 @@
           <p:cNvPr id="3" name="Freeform 3">
             <a:extLst>
               <a:ext uri="{FF2B5EF4-FFF2-40B4-BE49-F238E27FC236}">
-                <a16:creationId xmlns:a16="http://schemas.microsoft.com/office/drawing/2014/main" id="{24A8E11C-FBBA-B96F-3FD6-EBC015C972A6}"/>
+                <a16:creationId xmlns:a16="http://schemas.microsoft.com/office/drawing/2014/main" xmlns="" id="{24A8E11C-FBBA-B96F-3FD6-EBC015C972A6}"/>
               </a:ext>
             </a:extLst>
           </p:cNvPr>
@@ -18453,7 +18672,7 @@
             <a:blip r:embed="rId4">
               <a:extLst>
                 <a:ext uri="{96DAC541-7B7A-43D3-8B79-37D633B846F1}">
-                  <asvg:svgBlip xmlns:asvg="http://schemas.microsoft.com/office/drawing/2016/SVG/main" r:embed="rId5"/>
+                  <asvg:svgBlip xmlns:asvg="http://schemas.microsoft.com/office/drawing/2016/SVG/main" xmlns="" r:embed="rId5"/>
                 </a:ext>
               </a:extLst>
             </a:blip>
@@ -18468,7 +18687,7 @@
           <p:cNvPr id="4" name="Freeform 4">
             <a:extLst>
               <a:ext uri="{FF2B5EF4-FFF2-40B4-BE49-F238E27FC236}">
-                <a16:creationId xmlns:a16="http://schemas.microsoft.com/office/drawing/2014/main" id="{C634B8F9-8248-6C10-E945-B0E547294B7C}"/>
+                <a16:creationId xmlns:a16="http://schemas.microsoft.com/office/drawing/2014/main" xmlns="" id="{C634B8F9-8248-6C10-E945-B0E547294B7C}"/>
               </a:ext>
             </a:extLst>
           </p:cNvPr>
@@ -18511,7 +18730,7 @@
             <a:blip r:embed="rId6">
               <a:extLst>
                 <a:ext uri="{96DAC541-7B7A-43D3-8B79-37D633B846F1}">
-                  <asvg:svgBlip xmlns:asvg="http://schemas.microsoft.com/office/drawing/2016/SVG/main" r:embed="rId7"/>
+                  <asvg:svgBlip xmlns:asvg="http://schemas.microsoft.com/office/drawing/2016/SVG/main" xmlns="" r:embed="rId7"/>
                 </a:ext>
               </a:extLst>
             </a:blip>
@@ -18526,7 +18745,7 @@
           <p:cNvPr id="5" name="TextBox 5">
             <a:extLst>
               <a:ext uri="{FF2B5EF4-FFF2-40B4-BE49-F238E27FC236}">
-                <a16:creationId xmlns:a16="http://schemas.microsoft.com/office/drawing/2014/main" id="{99DCB2AD-316E-6864-52CC-01B8558B81A6}"/>
+                <a16:creationId xmlns:a16="http://schemas.microsoft.com/office/drawing/2014/main" xmlns="" id="{99DCB2AD-316E-6864-52CC-01B8558B81A6}"/>
               </a:ext>
             </a:extLst>
           </p:cNvPr>
@@ -18573,7 +18792,7 @@
           <p:cNvPr id="6" name="TextBox 6">
             <a:extLst>
               <a:ext uri="{FF2B5EF4-FFF2-40B4-BE49-F238E27FC236}">
-                <a16:creationId xmlns:a16="http://schemas.microsoft.com/office/drawing/2014/main" id="{F34D5DA5-8EDD-2DDD-92DC-0AC966F9674E}"/>
+                <a16:creationId xmlns:a16="http://schemas.microsoft.com/office/drawing/2014/main" xmlns="" id="{F34D5DA5-8EDD-2DDD-92DC-0AC966F9674E}"/>
               </a:ext>
             </a:extLst>
           </p:cNvPr>
@@ -18697,7 +18916,7 @@
           <p:cNvPr id="7" name="Freeform 7">
             <a:extLst>
               <a:ext uri="{FF2B5EF4-FFF2-40B4-BE49-F238E27FC236}">
-                <a16:creationId xmlns:a16="http://schemas.microsoft.com/office/drawing/2014/main" id="{2021F880-CACE-42A3-7764-AF11E42E3AEC}"/>
+                <a16:creationId xmlns:a16="http://schemas.microsoft.com/office/drawing/2014/main" xmlns="" id="{2021F880-CACE-42A3-7764-AF11E42E3AEC}"/>
               </a:ext>
             </a:extLst>
           </p:cNvPr>
@@ -18740,7 +18959,7 @@
             <a:blip r:embed="rId2">
               <a:extLst>
                 <a:ext uri="{96DAC541-7B7A-43D3-8B79-37D633B846F1}">
-                  <asvg:svgBlip xmlns:asvg="http://schemas.microsoft.com/office/drawing/2016/SVG/main" r:embed="rId3"/>
+                  <asvg:svgBlip xmlns:asvg="http://schemas.microsoft.com/office/drawing/2016/SVG/main" xmlns="" r:embed="rId3"/>
                 </a:ext>
               </a:extLst>
             </a:blip>
@@ -18755,7 +18974,7 @@
           <p:cNvPr id="8" name="Freeform 8">
             <a:extLst>
               <a:ext uri="{FF2B5EF4-FFF2-40B4-BE49-F238E27FC236}">
-                <a16:creationId xmlns:a16="http://schemas.microsoft.com/office/drawing/2014/main" id="{5F248FC3-2B1E-B100-D9C5-B38C304275D0}"/>
+                <a16:creationId xmlns:a16="http://schemas.microsoft.com/office/drawing/2014/main" xmlns="" id="{5F248FC3-2B1E-B100-D9C5-B38C304275D0}"/>
               </a:ext>
             </a:extLst>
           </p:cNvPr>
@@ -18798,7 +19017,7 @@
             <a:blip r:embed="rId8">
               <a:extLst>
                 <a:ext uri="{96DAC541-7B7A-43D3-8B79-37D633B846F1}">
-                  <asvg:svgBlip xmlns:asvg="http://schemas.microsoft.com/office/drawing/2016/SVG/main" r:embed="rId9"/>
+                  <asvg:svgBlip xmlns:asvg="http://schemas.microsoft.com/office/drawing/2016/SVG/main" xmlns="" r:embed="rId9"/>
                 </a:ext>
               </a:extLst>
             </a:blip>
@@ -18813,7 +19032,7 @@
           <p:cNvPr id="9" name="Freeform 9">
             <a:extLst>
               <a:ext uri="{FF2B5EF4-FFF2-40B4-BE49-F238E27FC236}">
-                <a16:creationId xmlns:a16="http://schemas.microsoft.com/office/drawing/2014/main" id="{FD14A959-3F84-CEA4-38A1-E38FB8144776}"/>
+                <a16:creationId xmlns:a16="http://schemas.microsoft.com/office/drawing/2014/main" xmlns="" id="{FD14A959-3F84-CEA4-38A1-E38FB8144776}"/>
               </a:ext>
             </a:extLst>
           </p:cNvPr>
@@ -18856,7 +19075,7 @@
             <a:blip r:embed="rId10">
               <a:extLst>
                 <a:ext uri="{96DAC541-7B7A-43D3-8B79-37D633B846F1}">
-                  <asvg:svgBlip xmlns:asvg="http://schemas.microsoft.com/office/drawing/2016/SVG/main" r:embed="rId11"/>
+                  <asvg:svgBlip xmlns:asvg="http://schemas.microsoft.com/office/drawing/2016/SVG/main" xmlns="" r:embed="rId11"/>
                 </a:ext>
               </a:extLst>
             </a:blip>
@@ -18871,7 +19090,7 @@
           <p:cNvPr id="12" name="Plaque 11">
             <a:extLst>
               <a:ext uri="{FF2B5EF4-FFF2-40B4-BE49-F238E27FC236}">
-                <a16:creationId xmlns:a16="http://schemas.microsoft.com/office/drawing/2014/main" id="{E34B982A-007D-BD8C-7480-2B3CEEFF391C}"/>
+                <a16:creationId xmlns:a16="http://schemas.microsoft.com/office/drawing/2014/main" xmlns="" id="{E34B982A-007D-BD8C-7480-2B3CEEFF391C}"/>
               </a:ext>
             </a:extLst>
           </p:cNvPr>
@@ -18924,7 +19143,7 @@
           <p:cNvPr id="13" name="object 14">
             <a:extLst>
               <a:ext uri="{FF2B5EF4-FFF2-40B4-BE49-F238E27FC236}">
-                <a16:creationId xmlns:a16="http://schemas.microsoft.com/office/drawing/2014/main" id="{69A4E4E7-0FE5-4EAE-EFB6-8DD7478C265F}"/>
+                <a16:creationId xmlns:a16="http://schemas.microsoft.com/office/drawing/2014/main" xmlns="" id="{69A4E4E7-0FE5-4EAE-EFB6-8DD7478C265F}"/>
               </a:ext>
             </a:extLst>
           </p:cNvPr>
@@ -19071,7 +19290,7 @@
           <p:cNvPr id="14" name="Picture 13">
             <a:extLst>
               <a:ext uri="{FF2B5EF4-FFF2-40B4-BE49-F238E27FC236}">
-                <a16:creationId xmlns:a16="http://schemas.microsoft.com/office/drawing/2014/main" id="{22C8BD1A-8781-1411-08EC-98A41E4B03DC}"/>
+                <a16:creationId xmlns:a16="http://schemas.microsoft.com/office/drawing/2014/main" xmlns="" id="{22C8BD1A-8781-1411-08EC-98A41E4B03DC}"/>
               </a:ext>
             </a:extLst>
           </p:cNvPr>
@@ -19081,7 +19300,7 @@
           <p:nvPr/>
         </p:nvPicPr>
         <p:blipFill>
-          <a:blip r:embed="rId12"/>
+          <a:blip r:embed="rId12" cstate="print"/>
           <a:stretch>
             <a:fillRect/>
           </a:stretch>
@@ -19101,7 +19320,7 @@
           <p:cNvPr id="15" name="Date Placeholder 17">
             <a:extLst>
               <a:ext uri="{FF2B5EF4-FFF2-40B4-BE49-F238E27FC236}">
-                <a16:creationId xmlns:a16="http://schemas.microsoft.com/office/drawing/2014/main" id="{BC8DA92A-3D06-DBF8-C3A8-E4B715A26F45}"/>
+                <a16:creationId xmlns:a16="http://schemas.microsoft.com/office/drawing/2014/main" xmlns="" id="{BC8DA92A-3D06-DBF8-C3A8-E4B715A26F45}"/>
               </a:ext>
             </a:extLst>
           </p:cNvPr>
@@ -19130,7 +19349,8 @@
                 <a:latin typeface="Times New Roman" panose="02020603050405020304" pitchFamily="18" charset="0"/>
                 <a:cs typeface="Times New Roman" panose="02020603050405020304" pitchFamily="18" charset="0"/>
               </a:rPr>
-              <a:t>Friday, December 26, 2025</a:t>
+              <a:pPr/>
+              <a:t>Sunday, December 28, 2025</a:t>
             </a:fld>
             <a:endParaRPr lang="en-US" b="1" dirty="0">
               <a:solidFill>
@@ -19145,13 +19365,20 @@
     </p:spTree>
     <p:extLst>
       <p:ext uri="{BB962C8B-B14F-4D97-AF65-F5344CB8AC3E}">
-        <p14:creationId xmlns:p14="http://schemas.microsoft.com/office/powerpoint/2010/main" val="4134914838"/>
+        <p14:creationId xmlns:p14="http://schemas.microsoft.com/office/powerpoint/2010/main" xmlns="" val="4134914838"/>
       </p:ext>
     </p:extLst>
   </p:cSld>
   <p:clrMapOvr>
     <a:masterClrMapping/>
   </p:clrMapOvr>
+  <p:timing>
+    <p:tnLst>
+      <p:par>
+        <p:cTn id="1" dur="indefinite" restart="never" nodeType="tmRoot"/>
+      </p:par>
+    </p:tnLst>
+  </p:timing>
 </p:sld>
 </file>
 
@@ -19222,7 +19449,7 @@
             <a:blip r:embed="rId2">
               <a:extLst>
                 <a:ext uri="{96DAC541-7B7A-43D3-8B79-37D633B846F1}">
-                  <asvg:svgBlip xmlns:asvg="http://schemas.microsoft.com/office/drawing/2016/SVG/main" r:embed="rId3"/>
+                  <asvg:svgBlip xmlns:asvg="http://schemas.microsoft.com/office/drawing/2016/SVG/main" xmlns="" r:embed="rId3"/>
                 </a:ext>
               </a:extLst>
             </a:blip>
@@ -19274,7 +19501,7 @@
             <a:blip r:embed="rId4">
               <a:extLst>
                 <a:ext uri="{96DAC541-7B7A-43D3-8B79-37D633B846F1}">
-                  <asvg:svgBlip xmlns:asvg="http://schemas.microsoft.com/office/drawing/2016/SVG/main" r:embed="rId5"/>
+                  <asvg:svgBlip xmlns:asvg="http://schemas.microsoft.com/office/drawing/2016/SVG/main" xmlns="" r:embed="rId5"/>
                 </a:ext>
               </a:extLst>
             </a:blip>
@@ -19326,7 +19553,7 @@
             <a:blip r:embed="rId6">
               <a:extLst>
                 <a:ext uri="{96DAC541-7B7A-43D3-8B79-37D633B846F1}">
-                  <asvg:svgBlip xmlns:asvg="http://schemas.microsoft.com/office/drawing/2016/SVG/main" r:embed="rId7"/>
+                  <asvg:svgBlip xmlns:asvg="http://schemas.microsoft.com/office/drawing/2016/SVG/main" xmlns="" r:embed="rId7"/>
                 </a:ext>
               </a:extLst>
             </a:blip>
@@ -19419,7 +19646,7 @@
             <a:blip r:embed="rId2">
               <a:extLst>
                 <a:ext uri="{96DAC541-7B7A-43D3-8B79-37D633B846F1}">
-                  <asvg:svgBlip xmlns:asvg="http://schemas.microsoft.com/office/drawing/2016/SVG/main" r:embed="rId3"/>
+                  <asvg:svgBlip xmlns:asvg="http://schemas.microsoft.com/office/drawing/2016/SVG/main" xmlns="" r:embed="rId3"/>
                 </a:ext>
               </a:extLst>
             </a:blip>
@@ -19471,7 +19698,7 @@
             <a:blip r:embed="rId8">
               <a:extLst>
                 <a:ext uri="{96DAC541-7B7A-43D3-8B79-37D633B846F1}">
-                  <asvg:svgBlip xmlns:asvg="http://schemas.microsoft.com/office/drawing/2016/SVG/main" r:embed="rId9"/>
+                  <asvg:svgBlip xmlns:asvg="http://schemas.microsoft.com/office/drawing/2016/SVG/main" xmlns="" r:embed="rId9"/>
                 </a:ext>
               </a:extLst>
             </a:blip>
@@ -19523,7 +19750,7 @@
             <a:blip r:embed="rId10">
               <a:extLst>
                 <a:ext uri="{96DAC541-7B7A-43D3-8B79-37D633B846F1}">
-                  <asvg:svgBlip xmlns:asvg="http://schemas.microsoft.com/office/drawing/2016/SVG/main" r:embed="rId11"/>
+                  <asvg:svgBlip xmlns:asvg="http://schemas.microsoft.com/office/drawing/2016/SVG/main" xmlns="" r:embed="rId11"/>
                 </a:ext>
               </a:extLst>
             </a:blip>
@@ -19538,7 +19765,7 @@
           <p:cNvPr id="13" name="TextBox 12">
             <a:extLst>
               <a:ext uri="{FF2B5EF4-FFF2-40B4-BE49-F238E27FC236}">
-                <a16:creationId xmlns:a16="http://schemas.microsoft.com/office/drawing/2014/main" id="{FD61DBBC-5291-FD1B-C97B-772A528DB8BD}"/>
+                <a16:creationId xmlns:a16="http://schemas.microsoft.com/office/drawing/2014/main" xmlns="" id="{FD61DBBC-5291-FD1B-C97B-772A528DB8BD}"/>
               </a:ext>
             </a:extLst>
           </p:cNvPr>
@@ -19651,7 +19878,7 @@
           <p:cNvPr id="16" name="Plaque 15">
             <a:extLst>
               <a:ext uri="{FF2B5EF4-FFF2-40B4-BE49-F238E27FC236}">
-                <a16:creationId xmlns:a16="http://schemas.microsoft.com/office/drawing/2014/main" id="{586CEB1D-F589-E6A9-1602-04A359E502C2}"/>
+                <a16:creationId xmlns:a16="http://schemas.microsoft.com/office/drawing/2014/main" xmlns="" id="{586CEB1D-F589-E6A9-1602-04A359E502C2}"/>
               </a:ext>
             </a:extLst>
           </p:cNvPr>
@@ -19704,7 +19931,7 @@
           <p:cNvPr id="5" name="object 14">
             <a:extLst>
               <a:ext uri="{FF2B5EF4-FFF2-40B4-BE49-F238E27FC236}">
-                <a16:creationId xmlns:a16="http://schemas.microsoft.com/office/drawing/2014/main" id="{B2F5A709-0DED-FEAC-40CD-FCB63FF25833}"/>
+                <a16:creationId xmlns:a16="http://schemas.microsoft.com/office/drawing/2014/main" xmlns="" id="{B2F5A709-0DED-FEAC-40CD-FCB63FF25833}"/>
               </a:ext>
             </a:extLst>
           </p:cNvPr>
@@ -19851,7 +20078,7 @@
           <p:cNvPr id="7" name="Picture 6">
             <a:extLst>
               <a:ext uri="{FF2B5EF4-FFF2-40B4-BE49-F238E27FC236}">
-                <a16:creationId xmlns:a16="http://schemas.microsoft.com/office/drawing/2014/main" id="{414A652B-9621-E9C8-38BD-A5FFB8F5A880}"/>
+                <a16:creationId xmlns:a16="http://schemas.microsoft.com/office/drawing/2014/main" xmlns="" id="{414A652B-9621-E9C8-38BD-A5FFB8F5A880}"/>
               </a:ext>
             </a:extLst>
           </p:cNvPr>
@@ -19861,7 +20088,7 @@
           <p:nvPr/>
         </p:nvPicPr>
         <p:blipFill>
-          <a:blip r:embed="rId12"/>
+          <a:blip r:embed="rId12" cstate="print"/>
           <a:stretch>
             <a:fillRect/>
           </a:stretch>
@@ -19881,7 +20108,7 @@
           <p:cNvPr id="8" name="Date Placeholder 17">
             <a:extLst>
               <a:ext uri="{FF2B5EF4-FFF2-40B4-BE49-F238E27FC236}">
-                <a16:creationId xmlns:a16="http://schemas.microsoft.com/office/drawing/2014/main" id="{D9F4E508-35BD-1274-4024-E55EC61243BD}"/>
+                <a16:creationId xmlns:a16="http://schemas.microsoft.com/office/drawing/2014/main" xmlns="" id="{D9F4E508-35BD-1274-4024-E55EC61243BD}"/>
               </a:ext>
             </a:extLst>
           </p:cNvPr>
@@ -19910,7 +20137,8 @@
                 <a:latin typeface="Times New Roman" panose="02020603050405020304" pitchFamily="18" charset="0"/>
                 <a:cs typeface="Times New Roman" panose="02020603050405020304" pitchFamily="18" charset="0"/>
               </a:rPr>
-              <a:t>Friday, December 26, 2025</a:t>
+              <a:pPr/>
+              <a:t>Sunday, December 28, 2025</a:t>
             </a:fld>
             <a:endParaRPr lang="en-US" b="1" dirty="0">
               <a:solidFill>
@@ -19927,6 +20155,13 @@
   <p:clrMapOvr>
     <a:masterClrMapping/>
   </p:clrMapOvr>
+  <p:timing>
+    <p:tnLst>
+      <p:par>
+        <p:cTn id="1" dur="indefinite" restart="never" nodeType="tmRoot"/>
+      </p:par>
+    </p:tnLst>
+  </p:timing>
 </p:sld>
 </file>
 
@@ -19997,7 +20232,7 @@
             <a:blip r:embed="rId2">
               <a:extLst>
                 <a:ext uri="{96DAC541-7B7A-43D3-8B79-37D633B846F1}">
-                  <asvg:svgBlip xmlns:asvg="http://schemas.microsoft.com/office/drawing/2016/SVG/main" r:embed="rId3"/>
+                  <asvg:svgBlip xmlns:asvg="http://schemas.microsoft.com/office/drawing/2016/SVG/main" xmlns="" r:embed="rId3"/>
                 </a:ext>
               </a:extLst>
             </a:blip>
@@ -20049,7 +20284,7 @@
             <a:blip r:embed="rId4">
               <a:extLst>
                 <a:ext uri="{96DAC541-7B7A-43D3-8B79-37D633B846F1}">
-                  <asvg:svgBlip xmlns:asvg="http://schemas.microsoft.com/office/drawing/2016/SVG/main" r:embed="rId5"/>
+                  <asvg:svgBlip xmlns:asvg="http://schemas.microsoft.com/office/drawing/2016/SVG/main" xmlns="" r:embed="rId5"/>
                 </a:ext>
               </a:extLst>
             </a:blip>
@@ -20101,7 +20336,7 @@
             <a:blip r:embed="rId6">
               <a:extLst>
                 <a:ext uri="{96DAC541-7B7A-43D3-8B79-37D633B846F1}">
-                  <asvg:svgBlip xmlns:asvg="http://schemas.microsoft.com/office/drawing/2016/SVG/main" r:embed="rId7"/>
+                  <asvg:svgBlip xmlns:asvg="http://schemas.microsoft.com/office/drawing/2016/SVG/main" xmlns="" r:embed="rId7"/>
                 </a:ext>
               </a:extLst>
             </a:blip>
@@ -20194,7 +20429,7 @@
             <a:blip r:embed="rId2">
               <a:extLst>
                 <a:ext uri="{96DAC541-7B7A-43D3-8B79-37D633B846F1}">
-                  <asvg:svgBlip xmlns:asvg="http://schemas.microsoft.com/office/drawing/2016/SVG/main" r:embed="rId3"/>
+                  <asvg:svgBlip xmlns:asvg="http://schemas.microsoft.com/office/drawing/2016/SVG/main" xmlns="" r:embed="rId3"/>
                 </a:ext>
               </a:extLst>
             </a:blip>
@@ -20246,7 +20481,7 @@
             <a:blip r:embed="rId8">
               <a:extLst>
                 <a:ext uri="{96DAC541-7B7A-43D3-8B79-37D633B846F1}">
-                  <asvg:svgBlip xmlns:asvg="http://schemas.microsoft.com/office/drawing/2016/SVG/main" r:embed="rId9"/>
+                  <asvg:svgBlip xmlns:asvg="http://schemas.microsoft.com/office/drawing/2016/SVG/main" xmlns="" r:embed="rId9"/>
                 </a:ext>
               </a:extLst>
             </a:blip>
@@ -20298,7 +20533,7 @@
             <a:blip r:embed="rId10">
               <a:extLst>
                 <a:ext uri="{96DAC541-7B7A-43D3-8B79-37D633B846F1}">
-                  <asvg:svgBlip xmlns:asvg="http://schemas.microsoft.com/office/drawing/2016/SVG/main" r:embed="rId11"/>
+                  <asvg:svgBlip xmlns:asvg="http://schemas.microsoft.com/office/drawing/2016/SVG/main" xmlns="" r:embed="rId11"/>
                 </a:ext>
               </a:extLst>
             </a:blip>
@@ -20313,7 +20548,7 @@
           <p:cNvPr id="12" name="TextBox 11">
             <a:extLst>
               <a:ext uri="{FF2B5EF4-FFF2-40B4-BE49-F238E27FC236}">
-                <a16:creationId xmlns:a16="http://schemas.microsoft.com/office/drawing/2014/main" id="{1B735688-799A-407D-1A80-AC42325DE096}"/>
+                <a16:creationId xmlns:a16="http://schemas.microsoft.com/office/drawing/2014/main" xmlns="" id="{1B735688-799A-407D-1A80-AC42325DE096}"/>
               </a:ext>
             </a:extLst>
           </p:cNvPr>
@@ -20438,7 +20673,7 @@
           <p:cNvPr id="15" name="Plaque 14">
             <a:extLst>
               <a:ext uri="{FF2B5EF4-FFF2-40B4-BE49-F238E27FC236}">
-                <a16:creationId xmlns:a16="http://schemas.microsoft.com/office/drawing/2014/main" id="{252AAC2B-7EF4-162D-47EF-FCACDEE15D3C}"/>
+                <a16:creationId xmlns:a16="http://schemas.microsoft.com/office/drawing/2014/main" xmlns="" id="{252AAC2B-7EF4-162D-47EF-FCACDEE15D3C}"/>
               </a:ext>
             </a:extLst>
           </p:cNvPr>
@@ -20491,7 +20726,7 @@
           <p:cNvPr id="6" name="object 14">
             <a:extLst>
               <a:ext uri="{FF2B5EF4-FFF2-40B4-BE49-F238E27FC236}">
-                <a16:creationId xmlns:a16="http://schemas.microsoft.com/office/drawing/2014/main" id="{276CAC77-2953-B076-6E8E-8F9E9F43D341}"/>
+                <a16:creationId xmlns:a16="http://schemas.microsoft.com/office/drawing/2014/main" xmlns="" id="{276CAC77-2953-B076-6E8E-8F9E9F43D341}"/>
               </a:ext>
             </a:extLst>
           </p:cNvPr>
@@ -20638,7 +20873,7 @@
           <p:cNvPr id="7" name="Picture 6">
             <a:extLst>
               <a:ext uri="{FF2B5EF4-FFF2-40B4-BE49-F238E27FC236}">
-                <a16:creationId xmlns:a16="http://schemas.microsoft.com/office/drawing/2014/main" id="{72EE507F-424B-CBE8-163E-73FD87C369AB}"/>
+                <a16:creationId xmlns:a16="http://schemas.microsoft.com/office/drawing/2014/main" xmlns="" id="{72EE507F-424B-CBE8-163E-73FD87C369AB}"/>
               </a:ext>
             </a:extLst>
           </p:cNvPr>
@@ -20648,7 +20883,7 @@
           <p:nvPr/>
         </p:nvPicPr>
         <p:blipFill>
-          <a:blip r:embed="rId12"/>
+          <a:blip r:embed="rId12" cstate="print"/>
           <a:stretch>
             <a:fillRect/>
           </a:stretch>
@@ -20668,7 +20903,7 @@
           <p:cNvPr id="11" name="Date Placeholder 17">
             <a:extLst>
               <a:ext uri="{FF2B5EF4-FFF2-40B4-BE49-F238E27FC236}">
-                <a16:creationId xmlns:a16="http://schemas.microsoft.com/office/drawing/2014/main" id="{1B1764BD-D9C5-F60B-F179-E98E4C8C1AC6}"/>
+                <a16:creationId xmlns:a16="http://schemas.microsoft.com/office/drawing/2014/main" xmlns="" id="{1B1764BD-D9C5-F60B-F179-E98E4C8C1AC6}"/>
               </a:ext>
             </a:extLst>
           </p:cNvPr>
@@ -20697,7 +20932,8 @@
                 <a:latin typeface="Times New Roman" panose="02020603050405020304" pitchFamily="18" charset="0"/>
                 <a:cs typeface="Times New Roman" panose="02020603050405020304" pitchFamily="18" charset="0"/>
               </a:rPr>
-              <a:t>Friday, December 26, 2025</a:t>
+              <a:pPr/>
+              <a:t>Sunday, December 28, 2025</a:t>
             </a:fld>
             <a:endParaRPr lang="en-US" b="1" dirty="0">
               <a:solidFill>
@@ -20714,6 +20950,13 @@
   <p:clrMapOvr>
     <a:masterClrMapping/>
   </p:clrMapOvr>
+  <p:timing>
+    <p:tnLst>
+      <p:par>
+        <p:cTn id="1" dur="indefinite" restart="never" nodeType="tmRoot"/>
+      </p:par>
+    </p:tnLst>
+  </p:timing>
 </p:sld>
 </file>
 
@@ -20733,7 +20976,7 @@
         <p:cNvPr id="1" name="">
           <a:extLst>
             <a:ext uri="{FF2B5EF4-FFF2-40B4-BE49-F238E27FC236}">
-              <a16:creationId xmlns:a16="http://schemas.microsoft.com/office/drawing/2014/main" id="{885F8BCE-2A2D-4B78-B13F-4D14F786833E}"/>
+              <a16:creationId xmlns:a16="http://schemas.microsoft.com/office/drawing/2014/main" xmlns="" id="{885F8BCE-2A2D-4B78-B13F-4D14F786833E}"/>
             </a:ext>
           </a:extLst>
         </p:cNvPr>
@@ -20753,7 +20996,7 @@
           <p:cNvPr id="2" name="Freeform 2">
             <a:extLst>
               <a:ext uri="{FF2B5EF4-FFF2-40B4-BE49-F238E27FC236}">
-                <a16:creationId xmlns:a16="http://schemas.microsoft.com/office/drawing/2014/main" id="{86AF79F1-0B56-3818-A057-052A6332240D}"/>
+                <a16:creationId xmlns:a16="http://schemas.microsoft.com/office/drawing/2014/main" xmlns="" id="{86AF79F1-0B56-3818-A057-052A6332240D}"/>
               </a:ext>
             </a:extLst>
           </p:cNvPr>
@@ -20796,7 +21039,7 @@
             <a:blip r:embed="rId2">
               <a:extLst>
                 <a:ext uri="{96DAC541-7B7A-43D3-8B79-37D633B846F1}">
-                  <asvg:svgBlip xmlns:asvg="http://schemas.microsoft.com/office/drawing/2016/SVG/main" r:embed="rId3"/>
+                  <asvg:svgBlip xmlns:asvg="http://schemas.microsoft.com/office/drawing/2016/SVG/main" xmlns="" r:embed="rId3"/>
                 </a:ext>
               </a:extLst>
             </a:blip>
@@ -20811,7 +21054,7 @@
           <p:cNvPr id="3" name="Freeform 3">
             <a:extLst>
               <a:ext uri="{FF2B5EF4-FFF2-40B4-BE49-F238E27FC236}">
-                <a16:creationId xmlns:a16="http://schemas.microsoft.com/office/drawing/2014/main" id="{E36F9C06-1608-6087-8C72-CA411412EDFA}"/>
+                <a16:creationId xmlns:a16="http://schemas.microsoft.com/office/drawing/2014/main" xmlns="" id="{E36F9C06-1608-6087-8C72-CA411412EDFA}"/>
               </a:ext>
             </a:extLst>
           </p:cNvPr>
@@ -20854,7 +21097,7 @@
             <a:blip r:embed="rId4">
               <a:extLst>
                 <a:ext uri="{96DAC541-7B7A-43D3-8B79-37D633B846F1}">
-                  <asvg:svgBlip xmlns:asvg="http://schemas.microsoft.com/office/drawing/2016/SVG/main" r:embed="rId5"/>
+                  <asvg:svgBlip xmlns:asvg="http://schemas.microsoft.com/office/drawing/2016/SVG/main" xmlns="" r:embed="rId5"/>
                 </a:ext>
               </a:extLst>
             </a:blip>
@@ -20869,7 +21112,7 @@
           <p:cNvPr id="4" name="Freeform 4">
             <a:extLst>
               <a:ext uri="{FF2B5EF4-FFF2-40B4-BE49-F238E27FC236}">
-                <a16:creationId xmlns:a16="http://schemas.microsoft.com/office/drawing/2014/main" id="{035FD5E1-3DBF-811F-4507-244DF1AE6891}"/>
+                <a16:creationId xmlns:a16="http://schemas.microsoft.com/office/drawing/2014/main" xmlns="" id="{035FD5E1-3DBF-811F-4507-244DF1AE6891}"/>
               </a:ext>
             </a:extLst>
           </p:cNvPr>
@@ -20912,7 +21155,7 @@
             <a:blip r:embed="rId6">
               <a:extLst>
                 <a:ext uri="{96DAC541-7B7A-43D3-8B79-37D633B846F1}">
-                  <asvg:svgBlip xmlns:asvg="http://schemas.microsoft.com/office/drawing/2016/SVG/main" r:embed="rId7"/>
+                  <asvg:svgBlip xmlns:asvg="http://schemas.microsoft.com/office/drawing/2016/SVG/main" xmlns="" r:embed="rId7"/>
                 </a:ext>
               </a:extLst>
             </a:blip>
@@ -20927,7 +21170,7 @@
           <p:cNvPr id="5" name="TextBox 5">
             <a:extLst>
               <a:ext uri="{FF2B5EF4-FFF2-40B4-BE49-F238E27FC236}">
-                <a16:creationId xmlns:a16="http://schemas.microsoft.com/office/drawing/2014/main" id="{8725CD2E-5322-AB76-E5A3-76A9D7E26221}"/>
+                <a16:creationId xmlns:a16="http://schemas.microsoft.com/office/drawing/2014/main" xmlns="" id="{8725CD2E-5322-AB76-E5A3-76A9D7E26221}"/>
               </a:ext>
             </a:extLst>
           </p:cNvPr>
@@ -20974,7 +21217,7 @@
           <p:cNvPr id="10" name="Freeform 10">
             <a:extLst>
               <a:ext uri="{FF2B5EF4-FFF2-40B4-BE49-F238E27FC236}">
-                <a16:creationId xmlns:a16="http://schemas.microsoft.com/office/drawing/2014/main" id="{D860941F-8264-225C-FE55-31493A4CE815}"/>
+                <a16:creationId xmlns:a16="http://schemas.microsoft.com/office/drawing/2014/main" xmlns="" id="{D860941F-8264-225C-FE55-31493A4CE815}"/>
               </a:ext>
             </a:extLst>
           </p:cNvPr>
@@ -21017,7 +21260,7 @@
             <a:blip r:embed="rId2">
               <a:extLst>
                 <a:ext uri="{96DAC541-7B7A-43D3-8B79-37D633B846F1}">
-                  <asvg:svgBlip xmlns:asvg="http://schemas.microsoft.com/office/drawing/2016/SVG/main" r:embed="rId3"/>
+                  <asvg:svgBlip xmlns:asvg="http://schemas.microsoft.com/office/drawing/2016/SVG/main" xmlns="" r:embed="rId3"/>
                 </a:ext>
               </a:extLst>
             </a:blip>
@@ -21032,7 +21275,7 @@
           <p:cNvPr id="11" name="Freeform 11">
             <a:extLst>
               <a:ext uri="{FF2B5EF4-FFF2-40B4-BE49-F238E27FC236}">
-                <a16:creationId xmlns:a16="http://schemas.microsoft.com/office/drawing/2014/main" id="{F6D03BB6-B8A5-8DE1-EC3B-2DFF9D5E6A29}"/>
+                <a16:creationId xmlns:a16="http://schemas.microsoft.com/office/drawing/2014/main" xmlns="" id="{F6D03BB6-B8A5-8DE1-EC3B-2DFF9D5E6A29}"/>
               </a:ext>
             </a:extLst>
           </p:cNvPr>
@@ -21075,7 +21318,7 @@
             <a:blip r:embed="rId8">
               <a:extLst>
                 <a:ext uri="{96DAC541-7B7A-43D3-8B79-37D633B846F1}">
-                  <asvg:svgBlip xmlns:asvg="http://schemas.microsoft.com/office/drawing/2016/SVG/main" r:embed="rId9"/>
+                  <asvg:svgBlip xmlns:asvg="http://schemas.microsoft.com/office/drawing/2016/SVG/main" xmlns="" r:embed="rId9"/>
                 </a:ext>
               </a:extLst>
             </a:blip>
@@ -21090,7 +21333,7 @@
           <p:cNvPr id="12" name="Freeform 12">
             <a:extLst>
               <a:ext uri="{FF2B5EF4-FFF2-40B4-BE49-F238E27FC236}">
-                <a16:creationId xmlns:a16="http://schemas.microsoft.com/office/drawing/2014/main" id="{C2B31DB2-4778-C2B4-A533-2D314E60CFBB}"/>
+                <a16:creationId xmlns:a16="http://schemas.microsoft.com/office/drawing/2014/main" xmlns="" id="{C2B31DB2-4778-C2B4-A533-2D314E60CFBB}"/>
               </a:ext>
             </a:extLst>
           </p:cNvPr>
@@ -21133,7 +21376,7 @@
             <a:blip r:embed="rId10">
               <a:extLst>
                 <a:ext uri="{96DAC541-7B7A-43D3-8B79-37D633B846F1}">
-                  <asvg:svgBlip xmlns:asvg="http://schemas.microsoft.com/office/drawing/2016/SVG/main" r:embed="rId11"/>
+                  <asvg:svgBlip xmlns:asvg="http://schemas.microsoft.com/office/drawing/2016/SVG/main" xmlns="" r:embed="rId11"/>
                 </a:ext>
               </a:extLst>
             </a:blip>
@@ -21148,7 +21391,7 @@
           <p:cNvPr id="14" name="TextBox 13">
             <a:extLst>
               <a:ext uri="{FF2B5EF4-FFF2-40B4-BE49-F238E27FC236}">
-                <a16:creationId xmlns:a16="http://schemas.microsoft.com/office/drawing/2014/main" id="{E655BD79-7DDE-566E-34F2-70D8858A254B}"/>
+                <a16:creationId xmlns:a16="http://schemas.microsoft.com/office/drawing/2014/main" xmlns="" id="{E655BD79-7DDE-566E-34F2-70D8858A254B}"/>
               </a:ext>
             </a:extLst>
           </p:cNvPr>
@@ -21158,7 +21401,7 @@
         <p:spPr>
           <a:xfrm>
             <a:off x="3936786" y="895937"/>
-            <a:ext cx="5823378" cy="8108245"/>
+            <a:ext cx="5823378" cy="8202245"/>
           </a:xfrm>
           <a:prstGeom prst="rect">
             <a:avLst/>
@@ -21193,11 +21436,18 @@
               <a:buChar char="v"/>
             </a:pPr>
             <a:r>
-              <a:rPr lang="en-US" sz="3400" dirty="0" err="1">
+              <a:rPr lang="en-US" sz="3400" dirty="0" err="1" smtClean="0">
                 <a:latin typeface="Times New Roman" panose="02020603050405020304" pitchFamily="18" charset="0"/>
                 <a:cs typeface="Times New Roman" panose="02020603050405020304" pitchFamily="18" charset="0"/>
               </a:rPr>
               <a:t>NodeMCU</a:t>
+            </a:r>
+            <a:r>
+              <a:rPr lang="en-US" sz="3400" dirty="0" smtClean="0">
+                <a:latin typeface="Times New Roman" panose="02020603050405020304" pitchFamily="18" charset="0"/>
+                <a:cs typeface="Times New Roman" panose="02020603050405020304" pitchFamily="18" charset="0"/>
+              </a:rPr>
+              <a:t> ESP-32</a:t>
             </a:r>
             <a:endParaRPr lang="en-US" sz="3400" dirty="0">
               <a:latin typeface="Times New Roman" panose="02020603050405020304" pitchFamily="18" charset="0"/>
@@ -21281,7 +21531,21 @@
                 <a:latin typeface="Times New Roman" panose="02020603050405020304" pitchFamily="18" charset="0"/>
                 <a:cs typeface="Times New Roman" panose="02020603050405020304" pitchFamily="18" charset="0"/>
               </a:rPr>
-              <a:t>Mode Switching Switch</a:t>
+              <a:t>Mode </a:t>
+            </a:r>
+            <a:r>
+              <a:rPr lang="en-US" sz="3400" dirty="0" smtClean="0">
+                <a:latin typeface="Times New Roman" panose="02020603050405020304" pitchFamily="18" charset="0"/>
+                <a:cs typeface="Times New Roman" panose="02020603050405020304" pitchFamily="18" charset="0"/>
+              </a:rPr>
+              <a:t>Changing </a:t>
+            </a:r>
+            <a:r>
+              <a:rPr lang="en-US" sz="3400" dirty="0">
+                <a:latin typeface="Times New Roman" panose="02020603050405020304" pitchFamily="18" charset="0"/>
+                <a:cs typeface="Times New Roman" panose="02020603050405020304" pitchFamily="18" charset="0"/>
+              </a:rPr>
+              <a:t>Switch</a:t>
             </a:r>
           </a:p>
           <a:p>
@@ -21325,12 +21589,16 @@
               <a:buChar char="v"/>
             </a:pPr>
             <a:r>
-              <a:rPr lang="en-US" sz="3400" dirty="0">
+              <a:rPr lang="en-US" sz="3400" dirty="0" smtClean="0">
                 <a:latin typeface="Times New Roman" panose="02020603050405020304" pitchFamily="18" charset="0"/>
                 <a:cs typeface="Times New Roman" panose="02020603050405020304" pitchFamily="18" charset="0"/>
               </a:rPr>
-              <a:t>Switch</a:t>
-            </a:r>
+              <a:t>Power Switch</a:t>
+            </a:r>
+            <a:endParaRPr lang="en-US" sz="3400" dirty="0">
+              <a:latin typeface="Times New Roman" panose="02020603050405020304" pitchFamily="18" charset="0"/>
+              <a:cs typeface="Times New Roman" panose="02020603050405020304" pitchFamily="18" charset="0"/>
+            </a:endParaRPr>
           </a:p>
         </p:txBody>
       </p:sp>
@@ -21339,7 +21607,7 @@
           <p:cNvPr id="7" name="TextBox 6">
             <a:extLst>
               <a:ext uri="{FF2B5EF4-FFF2-40B4-BE49-F238E27FC236}">
-                <a16:creationId xmlns:a16="http://schemas.microsoft.com/office/drawing/2014/main" id="{AAA26C55-3343-BEAD-F740-DEC3DE460906}"/>
+                <a16:creationId xmlns:a16="http://schemas.microsoft.com/office/drawing/2014/main" xmlns="" id="{AAA26C55-3343-BEAD-F740-DEC3DE460906}"/>
               </a:ext>
             </a:extLst>
           </p:cNvPr>
@@ -21349,7 +21617,7 @@
         <p:spPr>
           <a:xfrm>
             <a:off x="10269855" y="1000586"/>
-            <a:ext cx="4636770" cy="7323415"/>
+            <a:ext cx="4636770" cy="7417415"/>
           </a:xfrm>
           <a:prstGeom prst="rect">
             <a:avLst/>
@@ -21384,11 +21652,25 @@
               <a:buChar char="v"/>
             </a:pPr>
             <a:r>
+              <a:rPr lang="en-US" sz="3400" dirty="0" err="1" smtClean="0">
+                <a:latin typeface="Times New Roman" panose="02020603050405020304" pitchFamily="18" charset="0"/>
+                <a:cs typeface="Times New Roman" panose="02020603050405020304" pitchFamily="18" charset="0"/>
+              </a:rPr>
+              <a:t>ATmega</a:t>
+            </a:r>
+            <a:r>
+              <a:rPr lang="en-US" sz="3400" dirty="0" smtClean="0">
+                <a:latin typeface="Times New Roman" panose="02020603050405020304" pitchFamily="18" charset="0"/>
+                <a:cs typeface="Times New Roman" panose="02020603050405020304" pitchFamily="18" charset="0"/>
+              </a:rPr>
+              <a:t> </a:t>
+            </a:r>
+            <a:r>
               <a:rPr lang="en-US" sz="3400" dirty="0">
                 <a:latin typeface="Times New Roman" panose="02020603050405020304" pitchFamily="18" charset="0"/>
                 <a:cs typeface="Times New Roman" panose="02020603050405020304" pitchFamily="18" charset="0"/>
               </a:rPr>
-              <a:t>AT Mega 328p</a:t>
+              <a:t>328p</a:t>
             </a:r>
           </a:p>
           <a:p>
@@ -21420,7 +21702,14 @@
                 <a:latin typeface="Times New Roman" panose="02020603050405020304" pitchFamily="18" charset="0"/>
                 <a:cs typeface="Times New Roman" panose="02020603050405020304" pitchFamily="18" charset="0"/>
               </a:rPr>
-              <a:t>Buck Converter</a:t>
+              <a:t>Buck </a:t>
+            </a:r>
+            <a:r>
+              <a:rPr lang="en-US" sz="3400" dirty="0" smtClean="0">
+                <a:latin typeface="Times New Roman" panose="02020603050405020304" pitchFamily="18" charset="0"/>
+                <a:cs typeface="Times New Roman" panose="02020603050405020304" pitchFamily="18" charset="0"/>
+              </a:rPr>
+              <a:t>Converter</a:t>
             </a:r>
           </a:p>
           <a:p>
@@ -21432,12 +21721,16 @@
               <a:buChar char="v"/>
             </a:pPr>
             <a:r>
-              <a:rPr lang="en-US" sz="3400" dirty="0">
+              <a:rPr lang="en-US" sz="3400" dirty="0" smtClean="0">
                 <a:latin typeface="Times New Roman" panose="02020603050405020304" pitchFamily="18" charset="0"/>
                 <a:cs typeface="Times New Roman" panose="02020603050405020304" pitchFamily="18" charset="0"/>
               </a:rPr>
-              <a:t>Connecting Wires</a:t>
-            </a:r>
+              <a:t>NRF24L01</a:t>
+            </a:r>
+            <a:endParaRPr lang="en-US" sz="3400" dirty="0">
+              <a:latin typeface="Times New Roman" panose="02020603050405020304" pitchFamily="18" charset="0"/>
+              <a:cs typeface="Times New Roman" panose="02020603050405020304" pitchFamily="18" charset="0"/>
+            </a:endParaRPr>
           </a:p>
           <a:p>
             <a:pPr marL="457200" indent="-457200" algn="just">
@@ -21448,12 +21741,23 @@
               <a:buChar char="v"/>
             </a:pPr>
             <a:r>
-              <a:rPr lang="en-US" sz="3400" dirty="0">
+              <a:rPr lang="en-US" sz="3400" dirty="0" smtClean="0">
                 <a:latin typeface="Times New Roman" panose="02020603050405020304" pitchFamily="18" charset="0"/>
                 <a:cs typeface="Times New Roman" panose="02020603050405020304" pitchFamily="18" charset="0"/>
               </a:rPr>
-              <a:t>Battery</a:t>
-            </a:r>
+              <a:t>Cristal </a:t>
+            </a:r>
+            <a:r>
+              <a:rPr lang="en-US" sz="3400" dirty="0" smtClean="0">
+                <a:latin typeface="Times New Roman" panose="02020603050405020304" pitchFamily="18" charset="0"/>
+                <a:cs typeface="Times New Roman" panose="02020603050405020304" pitchFamily="18" charset="0"/>
+              </a:rPr>
+              <a:t>Oscillator</a:t>
+            </a:r>
+            <a:endParaRPr lang="en-US" sz="3400" dirty="0">
+              <a:latin typeface="Times New Roman" panose="02020603050405020304" pitchFamily="18" charset="0"/>
+              <a:cs typeface="Times New Roman" panose="02020603050405020304" pitchFamily="18" charset="0"/>
+            </a:endParaRPr>
           </a:p>
           <a:p>
             <a:pPr marL="457200" indent="-457200" algn="just">
@@ -21464,11 +21768,11 @@
               <a:buChar char="v"/>
             </a:pPr>
             <a:r>
-              <a:rPr lang="en-US" sz="3400" dirty="0">
+              <a:rPr lang="en-US" sz="3400" dirty="0" smtClean="0">
                 <a:latin typeface="Times New Roman" panose="02020603050405020304" pitchFamily="18" charset="0"/>
                 <a:cs typeface="Times New Roman" panose="02020603050405020304" pitchFamily="18" charset="0"/>
               </a:rPr>
-              <a:t>NRF24L</a:t>
+              <a:t>Connecting Wires</a:t>
             </a:r>
           </a:p>
           <a:p>
@@ -21480,12 +21784,16 @@
               <a:buChar char="v"/>
             </a:pPr>
             <a:r>
-              <a:rPr lang="en-US" sz="3400" dirty="0">
+              <a:rPr lang="en-US" sz="3400" dirty="0" smtClean="0">
                 <a:latin typeface="Times New Roman" panose="02020603050405020304" pitchFamily="18" charset="0"/>
                 <a:cs typeface="Times New Roman" panose="02020603050405020304" pitchFamily="18" charset="0"/>
               </a:rPr>
-              <a:t>Cristal</a:t>
-            </a:r>
+              <a:t>Battery</a:t>
+            </a:r>
+            <a:endParaRPr lang="en-US" sz="3400" dirty="0">
+              <a:latin typeface="Times New Roman" panose="02020603050405020304" pitchFamily="18" charset="0"/>
+              <a:cs typeface="Times New Roman" panose="02020603050405020304" pitchFamily="18" charset="0"/>
+            </a:endParaRPr>
           </a:p>
           <a:p>
             <a:pPr marL="457200" indent="-457200" algn="just">
@@ -21496,12 +21804,16 @@
               <a:buChar char="v"/>
             </a:pPr>
             <a:r>
-              <a:rPr lang="en-US" sz="3400" dirty="0">
+              <a:rPr lang="en-US" sz="3400" dirty="0" smtClean="0">
                 <a:latin typeface="Times New Roman" panose="02020603050405020304" pitchFamily="18" charset="0"/>
                 <a:cs typeface="Times New Roman" panose="02020603050405020304" pitchFamily="18" charset="0"/>
               </a:rPr>
-              <a:t>Switch</a:t>
-            </a:r>
+              <a:t>Power Switch</a:t>
+            </a:r>
+            <a:endParaRPr lang="en-US" sz="3400" dirty="0">
+              <a:latin typeface="Times New Roman" panose="02020603050405020304" pitchFamily="18" charset="0"/>
+              <a:cs typeface="Times New Roman" panose="02020603050405020304" pitchFamily="18" charset="0"/>
+            </a:endParaRPr>
           </a:p>
         </p:txBody>
       </p:sp>
@@ -21510,7 +21822,7 @@
           <p:cNvPr id="13" name="Plaque 12">
             <a:extLst>
               <a:ext uri="{FF2B5EF4-FFF2-40B4-BE49-F238E27FC236}">
-                <a16:creationId xmlns:a16="http://schemas.microsoft.com/office/drawing/2014/main" id="{12191A3E-5305-9BD2-CB2D-91222976BFEA}"/>
+                <a16:creationId xmlns:a16="http://schemas.microsoft.com/office/drawing/2014/main" xmlns="" id="{12191A3E-5305-9BD2-CB2D-91222976BFEA}"/>
               </a:ext>
             </a:extLst>
           </p:cNvPr>
@@ -21563,7 +21875,7 @@
           <p:cNvPr id="6" name="object 14">
             <a:extLst>
               <a:ext uri="{FF2B5EF4-FFF2-40B4-BE49-F238E27FC236}">
-                <a16:creationId xmlns:a16="http://schemas.microsoft.com/office/drawing/2014/main" id="{EF2BD84D-0B1F-5321-935D-F278AEF177D8}"/>
+                <a16:creationId xmlns:a16="http://schemas.microsoft.com/office/drawing/2014/main" xmlns="" id="{EF2BD84D-0B1F-5321-935D-F278AEF177D8}"/>
               </a:ext>
             </a:extLst>
           </p:cNvPr>
@@ -21710,7 +22022,7 @@
           <p:cNvPr id="15" name="Picture 14">
             <a:extLst>
               <a:ext uri="{FF2B5EF4-FFF2-40B4-BE49-F238E27FC236}">
-                <a16:creationId xmlns:a16="http://schemas.microsoft.com/office/drawing/2014/main" id="{DFD51576-3B61-173D-1F0A-70725AD41239}"/>
+                <a16:creationId xmlns:a16="http://schemas.microsoft.com/office/drawing/2014/main" xmlns="" id="{DFD51576-3B61-173D-1F0A-70725AD41239}"/>
               </a:ext>
             </a:extLst>
           </p:cNvPr>
@@ -21720,7 +22032,7 @@
           <p:nvPr/>
         </p:nvPicPr>
         <p:blipFill>
-          <a:blip r:embed="rId12"/>
+          <a:blip r:embed="rId12" cstate="print"/>
           <a:stretch>
             <a:fillRect/>
           </a:stretch>
@@ -21740,7 +22052,7 @@
           <p:cNvPr id="16" name="Date Placeholder 17">
             <a:extLst>
               <a:ext uri="{FF2B5EF4-FFF2-40B4-BE49-F238E27FC236}">
-                <a16:creationId xmlns:a16="http://schemas.microsoft.com/office/drawing/2014/main" id="{A39B008E-7AB9-F4C7-8A4E-43AD65F2B1A2}"/>
+                <a16:creationId xmlns:a16="http://schemas.microsoft.com/office/drawing/2014/main" xmlns="" id="{A39B008E-7AB9-F4C7-8A4E-43AD65F2B1A2}"/>
               </a:ext>
             </a:extLst>
           </p:cNvPr>
@@ -21769,7 +22081,8 @@
                 <a:latin typeface="Times New Roman" panose="02020603050405020304" pitchFamily="18" charset="0"/>
                 <a:cs typeface="Times New Roman" panose="02020603050405020304" pitchFamily="18" charset="0"/>
               </a:rPr>
-              <a:t>Friday, December 26, 2025</a:t>
+              <a:pPr/>
+              <a:t>Sunday, December 28, 2025</a:t>
             </a:fld>
             <a:endParaRPr lang="en-US" b="1" dirty="0">
               <a:solidFill>
@@ -21784,13 +22097,20 @@
     </p:spTree>
     <p:extLst>
       <p:ext uri="{BB962C8B-B14F-4D97-AF65-F5344CB8AC3E}">
-        <p14:creationId xmlns:p14="http://schemas.microsoft.com/office/powerpoint/2010/main" val="1593425529"/>
+        <p14:creationId xmlns:p14="http://schemas.microsoft.com/office/powerpoint/2010/main" xmlns="" val="1593425529"/>
       </p:ext>
     </p:extLst>
   </p:cSld>
   <p:clrMapOvr>
     <a:masterClrMapping/>
   </p:clrMapOvr>
+  <p:timing>
+    <p:tnLst>
+      <p:par>
+        <p:cTn id="1" dur="indefinite" restart="never" nodeType="tmRoot"/>
+      </p:par>
+    </p:tnLst>
+  </p:timing>
 </p:sld>
 </file>
 
@@ -21861,7 +22181,7 @@
             <a:blip r:embed="rId2">
               <a:extLst>
                 <a:ext uri="{96DAC541-7B7A-43D3-8B79-37D633B846F1}">
-                  <asvg:svgBlip xmlns:asvg="http://schemas.microsoft.com/office/drawing/2016/SVG/main" r:embed="rId3"/>
+                  <asvg:svgBlip xmlns:asvg="http://schemas.microsoft.com/office/drawing/2016/SVG/main" xmlns="" r:embed="rId3"/>
                 </a:ext>
               </a:extLst>
             </a:blip>
@@ -21913,7 +22233,7 @@
             <a:blip r:embed="rId2">
               <a:extLst>
                 <a:ext uri="{96DAC541-7B7A-43D3-8B79-37D633B846F1}">
-                  <asvg:svgBlip xmlns:asvg="http://schemas.microsoft.com/office/drawing/2016/SVG/main" r:embed="rId3"/>
+                  <asvg:svgBlip xmlns:asvg="http://schemas.microsoft.com/office/drawing/2016/SVG/main" xmlns="" r:embed="rId3"/>
                 </a:ext>
               </a:extLst>
             </a:blip>
@@ -21965,7 +22285,7 @@
             <a:blip r:embed="rId4">
               <a:extLst>
                 <a:ext uri="{96DAC541-7B7A-43D3-8B79-37D633B846F1}">
-                  <asvg:svgBlip xmlns:asvg="http://schemas.microsoft.com/office/drawing/2016/SVG/main" r:embed="rId5"/>
+                  <asvg:svgBlip xmlns:asvg="http://schemas.microsoft.com/office/drawing/2016/SVG/main" xmlns="" r:embed="rId5"/>
                 </a:ext>
               </a:extLst>
             </a:blip>
@@ -22017,7 +22337,7 @@
             <a:blip r:embed="rId6">
               <a:extLst>
                 <a:ext uri="{96DAC541-7B7A-43D3-8B79-37D633B846F1}">
-                  <asvg:svgBlip xmlns:asvg="http://schemas.microsoft.com/office/drawing/2016/SVG/main" r:embed="rId7"/>
+                  <asvg:svgBlip xmlns:asvg="http://schemas.microsoft.com/office/drawing/2016/SVG/main" xmlns="" r:embed="rId7"/>
                 </a:ext>
               </a:extLst>
             </a:blip>
@@ -22054,7 +22374,7 @@
               </a:lnSpc>
             </a:pPr>
             <a:r>
-              <a:rPr lang="en-US" sz="9129" b="1" dirty="0" err="1">
+              <a:rPr lang="en-US" sz="9129" b="1" dirty="0" err="1" smtClean="0">
                 <a:solidFill>
                   <a:srgbClr val="0166C2"/>
                 </a:solidFill>
@@ -22064,6 +22384,18 @@
                 <a:sym typeface="Luktao Bold"/>
               </a:rPr>
               <a:t>NodeMCU</a:t>
+            </a:r>
+            <a:r>
+              <a:rPr lang="en-US" sz="9129" b="1" dirty="0" smtClean="0">
+                <a:solidFill>
+                  <a:srgbClr val="0166C2"/>
+                </a:solidFill>
+                <a:latin typeface="Luktao Bold"/>
+                <a:ea typeface="Luktao Bold"/>
+                <a:cs typeface="Luktao Bold"/>
+                <a:sym typeface="Luktao Bold"/>
+              </a:rPr>
+              <a:t> ESP-32</a:t>
             </a:r>
             <a:endParaRPr lang="en-US" sz="9129" b="1" dirty="0">
               <a:solidFill>
@@ -22119,7 +22451,7 @@
             <a:blip r:embed="rId8">
               <a:extLst>
                 <a:ext uri="{96DAC541-7B7A-43D3-8B79-37D633B846F1}">
-                  <asvg:svgBlip xmlns:asvg="http://schemas.microsoft.com/office/drawing/2016/SVG/main" r:embed="rId9"/>
+                  <asvg:svgBlip xmlns:asvg="http://schemas.microsoft.com/office/drawing/2016/SVG/main" xmlns="" r:embed="rId9"/>
                 </a:ext>
               </a:extLst>
             </a:blip>
@@ -22134,7 +22466,7 @@
           <p:cNvPr id="17" name="Plaque 16">
             <a:extLst>
               <a:ext uri="{FF2B5EF4-FFF2-40B4-BE49-F238E27FC236}">
-                <a16:creationId xmlns:a16="http://schemas.microsoft.com/office/drawing/2014/main" id="{8F0718C1-D297-E9A7-D8F0-D675F968C9F7}"/>
+                <a16:creationId xmlns:a16="http://schemas.microsoft.com/office/drawing/2014/main" xmlns="" id="{8F0718C1-D297-E9A7-D8F0-D675F968C9F7}"/>
               </a:ext>
             </a:extLst>
           </p:cNvPr>
@@ -22187,7 +22519,7 @@
           <p:cNvPr id="7" name="TextBox 6">
             <a:extLst>
               <a:ext uri="{FF2B5EF4-FFF2-40B4-BE49-F238E27FC236}">
-                <a16:creationId xmlns:a16="http://schemas.microsoft.com/office/drawing/2014/main" id="{BE417434-9B44-88D7-EEAD-5D506732919A}"/>
+                <a16:creationId xmlns:a16="http://schemas.microsoft.com/office/drawing/2014/main" xmlns="" id="{BE417434-9B44-88D7-EEAD-5D506732919A}"/>
               </a:ext>
             </a:extLst>
           </p:cNvPr>
@@ -22196,8 +22528,8 @@
         </p:nvSpPr>
         <p:spPr>
           <a:xfrm>
-            <a:off x="300685" y="1235126"/>
-            <a:ext cx="17600507" cy="7830926"/>
+            <a:off x="304800" y="1028700"/>
+            <a:ext cx="17600507" cy="8710077"/>
           </a:xfrm>
           <a:prstGeom prst="rect">
             <a:avLst/>
@@ -22216,14 +22548,14 @@
               </a:lnSpc>
             </a:pPr>
             <a:r>
-              <a:rPr lang="en-US" sz="3200" dirty="0" err="1">
+              <a:rPr lang="en-US" sz="2800" dirty="0" err="1">
                 <a:latin typeface="Times New Roman" panose="02020603050405020304" pitchFamily="18" charset="0"/>
                 <a:ea typeface="Calibri" panose="020F0502020204030204" pitchFamily="34" charset="0"/>
               </a:rPr>
               <a:t>NodeMCU</a:t>
             </a:r>
             <a:r>
-              <a:rPr lang="en-US" sz="3200" dirty="0">
+              <a:rPr lang="en-US" sz="2800" dirty="0">
                 <a:latin typeface="Times New Roman" panose="02020603050405020304" pitchFamily="18" charset="0"/>
                 <a:ea typeface="Calibri" panose="020F0502020204030204" pitchFamily="34" charset="0"/>
               </a:rPr>
@@ -22237,7 +22569,7 @@
               </a:lnSpc>
             </a:pPr>
             <a:r>
-              <a:rPr lang="en-US" sz="3200" b="1" dirty="0">
+              <a:rPr lang="en-US" sz="2800" b="1" dirty="0">
                 <a:latin typeface="Times New Roman" panose="02020603050405020304" pitchFamily="18" charset="0"/>
               </a:rPr>
               <a:t>Specification</a:t>
@@ -22252,11 +22584,32 @@
               <a:buChar char="v"/>
             </a:pPr>
             <a:r>
-              <a:rPr lang="en-US" sz="3200" dirty="0">
+              <a:rPr lang="en-US" sz="2800" dirty="0">
                 <a:latin typeface="Times New Roman" panose="02020603050405020304" pitchFamily="18" charset="0"/>
               </a:rPr>
-              <a:t>Microcontroller	: ESP8266 (32-bit RISC CPU, Tensilica L106)</a:t>
-            </a:r>
+              <a:t>Microcontroller	</a:t>
+            </a:r>
+            <a:r>
+              <a:rPr lang="en-US" sz="2800" dirty="0" smtClean="0">
+                <a:latin typeface="Times New Roman" panose="02020603050405020304" pitchFamily="18" charset="0"/>
+              </a:rPr>
+              <a:t>	: ESP-32 </a:t>
+            </a:r>
+            <a:r>
+              <a:rPr lang="en-US" sz="2800" dirty="0">
+                <a:latin typeface="Times New Roman" panose="02020603050405020304" pitchFamily="18" charset="0"/>
+              </a:rPr>
+              <a:t>(</a:t>
+            </a:r>
+            <a:r>
+              <a:rPr lang="en-US" sz="2800" dirty="0" smtClean="0">
+                <a:latin typeface="Times New Roman" panose="02020603050405020304" pitchFamily="18" charset="0"/>
+              </a:rPr>
+              <a:t>32-bit, Dual-Core CPU)</a:t>
+            </a:r>
+            <a:endParaRPr lang="en-US" sz="2800" dirty="0">
+              <a:latin typeface="Times New Roman" panose="02020603050405020304" pitchFamily="18" charset="0"/>
+            </a:endParaRPr>
           </a:p>
           <a:p>
             <a:pPr marL="457200" indent="-457200" algn="just">
@@ -22267,10 +22620,16 @@
               <a:buChar char="v"/>
             </a:pPr>
             <a:r>
-              <a:rPr lang="en-US" sz="3200" dirty="0">
+              <a:rPr lang="en-US" sz="2800" dirty="0">
                 <a:latin typeface="Times New Roman" panose="02020603050405020304" pitchFamily="18" charset="0"/>
               </a:rPr>
-              <a:t>Operating Voltage	: 3.3V</a:t>
+              <a:t>Operating Voltage	: </a:t>
+            </a:r>
+            <a:r>
+              <a:rPr lang="en-US" sz="2800" dirty="0" smtClean="0">
+                <a:latin typeface="Times New Roman" panose="02020603050405020304" pitchFamily="18" charset="0"/>
+              </a:rPr>
+              <a:t>3.3V</a:t>
             </a:r>
           </a:p>
           <a:p>
@@ -22282,11 +22641,22 @@
               <a:buChar char="v"/>
             </a:pPr>
             <a:r>
-              <a:rPr lang="en-US" sz="3200" dirty="0">
+              <a:rPr lang="en-US" sz="2800" dirty="0" smtClean="0">
                 <a:latin typeface="Times New Roman" panose="02020603050405020304" pitchFamily="18" charset="0"/>
               </a:rPr>
-              <a:t>Flash Memory	: 4MB</a:t>
-            </a:r>
+              <a:t>Clock Speed 		: </a:t>
+            </a:r>
+            <a:r>
+              <a:rPr lang="en-US" sz="2800" b="1" dirty="0" smtClean="0"/>
+              <a:t>240 </a:t>
+            </a:r>
+            <a:r>
+              <a:rPr lang="en-US" sz="2800" b="1" dirty="0" smtClean="0"/>
+              <a:t>MHz</a:t>
+            </a:r>
+            <a:endParaRPr lang="en-US" sz="2800" dirty="0">
+              <a:latin typeface="Times New Roman" panose="02020603050405020304" pitchFamily="18" charset="0"/>
+            </a:endParaRPr>
           </a:p>
           <a:p>
             <a:pPr marL="457200" indent="-457200" algn="just">
@@ -22297,10 +22667,22 @@
               <a:buChar char="v"/>
             </a:pPr>
             <a:r>
-              <a:rPr lang="en-US" sz="3200" dirty="0">
+              <a:rPr lang="en-US" sz="2800" dirty="0">
                 <a:latin typeface="Times New Roman" panose="02020603050405020304" pitchFamily="18" charset="0"/>
               </a:rPr>
-              <a:t>Wi-Fi			: 802.11 b/g/n with built-in TCP/IP stack</a:t>
+              <a:t>Flash Memory	</a:t>
+            </a:r>
+            <a:r>
+              <a:rPr lang="en-US" sz="2800" dirty="0" smtClean="0">
+                <a:latin typeface="Times New Roman" panose="02020603050405020304" pitchFamily="18" charset="0"/>
+              </a:rPr>
+              <a:t>	: </a:t>
+            </a:r>
+            <a:r>
+              <a:rPr lang="en-US" sz="2800" dirty="0">
+                <a:latin typeface="Times New Roman" panose="02020603050405020304" pitchFamily="18" charset="0"/>
+              </a:rPr>
+              <a:t>4MB</a:t>
             </a:r>
           </a:p>
           <a:p>
@@ -22312,12 +22694,71 @@
               <a:buChar char="v"/>
             </a:pPr>
             <a:r>
-              <a:rPr lang="en-US" sz="3200" dirty="0">
+              <a:rPr lang="en-US" sz="2800" dirty="0">
                 <a:latin typeface="Times New Roman" panose="02020603050405020304" pitchFamily="18" charset="0"/>
               </a:rPr>
-              <a:t>GPIO Pins		: 11 digital I/O, 1 analog input</a:t>
-            </a:r>
-            <a:endParaRPr lang="en-US" sz="3200" dirty="0"/>
+              <a:t>Wi-Fi			: 802.11 b/g/n with built-in TCP/IP </a:t>
+            </a:r>
+            <a:r>
+              <a:rPr lang="en-US" sz="2800" dirty="0" smtClean="0">
+                <a:latin typeface="Times New Roman" panose="02020603050405020304" pitchFamily="18" charset="0"/>
+              </a:rPr>
+              <a:t>stack</a:t>
+            </a:r>
+          </a:p>
+          <a:p>
+            <a:pPr marL="457200" indent="-457200" algn="just">
+              <a:lnSpc>
+                <a:spcPct val="200000"/>
+              </a:lnSpc>
+              <a:buFont typeface="Wingdings" panose="05000000000000000000" pitchFamily="2" charset="2"/>
+              <a:buChar char="v"/>
+            </a:pPr>
+            <a:r>
+              <a:rPr lang="en-US" sz="2800" dirty="0" smtClean="0"/>
+              <a:t>Bluetooth 		: V4.2 </a:t>
+            </a:r>
+            <a:r>
+              <a:rPr lang="en-US" sz="2800" dirty="0" smtClean="0"/>
+              <a:t>(Classic + BLE)</a:t>
+            </a:r>
+            <a:endParaRPr lang="en-US" sz="2800" dirty="0">
+              <a:latin typeface="Times New Roman" panose="02020603050405020304" pitchFamily="18" charset="0"/>
+            </a:endParaRPr>
+          </a:p>
+          <a:p>
+            <a:pPr marL="457200" indent="-457200" algn="just">
+              <a:lnSpc>
+                <a:spcPct val="200000"/>
+              </a:lnSpc>
+              <a:buFont typeface="Wingdings" panose="05000000000000000000" pitchFamily="2" charset="2"/>
+              <a:buChar char="v"/>
+            </a:pPr>
+            <a:r>
+              <a:rPr lang="en-US" sz="2800" dirty="0">
+                <a:latin typeface="Times New Roman" panose="02020603050405020304" pitchFamily="18" charset="0"/>
+              </a:rPr>
+              <a:t>GPIO Pins		: </a:t>
+            </a:r>
+            <a:r>
+              <a:rPr lang="en-US" sz="2800" dirty="0" smtClean="0">
+                <a:latin typeface="Times New Roman" panose="02020603050405020304" pitchFamily="18" charset="0"/>
+              </a:rPr>
+              <a:t>34 </a:t>
+            </a:r>
+            <a:r>
+              <a:rPr lang="en-US" sz="2800" dirty="0">
+                <a:latin typeface="Times New Roman" panose="02020603050405020304" pitchFamily="18" charset="0"/>
+              </a:rPr>
+              <a:t>digital I/O, </a:t>
+            </a:r>
+            <a:r>
+              <a:rPr lang="en-US" sz="2800" dirty="0" smtClean="0">
+                <a:latin typeface="Times New Roman" panose="02020603050405020304" pitchFamily="18" charset="0"/>
+              </a:rPr>
+              <a:t>18 ADC (12bit)</a:t>
+            </a:r>
+            <a:endParaRPr lang="en-US" sz="2800" dirty="0"/>
           </a:p>
         </p:txBody>
       </p:sp>
@@ -22326,7 +22767,7 @@
           <p:cNvPr id="8" name="Picture 7">
             <a:extLst>
               <a:ext uri="{FF2B5EF4-FFF2-40B4-BE49-F238E27FC236}">
-                <a16:creationId xmlns:a16="http://schemas.microsoft.com/office/drawing/2014/main" id="{E0A9C2E8-63FD-0B62-1014-5BFF2F104B98}"/>
+                <a16:creationId xmlns:a16="http://schemas.microsoft.com/office/drawing/2014/main" xmlns="" id="{E0A9C2E8-63FD-0B62-1014-5BFF2F104B98}"/>
               </a:ext>
             </a:extLst>
           </p:cNvPr>
@@ -22342,9 +22783,9 @@
           </a:stretch>
         </p:blipFill>
         <p:spPr>
-          <a:xfrm rot="19742712">
-            <a:off x="12012115" y="4294542"/>
-            <a:ext cx="5544137" cy="3427624"/>
+          <a:xfrm rot="593150">
+            <a:off x="10217869" y="2102570"/>
+            <a:ext cx="6892090" cy="6892090"/>
           </a:xfrm>
           <a:prstGeom prst="rect">
             <a:avLst/>
@@ -22356,7 +22797,7 @@
           <p:cNvPr id="9" name="object 14">
             <a:extLst>
               <a:ext uri="{FF2B5EF4-FFF2-40B4-BE49-F238E27FC236}">
-                <a16:creationId xmlns:a16="http://schemas.microsoft.com/office/drawing/2014/main" id="{344E9C7D-58FC-0AFD-8268-C0591941B562}"/>
+                <a16:creationId xmlns:a16="http://schemas.microsoft.com/office/drawing/2014/main" xmlns="" id="{344E9C7D-58FC-0AFD-8268-C0591941B562}"/>
               </a:ext>
             </a:extLst>
           </p:cNvPr>
@@ -22503,7 +22944,7 @@
           <p:cNvPr id="10" name="Picture 9">
             <a:extLst>
               <a:ext uri="{FF2B5EF4-FFF2-40B4-BE49-F238E27FC236}">
-                <a16:creationId xmlns:a16="http://schemas.microsoft.com/office/drawing/2014/main" id="{AD2BB2C1-7BAC-C963-8B57-CD8298BC7023}"/>
+                <a16:creationId xmlns:a16="http://schemas.microsoft.com/office/drawing/2014/main" xmlns="" id="{AD2BB2C1-7BAC-C963-8B57-CD8298BC7023}"/>
               </a:ext>
             </a:extLst>
           </p:cNvPr>
@@ -22513,7 +22954,7 @@
           <p:nvPr/>
         </p:nvPicPr>
         <p:blipFill>
-          <a:blip r:embed="rId11"/>
+          <a:blip r:embed="rId11" cstate="print"/>
           <a:stretch>
             <a:fillRect/>
           </a:stretch>
@@ -22533,7 +22974,7 @@
           <p:cNvPr id="12" name="Date Placeholder 17">
             <a:extLst>
               <a:ext uri="{FF2B5EF4-FFF2-40B4-BE49-F238E27FC236}">
-                <a16:creationId xmlns:a16="http://schemas.microsoft.com/office/drawing/2014/main" id="{E1DAE1FF-3FFD-C367-5F89-F82032F6201F}"/>
+                <a16:creationId xmlns:a16="http://schemas.microsoft.com/office/drawing/2014/main" xmlns="" id="{E1DAE1FF-3FFD-C367-5F89-F82032F6201F}"/>
               </a:ext>
             </a:extLst>
           </p:cNvPr>
@@ -22562,7 +23003,8 @@
                 <a:latin typeface="Times New Roman" panose="02020603050405020304" pitchFamily="18" charset="0"/>
                 <a:cs typeface="Times New Roman" panose="02020603050405020304" pitchFamily="18" charset="0"/>
               </a:rPr>
-              <a:t>Friday, December 26, 2025</a:t>
+              <a:pPr/>
+              <a:t>Sunday, December 28, 2025</a:t>
             </a:fld>
             <a:endParaRPr lang="en-US" b="1" dirty="0">
               <a:solidFill>
@@ -22579,6 +23021,13 @@
   <p:clrMapOvr>
     <a:masterClrMapping/>
   </p:clrMapOvr>
+  <p:timing>
+    <p:tnLst>
+      <p:par>
+        <p:cTn id="1" dur="indefinite" restart="never" nodeType="tmRoot"/>
+      </p:par>
+    </p:tnLst>
+  </p:timing>
 </p:sld>
 </file>
 
@@ -22598,7 +23047,7 @@
         <p:cNvPr id="1" name="">
           <a:extLst>
             <a:ext uri="{FF2B5EF4-FFF2-40B4-BE49-F238E27FC236}">
-              <a16:creationId xmlns:a16="http://schemas.microsoft.com/office/drawing/2014/main" id="{36B0B2A1-DA5C-8EAB-EF33-D6C6BD0CEA2A}"/>
+              <a16:creationId xmlns:a16="http://schemas.microsoft.com/office/drawing/2014/main" xmlns="" id="{36B0B2A1-DA5C-8EAB-EF33-D6C6BD0CEA2A}"/>
             </a:ext>
           </a:extLst>
         </p:cNvPr>
@@ -22618,7 +23067,7 @@
           <p:cNvPr id="2" name="Freeform 2">
             <a:extLst>
               <a:ext uri="{FF2B5EF4-FFF2-40B4-BE49-F238E27FC236}">
-                <a16:creationId xmlns:a16="http://schemas.microsoft.com/office/drawing/2014/main" id="{3D4C1532-41B3-BFD2-1887-FB31F84AFB91}"/>
+                <a16:creationId xmlns:a16="http://schemas.microsoft.com/office/drawing/2014/main" xmlns="" id="{3D4C1532-41B3-BFD2-1887-FB31F84AFB91}"/>
               </a:ext>
             </a:extLst>
           </p:cNvPr>
@@ -22661,7 +23110,7 @@
             <a:blip r:embed="rId2">
               <a:extLst>
                 <a:ext uri="{96DAC541-7B7A-43D3-8B79-37D633B846F1}">
-                  <asvg:svgBlip xmlns:asvg="http://schemas.microsoft.com/office/drawing/2016/SVG/main" r:embed="rId3"/>
+                  <asvg:svgBlip xmlns:asvg="http://schemas.microsoft.com/office/drawing/2016/SVG/main" xmlns="" r:embed="rId3"/>
                 </a:ext>
               </a:extLst>
             </a:blip>
@@ -22676,7 +23125,7 @@
           <p:cNvPr id="3" name="Freeform 3">
             <a:extLst>
               <a:ext uri="{FF2B5EF4-FFF2-40B4-BE49-F238E27FC236}">
-                <a16:creationId xmlns:a16="http://schemas.microsoft.com/office/drawing/2014/main" id="{3F96E247-3244-0F08-4886-FC3B281E3FE9}"/>
+                <a16:creationId xmlns:a16="http://schemas.microsoft.com/office/drawing/2014/main" xmlns="" id="{3F96E247-3244-0F08-4886-FC3B281E3FE9}"/>
               </a:ext>
             </a:extLst>
           </p:cNvPr>
@@ -22719,7 +23168,7 @@
             <a:blip r:embed="rId2">
               <a:extLst>
                 <a:ext uri="{96DAC541-7B7A-43D3-8B79-37D633B846F1}">
-                  <asvg:svgBlip xmlns:asvg="http://schemas.microsoft.com/office/drawing/2016/SVG/main" r:embed="rId3"/>
+                  <asvg:svgBlip xmlns:asvg="http://schemas.microsoft.com/office/drawing/2016/SVG/main" xmlns="" r:embed="rId3"/>
                 </a:ext>
               </a:extLst>
             </a:blip>
@@ -22734,7 +23183,7 @@
           <p:cNvPr id="4" name="Freeform 4">
             <a:extLst>
               <a:ext uri="{FF2B5EF4-FFF2-40B4-BE49-F238E27FC236}">
-                <a16:creationId xmlns:a16="http://schemas.microsoft.com/office/drawing/2014/main" id="{C0B9BB62-A204-C902-E619-35E1381A7E06}"/>
+                <a16:creationId xmlns:a16="http://schemas.microsoft.com/office/drawing/2014/main" xmlns="" id="{C0B9BB62-A204-C902-E619-35E1381A7E06}"/>
               </a:ext>
             </a:extLst>
           </p:cNvPr>
@@ -22777,7 +23226,7 @@
             <a:blip r:embed="rId4">
               <a:extLst>
                 <a:ext uri="{96DAC541-7B7A-43D3-8B79-37D633B846F1}">
-                  <asvg:svgBlip xmlns:asvg="http://schemas.microsoft.com/office/drawing/2016/SVG/main" r:embed="rId5"/>
+                  <asvg:svgBlip xmlns:asvg="http://schemas.microsoft.com/office/drawing/2016/SVG/main" xmlns="" r:embed="rId5"/>
                 </a:ext>
               </a:extLst>
             </a:blip>
@@ -22792,7 +23241,7 @@
           <p:cNvPr id="5" name="Freeform 5">
             <a:extLst>
               <a:ext uri="{FF2B5EF4-FFF2-40B4-BE49-F238E27FC236}">
-                <a16:creationId xmlns:a16="http://schemas.microsoft.com/office/drawing/2014/main" id="{7A72579C-6F66-7504-3DA9-C13F6A4693F3}"/>
+                <a16:creationId xmlns:a16="http://schemas.microsoft.com/office/drawing/2014/main" xmlns="" id="{7A72579C-6F66-7504-3DA9-C13F6A4693F3}"/>
               </a:ext>
             </a:extLst>
           </p:cNvPr>
@@ -22835,7 +23284,7 @@
             <a:blip r:embed="rId6">
               <a:extLst>
                 <a:ext uri="{96DAC541-7B7A-43D3-8B79-37D633B846F1}">
-                  <asvg:svgBlip xmlns:asvg="http://schemas.microsoft.com/office/drawing/2016/SVG/main" r:embed="rId7"/>
+                  <asvg:svgBlip xmlns:asvg="http://schemas.microsoft.com/office/drawing/2016/SVG/main" xmlns="" r:embed="rId7"/>
                 </a:ext>
               </a:extLst>
             </a:blip>
@@ -22850,7 +23299,7 @@
           <p:cNvPr id="6" name="TextBox 6">
             <a:extLst>
               <a:ext uri="{FF2B5EF4-FFF2-40B4-BE49-F238E27FC236}">
-                <a16:creationId xmlns:a16="http://schemas.microsoft.com/office/drawing/2014/main" id="{B180FD66-A842-8210-6B22-44B53DD6D86C}"/>
+                <a16:creationId xmlns:a16="http://schemas.microsoft.com/office/drawing/2014/main" xmlns="" id="{B180FD66-A842-8210-6B22-44B53DD6D86C}"/>
               </a:ext>
             </a:extLst>
           </p:cNvPr>
@@ -22909,7 +23358,7 @@
           <p:cNvPr id="11" name="Freeform 11">
             <a:extLst>
               <a:ext uri="{FF2B5EF4-FFF2-40B4-BE49-F238E27FC236}">
-                <a16:creationId xmlns:a16="http://schemas.microsoft.com/office/drawing/2014/main" id="{1E1C4A0E-1EA8-8768-C119-169B41811D8F}"/>
+                <a16:creationId xmlns:a16="http://schemas.microsoft.com/office/drawing/2014/main" xmlns="" id="{1E1C4A0E-1EA8-8768-C119-169B41811D8F}"/>
               </a:ext>
             </a:extLst>
           </p:cNvPr>
@@ -22952,7 +23401,7 @@
             <a:blip r:embed="rId8">
               <a:extLst>
                 <a:ext uri="{96DAC541-7B7A-43D3-8B79-37D633B846F1}">
-                  <asvg:svgBlip xmlns:asvg="http://schemas.microsoft.com/office/drawing/2016/SVG/main" r:embed="rId9"/>
+                  <asvg:svgBlip xmlns:asvg="http://schemas.microsoft.com/office/drawing/2016/SVG/main" xmlns="" r:embed="rId9"/>
                 </a:ext>
               </a:extLst>
             </a:blip>
@@ -22967,7 +23416,7 @@
           <p:cNvPr id="17" name="Plaque 16">
             <a:extLst>
               <a:ext uri="{FF2B5EF4-FFF2-40B4-BE49-F238E27FC236}">
-                <a16:creationId xmlns:a16="http://schemas.microsoft.com/office/drawing/2014/main" id="{B9F34487-DC72-18AD-23F1-7FF9F4C3789E}"/>
+                <a16:creationId xmlns:a16="http://schemas.microsoft.com/office/drawing/2014/main" xmlns="" id="{B9F34487-DC72-18AD-23F1-7FF9F4C3789E}"/>
               </a:ext>
             </a:extLst>
           </p:cNvPr>
@@ -23020,7 +23469,7 @@
           <p:cNvPr id="7" name="TextBox 6">
             <a:extLst>
               <a:ext uri="{FF2B5EF4-FFF2-40B4-BE49-F238E27FC236}">
-                <a16:creationId xmlns:a16="http://schemas.microsoft.com/office/drawing/2014/main" id="{B3820439-3CB8-84CF-BE5E-0721AC7D20B2}"/>
+                <a16:creationId xmlns:a16="http://schemas.microsoft.com/office/drawing/2014/main" xmlns="" id="{B3820439-3CB8-84CF-BE5E-0721AC7D20B2}"/>
               </a:ext>
             </a:extLst>
           </p:cNvPr>
@@ -23030,7 +23479,7 @@
         <p:spPr>
           <a:xfrm>
             <a:off x="300685" y="1235126"/>
-            <a:ext cx="17600507" cy="7830926"/>
+            <a:ext cx="17600507" cy="7971413"/>
           </a:xfrm>
           <a:prstGeom prst="rect">
             <a:avLst/>
@@ -23126,7 +23575,19 @@
               <a:rPr lang="en-US" sz="3200" dirty="0">
                 <a:latin typeface="Times New Roman" panose="02020603050405020304" pitchFamily="18" charset="0"/>
               </a:rPr>
-              <a:t>GPIO Pins    : 23 programmable I/O pins</a:t>
+              <a:t>GPIO Pins    : </a:t>
+            </a:r>
+            <a:r>
+              <a:rPr lang="en-US" sz="3200" dirty="0" smtClean="0">
+                <a:latin typeface="Times New Roman" panose="02020603050405020304" pitchFamily="18" charset="0"/>
+              </a:rPr>
+              <a:t>20 </a:t>
+            </a:r>
+            <a:r>
+              <a:rPr lang="en-US" sz="3200" dirty="0">
+                <a:latin typeface="Times New Roman" panose="02020603050405020304" pitchFamily="18" charset="0"/>
+              </a:rPr>
+              <a:t>programmable I/O pins</a:t>
             </a:r>
             <a:endParaRPr lang="en-US" sz="3200" dirty="0"/>
           </a:p>
@@ -23137,7 +23598,7 @@
           <p:cNvPr id="12" name="Picture 11" descr="A close-up of a microchip&#10;&#10;AI-generated content may be incorrect.">
             <a:extLst>
               <a:ext uri="{FF2B5EF4-FFF2-40B4-BE49-F238E27FC236}">
-                <a16:creationId xmlns:a16="http://schemas.microsoft.com/office/drawing/2014/main" id="{7158AC39-04A7-D983-12C4-7B5C572B0F93}"/>
+                <a16:creationId xmlns:a16="http://schemas.microsoft.com/office/drawing/2014/main" xmlns="" id="{7158AC39-04A7-D983-12C4-7B5C572B0F93}"/>
               </a:ext>
             </a:extLst>
           </p:cNvPr>
@@ -23167,7 +23628,7 @@
           <p:cNvPr id="13" name="object 14">
             <a:extLst>
               <a:ext uri="{FF2B5EF4-FFF2-40B4-BE49-F238E27FC236}">
-                <a16:creationId xmlns:a16="http://schemas.microsoft.com/office/drawing/2014/main" id="{71F94CDF-498A-5BD6-4399-23F6F606E661}"/>
+                <a16:creationId xmlns:a16="http://schemas.microsoft.com/office/drawing/2014/main" xmlns="" id="{71F94CDF-498A-5BD6-4399-23F6F606E661}"/>
               </a:ext>
             </a:extLst>
           </p:cNvPr>
@@ -23314,7 +23775,7 @@
           <p:cNvPr id="14" name="Picture 13">
             <a:extLst>
               <a:ext uri="{FF2B5EF4-FFF2-40B4-BE49-F238E27FC236}">
-                <a16:creationId xmlns:a16="http://schemas.microsoft.com/office/drawing/2014/main" id="{3B88A94C-2C19-19E5-CDEE-26ABEAEFFA9D}"/>
+                <a16:creationId xmlns:a16="http://schemas.microsoft.com/office/drawing/2014/main" xmlns="" id="{3B88A94C-2C19-19E5-CDEE-26ABEAEFFA9D}"/>
               </a:ext>
             </a:extLst>
           </p:cNvPr>
@@ -23324,7 +23785,7 @@
           <p:nvPr/>
         </p:nvPicPr>
         <p:blipFill>
-          <a:blip r:embed="rId11"/>
+          <a:blip r:embed="rId11" cstate="print"/>
           <a:stretch>
             <a:fillRect/>
           </a:stretch>
@@ -23344,7 +23805,7 @@
           <p:cNvPr id="18" name="Date Placeholder 17">
             <a:extLst>
               <a:ext uri="{FF2B5EF4-FFF2-40B4-BE49-F238E27FC236}">
-                <a16:creationId xmlns:a16="http://schemas.microsoft.com/office/drawing/2014/main" id="{5E597D8E-B974-9016-C086-E32141F0064A}"/>
+                <a16:creationId xmlns:a16="http://schemas.microsoft.com/office/drawing/2014/main" xmlns="" id="{5E597D8E-B974-9016-C086-E32141F0064A}"/>
               </a:ext>
             </a:extLst>
           </p:cNvPr>
@@ -23373,7 +23834,8 @@
                 <a:latin typeface="Times New Roman" panose="02020603050405020304" pitchFamily="18" charset="0"/>
                 <a:cs typeface="Times New Roman" panose="02020603050405020304" pitchFamily="18" charset="0"/>
               </a:rPr>
-              <a:t>Friday, December 26, 2025</a:t>
+              <a:pPr/>
+              <a:t>Sunday, December 28, 2025</a:t>
             </a:fld>
             <a:endParaRPr lang="en-US" b="1" dirty="0">
               <a:solidFill>
@@ -23388,13 +23850,20 @@
     </p:spTree>
     <p:extLst>
       <p:ext uri="{BB962C8B-B14F-4D97-AF65-F5344CB8AC3E}">
-        <p14:creationId xmlns:p14="http://schemas.microsoft.com/office/powerpoint/2010/main" val="3420980985"/>
+        <p14:creationId xmlns:p14="http://schemas.microsoft.com/office/powerpoint/2010/main" xmlns="" val="3420980985"/>
       </p:ext>
     </p:extLst>
   </p:cSld>
   <p:clrMapOvr>
     <a:masterClrMapping/>
   </p:clrMapOvr>
+  <p:timing>
+    <p:tnLst>
+      <p:par>
+        <p:cTn id="1" dur="indefinite" restart="never" nodeType="tmRoot"/>
+      </p:par>
+    </p:tnLst>
+  </p:timing>
 </p:sld>
 </file>
 
@@ -23724,7 +24193,7 @@
     </a:clrScheme>
     <a:fontScheme name="Office">
       <a:majorFont>
-        <a:latin typeface="Calibri Light" panose="020F0302020204030204"/>
+        <a:latin typeface="Calibri Light"/>
         <a:ea typeface=""/>
         <a:cs typeface=""/>
         <a:font script="Jpan" typeface="游ゴシック Light"/>
@@ -23776,7 +24245,7 @@
         <a:font script="Tfng" typeface="Ebrima"/>
       </a:majorFont>
       <a:minorFont>
-        <a:latin typeface="Calibri" panose="020F0502020204030204"/>
+        <a:latin typeface="Calibri"/>
         <a:ea typeface=""/>
         <a:cs typeface=""/>
         <a:font script="Jpan" typeface="游ゴシック"/>
@@ -23970,7 +24439,7 @@
   <a:extraClrSchemeLst/>
   <a:extLst>
     <a:ext uri="{05A4C25C-085E-4340-85A3-A5531E510DB2}">
-      <thm15:themeFamily xmlns:thm15="http://schemas.microsoft.com/office/thememl/2012/main" name="Office Theme" id="{62F939B6-93AF-4DB8-9C6B-D6C7DFDC589F}" vid="{4A3C46E8-61CC-4603-A589-7422A47A8E4A}"/>
+      <thm15:themeFamily xmlns:thm15="http://schemas.microsoft.com/office/thememl/2012/main" xmlns="" name="Office Theme" id="{62F939B6-93AF-4DB8-9C6B-D6C7DFDC589F}" vid="{4A3C46E8-61CC-4603-A589-7422A47A8E4A}"/>
     </a:ext>
   </a:extLst>
 </a:theme>
